--- a/Bilgisayar-Mimarisi-Slaytlar/Uygulama_1.pptx
+++ b/Bilgisayar-Mimarisi-Slaytlar/Uygulama_1.pptx
@@ -4,6 +4,9 @@
   <p:sldMasterIdLst>
     <p:sldMasterId id="2147483648" r:id="rId1"/>
   </p:sldMasterIdLst>
+  <p:notesMasterIdLst>
+    <p:notesMasterId r:id="rId20"/>
+  </p:notesMasterIdLst>
   <p:sldIdLst>
     <p:sldId id="256" r:id="rId2"/>
     <p:sldId id="257" r:id="rId3"/>
@@ -140,6 +143,356 @@
 </p:presentation>
 </file>
 
+<file path=ppt/notesMasters/notesMaster1.xml><?xml version="1.0" encoding="utf-8"?>
+<p:notesMaster xmlns:a="http://schemas.openxmlformats.org/drawingml/2006/main" xmlns:r="http://schemas.openxmlformats.org/officeDocument/2006/relationships" xmlns:p="http://schemas.openxmlformats.org/presentationml/2006/main">
+  <p:cSld>
+    <p:bg>
+      <p:bgRef idx="1001">
+        <a:schemeClr val="bg1"/>
+      </p:bgRef>
+    </p:bg>
+    <p:spTree>
+      <p:nvGrpSpPr>
+        <p:cNvPr id="1" name=""/>
+        <p:cNvGrpSpPr/>
+        <p:nvPr/>
+      </p:nvGrpSpPr>
+      <p:grpSpPr>
+        <a:xfrm>
+          <a:off x="0" y="0"/>
+          <a:ext cx="0" cy="0"/>
+          <a:chOff x="0" y="0"/>
+          <a:chExt cx="0" cy="0"/>
+        </a:xfrm>
+      </p:grpSpPr>
+      <p:sp>
+        <p:nvSpPr>
+          <p:cNvPr id="2" name="Üst Bilgi Yer Tutucusu 1"/>
+          <p:cNvSpPr>
+            <a:spLocks noGrp="1"/>
+          </p:cNvSpPr>
+          <p:nvPr>
+            <p:ph type="hdr" sz="quarter"/>
+          </p:nvPr>
+        </p:nvSpPr>
+        <p:spPr>
+          <a:xfrm>
+            <a:off x="0" y="0"/>
+            <a:ext cx="2971800" cy="458788"/>
+          </a:xfrm>
+          <a:prstGeom prst="rect">
+            <a:avLst/>
+          </a:prstGeom>
+        </p:spPr>
+        <p:txBody>
+          <a:bodyPr vert="horz" lIns="91440" tIns="45720" rIns="91440" bIns="45720" rtlCol="0"/>
+          <a:lstStyle>
+            <a:lvl1pPr algn="l">
+              <a:defRPr sz="1200"/>
+            </a:lvl1pPr>
+          </a:lstStyle>
+          <a:p>
+            <a:endParaRPr lang="en-US"/>
+          </a:p>
+        </p:txBody>
+      </p:sp>
+      <p:sp>
+        <p:nvSpPr>
+          <p:cNvPr id="3" name="Veri Yer Tutucusu 2"/>
+          <p:cNvSpPr>
+            <a:spLocks noGrp="1"/>
+          </p:cNvSpPr>
+          <p:nvPr>
+            <p:ph type="dt" idx="1"/>
+          </p:nvPr>
+        </p:nvSpPr>
+        <p:spPr>
+          <a:xfrm>
+            <a:off x="3884613" y="0"/>
+            <a:ext cx="2971800" cy="458788"/>
+          </a:xfrm>
+          <a:prstGeom prst="rect">
+            <a:avLst/>
+          </a:prstGeom>
+        </p:spPr>
+        <p:txBody>
+          <a:bodyPr vert="horz" lIns="91440" tIns="45720" rIns="91440" bIns="45720" rtlCol="0"/>
+          <a:lstStyle>
+            <a:lvl1pPr algn="r">
+              <a:defRPr sz="1200"/>
+            </a:lvl1pPr>
+          </a:lstStyle>
+          <a:p>
+            <a:fld id="{24A8155A-A75B-4D8A-A95C-98444224B046}" type="datetimeFigureOut">
+              <a:rPr lang="en-US" smtClean="0"/>
+              <a:t>3/22/2019</a:t>
+            </a:fld>
+            <a:endParaRPr lang="en-US"/>
+          </a:p>
+        </p:txBody>
+      </p:sp>
+      <p:sp>
+        <p:nvSpPr>
+          <p:cNvPr id="4" name="Slayt Resmi Yer Tutucusu 3"/>
+          <p:cNvSpPr>
+            <a:spLocks noGrp="1" noRot="1" noChangeAspect="1"/>
+          </p:cNvSpPr>
+          <p:nvPr>
+            <p:ph type="sldImg" idx="2"/>
+          </p:nvPr>
+        </p:nvSpPr>
+        <p:spPr>
+          <a:xfrm>
+            <a:off x="1371600" y="1143000"/>
+            <a:ext cx="4114800" cy="3086100"/>
+          </a:xfrm>
+          <a:prstGeom prst="rect">
+            <a:avLst/>
+          </a:prstGeom>
+          <a:noFill/>
+          <a:ln w="12700">
+            <a:solidFill>
+              <a:prstClr val="black"/>
+            </a:solidFill>
+          </a:ln>
+        </p:spPr>
+        <p:txBody>
+          <a:bodyPr vert="horz" lIns="91440" tIns="45720" rIns="91440" bIns="45720" rtlCol="0" anchor="ctr"/>
+          <a:lstStyle/>
+          <a:p>
+            <a:endParaRPr lang="en-US"/>
+          </a:p>
+        </p:txBody>
+      </p:sp>
+      <p:sp>
+        <p:nvSpPr>
+          <p:cNvPr id="5" name="Not Yer Tutucusu 4"/>
+          <p:cNvSpPr>
+            <a:spLocks noGrp="1"/>
+          </p:cNvSpPr>
+          <p:nvPr>
+            <p:ph type="body" sz="quarter" idx="3"/>
+          </p:nvPr>
+        </p:nvSpPr>
+        <p:spPr>
+          <a:xfrm>
+            <a:off x="685800" y="4400550"/>
+            <a:ext cx="5486400" cy="3600450"/>
+          </a:xfrm>
+          <a:prstGeom prst="rect">
+            <a:avLst/>
+          </a:prstGeom>
+        </p:spPr>
+        <p:txBody>
+          <a:bodyPr vert="horz" lIns="91440" tIns="45720" rIns="91440" bIns="45720" rtlCol="0"/>
+          <a:lstStyle/>
+          <a:p>
+            <a:pPr lvl="0"/>
+            <a:r>
+              <a:rPr lang="tr-TR"/>
+              <a:t>Asıl metin stillerini düzenlemek için tıklayın</a:t>
+            </a:r>
+          </a:p>
+          <a:p>
+            <a:pPr lvl="1"/>
+            <a:r>
+              <a:rPr lang="tr-TR"/>
+              <a:t>İkinci düzey</a:t>
+            </a:r>
+          </a:p>
+          <a:p>
+            <a:pPr lvl="2"/>
+            <a:r>
+              <a:rPr lang="tr-TR"/>
+              <a:t>Üçüncü düzey</a:t>
+            </a:r>
+          </a:p>
+          <a:p>
+            <a:pPr lvl="3"/>
+            <a:r>
+              <a:rPr lang="tr-TR"/>
+              <a:t>Dördüncü düzey</a:t>
+            </a:r>
+          </a:p>
+          <a:p>
+            <a:pPr lvl="4"/>
+            <a:r>
+              <a:rPr lang="tr-TR"/>
+              <a:t>Beşinci düzey</a:t>
+            </a:r>
+            <a:endParaRPr lang="en-US"/>
+          </a:p>
+        </p:txBody>
+      </p:sp>
+      <p:sp>
+        <p:nvSpPr>
+          <p:cNvPr id="6" name="Alt Bilgi Yer Tutucusu 5"/>
+          <p:cNvSpPr>
+            <a:spLocks noGrp="1"/>
+          </p:cNvSpPr>
+          <p:nvPr>
+            <p:ph type="ftr" sz="quarter" idx="4"/>
+          </p:nvPr>
+        </p:nvSpPr>
+        <p:spPr>
+          <a:xfrm>
+            <a:off x="0" y="8685213"/>
+            <a:ext cx="2971800" cy="458787"/>
+          </a:xfrm>
+          <a:prstGeom prst="rect">
+            <a:avLst/>
+          </a:prstGeom>
+        </p:spPr>
+        <p:txBody>
+          <a:bodyPr vert="horz" lIns="91440" tIns="45720" rIns="91440" bIns="45720" rtlCol="0" anchor="b"/>
+          <a:lstStyle>
+            <a:lvl1pPr algn="l">
+              <a:defRPr sz="1200"/>
+            </a:lvl1pPr>
+          </a:lstStyle>
+          <a:p>
+            <a:endParaRPr lang="en-US"/>
+          </a:p>
+        </p:txBody>
+      </p:sp>
+      <p:sp>
+        <p:nvSpPr>
+          <p:cNvPr id="7" name="Slayt Numarası Yer Tutucusu 6"/>
+          <p:cNvSpPr>
+            <a:spLocks noGrp="1"/>
+          </p:cNvSpPr>
+          <p:nvPr>
+            <p:ph type="sldNum" sz="quarter" idx="5"/>
+          </p:nvPr>
+        </p:nvSpPr>
+        <p:spPr>
+          <a:xfrm>
+            <a:off x="3884613" y="8685213"/>
+            <a:ext cx="2971800" cy="458787"/>
+          </a:xfrm>
+          <a:prstGeom prst="rect">
+            <a:avLst/>
+          </a:prstGeom>
+        </p:spPr>
+        <p:txBody>
+          <a:bodyPr vert="horz" lIns="91440" tIns="45720" rIns="91440" bIns="45720" rtlCol="0" anchor="b"/>
+          <a:lstStyle>
+            <a:lvl1pPr algn="r">
+              <a:defRPr sz="1200"/>
+            </a:lvl1pPr>
+          </a:lstStyle>
+          <a:p>
+            <a:fld id="{4E405A2D-90C1-48A2-90C2-CE5B1D6E578B}" type="slidenum">
+              <a:rPr lang="en-US" smtClean="0"/>
+              <a:t>‹#›</a:t>
+            </a:fld>
+            <a:endParaRPr lang="en-US"/>
+          </a:p>
+        </p:txBody>
+      </p:sp>
+    </p:spTree>
+    <p:extLst>
+      <p:ext uri="{BB962C8B-B14F-4D97-AF65-F5344CB8AC3E}">
+        <p14:creationId xmlns:p14="http://schemas.microsoft.com/office/powerpoint/2010/main" val="1229308113"/>
+      </p:ext>
+    </p:extLst>
+  </p:cSld>
+  <p:clrMap bg1="lt1" tx1="dk1" bg2="lt2" tx2="dk2" accent1="accent1" accent2="accent2" accent3="accent3" accent4="accent4" accent5="accent5" accent6="accent6" hlink="hlink" folHlink="folHlink"/>
+  <p:notesStyle>
+    <a:lvl1pPr marL="0" algn="l" defTabSz="914400" rtl="0" eaLnBrk="1" latinLnBrk="0" hangingPunct="1">
+      <a:defRPr sz="1200" kern="1200">
+        <a:solidFill>
+          <a:schemeClr val="tx1"/>
+        </a:solidFill>
+        <a:latin typeface="+mn-lt"/>
+        <a:ea typeface="+mn-ea"/>
+        <a:cs typeface="+mn-cs"/>
+      </a:defRPr>
+    </a:lvl1pPr>
+    <a:lvl2pPr marL="457200" algn="l" defTabSz="914400" rtl="0" eaLnBrk="1" latinLnBrk="0" hangingPunct="1">
+      <a:defRPr sz="1200" kern="1200">
+        <a:solidFill>
+          <a:schemeClr val="tx1"/>
+        </a:solidFill>
+        <a:latin typeface="+mn-lt"/>
+        <a:ea typeface="+mn-ea"/>
+        <a:cs typeface="+mn-cs"/>
+      </a:defRPr>
+    </a:lvl2pPr>
+    <a:lvl3pPr marL="914400" algn="l" defTabSz="914400" rtl="0" eaLnBrk="1" latinLnBrk="0" hangingPunct="1">
+      <a:defRPr sz="1200" kern="1200">
+        <a:solidFill>
+          <a:schemeClr val="tx1"/>
+        </a:solidFill>
+        <a:latin typeface="+mn-lt"/>
+        <a:ea typeface="+mn-ea"/>
+        <a:cs typeface="+mn-cs"/>
+      </a:defRPr>
+    </a:lvl3pPr>
+    <a:lvl4pPr marL="1371600" algn="l" defTabSz="914400" rtl="0" eaLnBrk="1" latinLnBrk="0" hangingPunct="1">
+      <a:defRPr sz="1200" kern="1200">
+        <a:solidFill>
+          <a:schemeClr val="tx1"/>
+        </a:solidFill>
+        <a:latin typeface="+mn-lt"/>
+        <a:ea typeface="+mn-ea"/>
+        <a:cs typeface="+mn-cs"/>
+      </a:defRPr>
+    </a:lvl4pPr>
+    <a:lvl5pPr marL="1828800" algn="l" defTabSz="914400" rtl="0" eaLnBrk="1" latinLnBrk="0" hangingPunct="1">
+      <a:defRPr sz="1200" kern="1200">
+        <a:solidFill>
+          <a:schemeClr val="tx1"/>
+        </a:solidFill>
+        <a:latin typeface="+mn-lt"/>
+        <a:ea typeface="+mn-ea"/>
+        <a:cs typeface="+mn-cs"/>
+      </a:defRPr>
+    </a:lvl5pPr>
+    <a:lvl6pPr marL="2286000" algn="l" defTabSz="914400" rtl="0" eaLnBrk="1" latinLnBrk="0" hangingPunct="1">
+      <a:defRPr sz="1200" kern="1200">
+        <a:solidFill>
+          <a:schemeClr val="tx1"/>
+        </a:solidFill>
+        <a:latin typeface="+mn-lt"/>
+        <a:ea typeface="+mn-ea"/>
+        <a:cs typeface="+mn-cs"/>
+      </a:defRPr>
+    </a:lvl6pPr>
+    <a:lvl7pPr marL="2743200" algn="l" defTabSz="914400" rtl="0" eaLnBrk="1" latinLnBrk="0" hangingPunct="1">
+      <a:defRPr sz="1200" kern="1200">
+        <a:solidFill>
+          <a:schemeClr val="tx1"/>
+        </a:solidFill>
+        <a:latin typeface="+mn-lt"/>
+        <a:ea typeface="+mn-ea"/>
+        <a:cs typeface="+mn-cs"/>
+      </a:defRPr>
+    </a:lvl7pPr>
+    <a:lvl8pPr marL="3200400" algn="l" defTabSz="914400" rtl="0" eaLnBrk="1" latinLnBrk="0" hangingPunct="1">
+      <a:defRPr sz="1200" kern="1200">
+        <a:solidFill>
+          <a:schemeClr val="tx1"/>
+        </a:solidFill>
+        <a:latin typeface="+mn-lt"/>
+        <a:ea typeface="+mn-ea"/>
+        <a:cs typeface="+mn-cs"/>
+      </a:defRPr>
+    </a:lvl8pPr>
+    <a:lvl9pPr marL="3657600" algn="l" defTabSz="914400" rtl="0" eaLnBrk="1" latinLnBrk="0" hangingPunct="1">
+      <a:defRPr sz="1200" kern="1200">
+        <a:solidFill>
+          <a:schemeClr val="tx1"/>
+        </a:solidFill>
+        <a:latin typeface="+mn-lt"/>
+        <a:ea typeface="+mn-ea"/>
+        <a:cs typeface="+mn-cs"/>
+      </a:defRPr>
+    </a:lvl9pPr>
+  </p:notesStyle>
+</p:notesMaster>
+</file>
+
 <file path=ppt/slideLayouts/slideLayout1.xml><?xml version="1.0" encoding="utf-8"?>
 <p:sldLayout xmlns:a="http://schemas.openxmlformats.org/drawingml/2006/main" xmlns:r="http://schemas.openxmlformats.org/officeDocument/2006/relationships" xmlns:p="http://schemas.openxmlformats.org/presentationml/2006/main" type="title" preserve="1">
   <p:cSld name="Başlık Slaydı">
@@ -178,10 +531,9 @@
           <a:lstStyle/>
           <a:p>
             <a:r>
-              <a:rPr lang="tr-TR" smtClean="0"/>
+              <a:rPr lang="tr-TR"/>
               <a:t>Asıl başlık stili için tıklatın</a:t>
             </a:r>
-            <a:endParaRPr lang="tr-TR"/>
           </a:p>
         </p:txBody>
       </p:sp>
@@ -297,10 +649,9 @@
           </a:lstStyle>
           <a:p>
             <a:r>
-              <a:rPr lang="tr-TR" smtClean="0"/>
+              <a:rPr lang="tr-TR"/>
               <a:t>Asıl alt başlık stilini düzenlemek için tıklatın</a:t>
             </a:r>
-            <a:endParaRPr lang="tr-TR"/>
           </a:p>
         </p:txBody>
       </p:sp>
@@ -321,7 +672,7 @@
           <a:p>
             <a:fld id="{C9376674-BA99-403F-8146-953CBF888941}" type="datetimeFigureOut">
               <a:rPr lang="tr-TR" smtClean="0"/>
-              <a:t>05.03.2016</a:t>
+              <a:t>22.03.2019</a:t>
             </a:fld>
             <a:endParaRPr lang="tr-TR"/>
           </a:p>
@@ -415,10 +766,9 @@
           <a:lstStyle/>
           <a:p>
             <a:r>
-              <a:rPr lang="tr-TR" smtClean="0"/>
+              <a:rPr lang="tr-TR"/>
               <a:t>Asıl başlık stili için tıklatın</a:t>
             </a:r>
-            <a:endParaRPr lang="tr-TR"/>
           </a:p>
         </p:txBody>
       </p:sp>
@@ -439,38 +789,37 @@
           <a:p>
             <a:pPr lvl="0"/>
             <a:r>
-              <a:rPr lang="tr-TR" smtClean="0"/>
+              <a:rPr lang="tr-TR"/>
               <a:t>Asıl metin stillerini düzenlemek için tıklatın</a:t>
             </a:r>
           </a:p>
           <a:p>
             <a:pPr lvl="1"/>
             <a:r>
-              <a:rPr lang="tr-TR" smtClean="0"/>
+              <a:rPr lang="tr-TR"/>
               <a:t>İkinci düzey</a:t>
             </a:r>
           </a:p>
           <a:p>
             <a:pPr lvl="2"/>
             <a:r>
-              <a:rPr lang="tr-TR" smtClean="0"/>
+              <a:rPr lang="tr-TR"/>
               <a:t>Üçüncü düzey</a:t>
             </a:r>
           </a:p>
           <a:p>
             <a:pPr lvl="3"/>
             <a:r>
-              <a:rPr lang="tr-TR" smtClean="0"/>
+              <a:rPr lang="tr-TR"/>
               <a:t>Dördüncü düzey</a:t>
             </a:r>
           </a:p>
           <a:p>
             <a:pPr lvl="4"/>
             <a:r>
-              <a:rPr lang="tr-TR" smtClean="0"/>
+              <a:rPr lang="tr-TR"/>
               <a:t>Beşinci düzey</a:t>
             </a:r>
-            <a:endParaRPr lang="tr-TR"/>
           </a:p>
         </p:txBody>
       </p:sp>
@@ -491,7 +840,7 @@
           <a:p>
             <a:fld id="{C9376674-BA99-403F-8146-953CBF888941}" type="datetimeFigureOut">
               <a:rPr lang="tr-TR" smtClean="0"/>
-              <a:t>05.03.2016</a:t>
+              <a:t>22.03.2019</a:t>
             </a:fld>
             <a:endParaRPr lang="tr-TR"/>
           </a:p>
@@ -590,10 +939,9 @@
           <a:lstStyle/>
           <a:p>
             <a:r>
-              <a:rPr lang="tr-TR" smtClean="0"/>
+              <a:rPr lang="tr-TR"/>
               <a:t>Asıl başlık stili için tıklatın</a:t>
             </a:r>
-            <a:endParaRPr lang="tr-TR"/>
           </a:p>
         </p:txBody>
       </p:sp>
@@ -619,38 +967,37 @@
           <a:p>
             <a:pPr lvl="0"/>
             <a:r>
-              <a:rPr lang="tr-TR" smtClean="0"/>
+              <a:rPr lang="tr-TR"/>
               <a:t>Asıl metin stillerini düzenlemek için tıklatın</a:t>
             </a:r>
           </a:p>
           <a:p>
             <a:pPr lvl="1"/>
             <a:r>
-              <a:rPr lang="tr-TR" smtClean="0"/>
+              <a:rPr lang="tr-TR"/>
               <a:t>İkinci düzey</a:t>
             </a:r>
           </a:p>
           <a:p>
             <a:pPr lvl="2"/>
             <a:r>
-              <a:rPr lang="tr-TR" smtClean="0"/>
+              <a:rPr lang="tr-TR"/>
               <a:t>Üçüncü düzey</a:t>
             </a:r>
           </a:p>
           <a:p>
             <a:pPr lvl="3"/>
             <a:r>
-              <a:rPr lang="tr-TR" smtClean="0"/>
+              <a:rPr lang="tr-TR"/>
               <a:t>Dördüncü düzey</a:t>
             </a:r>
           </a:p>
           <a:p>
             <a:pPr lvl="4"/>
             <a:r>
-              <a:rPr lang="tr-TR" smtClean="0"/>
+              <a:rPr lang="tr-TR"/>
               <a:t>Beşinci düzey</a:t>
             </a:r>
-            <a:endParaRPr lang="tr-TR"/>
           </a:p>
         </p:txBody>
       </p:sp>
@@ -671,7 +1018,7 @@
           <a:p>
             <a:fld id="{C9376674-BA99-403F-8146-953CBF888941}" type="datetimeFigureOut">
               <a:rPr lang="tr-TR" smtClean="0"/>
-              <a:t>05.03.2016</a:t>
+              <a:t>22.03.2019</a:t>
             </a:fld>
             <a:endParaRPr lang="tr-TR"/>
           </a:p>
@@ -765,10 +1112,9 @@
           <a:lstStyle/>
           <a:p>
             <a:r>
-              <a:rPr lang="tr-TR" smtClean="0"/>
+              <a:rPr lang="tr-TR"/>
               <a:t>Asıl başlık stili için tıklatın</a:t>
             </a:r>
-            <a:endParaRPr lang="tr-TR"/>
           </a:p>
         </p:txBody>
       </p:sp>
@@ -789,38 +1135,37 @@
           <a:p>
             <a:pPr lvl="0"/>
             <a:r>
-              <a:rPr lang="tr-TR" smtClean="0"/>
+              <a:rPr lang="tr-TR"/>
               <a:t>Asıl metin stillerini düzenlemek için tıklatın</a:t>
             </a:r>
           </a:p>
           <a:p>
             <a:pPr lvl="1"/>
             <a:r>
-              <a:rPr lang="tr-TR" smtClean="0"/>
+              <a:rPr lang="tr-TR"/>
               <a:t>İkinci düzey</a:t>
             </a:r>
           </a:p>
           <a:p>
             <a:pPr lvl="2"/>
             <a:r>
-              <a:rPr lang="tr-TR" smtClean="0"/>
+              <a:rPr lang="tr-TR"/>
               <a:t>Üçüncü düzey</a:t>
             </a:r>
           </a:p>
           <a:p>
             <a:pPr lvl="3"/>
             <a:r>
-              <a:rPr lang="tr-TR" smtClean="0"/>
+              <a:rPr lang="tr-TR"/>
               <a:t>Dördüncü düzey</a:t>
             </a:r>
           </a:p>
           <a:p>
             <a:pPr lvl="4"/>
             <a:r>
-              <a:rPr lang="tr-TR" smtClean="0"/>
+              <a:rPr lang="tr-TR"/>
               <a:t>Beşinci düzey</a:t>
             </a:r>
-            <a:endParaRPr lang="tr-TR"/>
           </a:p>
         </p:txBody>
       </p:sp>
@@ -841,7 +1186,7 @@
           <a:p>
             <a:fld id="{C9376674-BA99-403F-8146-953CBF888941}" type="datetimeFigureOut">
               <a:rPr lang="tr-TR" smtClean="0"/>
-              <a:t>05.03.2016</a:t>
+              <a:t>22.03.2019</a:t>
             </a:fld>
             <a:endParaRPr lang="tr-TR"/>
           </a:p>
@@ -944,10 +1289,9 @@
           </a:lstStyle>
           <a:p>
             <a:r>
-              <a:rPr lang="tr-TR" smtClean="0"/>
+              <a:rPr lang="tr-TR"/>
               <a:t>Asıl başlık stili için tıklatın</a:t>
             </a:r>
-            <a:endParaRPr lang="tr-TR"/>
           </a:p>
         </p:txBody>
       </p:sp>
@@ -1064,7 +1408,7 @@
           <a:p>
             <a:pPr lvl="0"/>
             <a:r>
-              <a:rPr lang="tr-TR" smtClean="0"/>
+              <a:rPr lang="tr-TR"/>
               <a:t>Asıl metin stillerini düzenlemek için tıklatın</a:t>
             </a:r>
           </a:p>
@@ -1087,7 +1431,7 @@
           <a:p>
             <a:fld id="{C9376674-BA99-403F-8146-953CBF888941}" type="datetimeFigureOut">
               <a:rPr lang="tr-TR" smtClean="0"/>
-              <a:t>05.03.2016</a:t>
+              <a:t>22.03.2019</a:t>
             </a:fld>
             <a:endParaRPr lang="tr-TR"/>
           </a:p>
@@ -1181,10 +1525,9 @@
           <a:lstStyle/>
           <a:p>
             <a:r>
-              <a:rPr lang="tr-TR" smtClean="0"/>
+              <a:rPr lang="tr-TR"/>
               <a:t>Asıl başlık stili için tıklatın</a:t>
             </a:r>
-            <a:endParaRPr lang="tr-TR"/>
           </a:p>
         </p:txBody>
       </p:sp>
@@ -1238,38 +1581,37 @@
           <a:p>
             <a:pPr lvl="0"/>
             <a:r>
-              <a:rPr lang="tr-TR" smtClean="0"/>
+              <a:rPr lang="tr-TR"/>
               <a:t>Asıl metin stillerini düzenlemek için tıklatın</a:t>
             </a:r>
           </a:p>
           <a:p>
             <a:pPr lvl="1"/>
             <a:r>
-              <a:rPr lang="tr-TR" smtClean="0"/>
+              <a:rPr lang="tr-TR"/>
               <a:t>İkinci düzey</a:t>
             </a:r>
           </a:p>
           <a:p>
             <a:pPr lvl="2"/>
             <a:r>
-              <a:rPr lang="tr-TR" smtClean="0"/>
+              <a:rPr lang="tr-TR"/>
               <a:t>Üçüncü düzey</a:t>
             </a:r>
           </a:p>
           <a:p>
             <a:pPr lvl="3"/>
             <a:r>
-              <a:rPr lang="tr-TR" smtClean="0"/>
+              <a:rPr lang="tr-TR"/>
               <a:t>Dördüncü düzey</a:t>
             </a:r>
           </a:p>
           <a:p>
             <a:pPr lvl="4"/>
             <a:r>
-              <a:rPr lang="tr-TR" smtClean="0"/>
+              <a:rPr lang="tr-TR"/>
               <a:t>Beşinci düzey</a:t>
             </a:r>
-            <a:endParaRPr lang="tr-TR"/>
           </a:p>
         </p:txBody>
       </p:sp>
@@ -1323,38 +1665,37 @@
           <a:p>
             <a:pPr lvl="0"/>
             <a:r>
-              <a:rPr lang="tr-TR" smtClean="0"/>
+              <a:rPr lang="tr-TR"/>
               <a:t>Asıl metin stillerini düzenlemek için tıklatın</a:t>
             </a:r>
           </a:p>
           <a:p>
             <a:pPr lvl="1"/>
             <a:r>
-              <a:rPr lang="tr-TR" smtClean="0"/>
+              <a:rPr lang="tr-TR"/>
               <a:t>İkinci düzey</a:t>
             </a:r>
           </a:p>
           <a:p>
             <a:pPr lvl="2"/>
             <a:r>
-              <a:rPr lang="tr-TR" smtClean="0"/>
+              <a:rPr lang="tr-TR"/>
               <a:t>Üçüncü düzey</a:t>
             </a:r>
           </a:p>
           <a:p>
             <a:pPr lvl="3"/>
             <a:r>
-              <a:rPr lang="tr-TR" smtClean="0"/>
+              <a:rPr lang="tr-TR"/>
               <a:t>Dördüncü düzey</a:t>
             </a:r>
           </a:p>
           <a:p>
             <a:pPr lvl="4"/>
             <a:r>
-              <a:rPr lang="tr-TR" smtClean="0"/>
+              <a:rPr lang="tr-TR"/>
               <a:t>Beşinci düzey</a:t>
             </a:r>
-            <a:endParaRPr lang="tr-TR"/>
           </a:p>
         </p:txBody>
       </p:sp>
@@ -1375,7 +1716,7 @@
           <a:p>
             <a:fld id="{C9376674-BA99-403F-8146-953CBF888941}" type="datetimeFigureOut">
               <a:rPr lang="tr-TR" smtClean="0"/>
-              <a:t>05.03.2016</a:t>
+              <a:t>22.03.2019</a:t>
             </a:fld>
             <a:endParaRPr lang="tr-TR"/>
           </a:p>
@@ -1473,10 +1814,9 @@
           </a:lstStyle>
           <a:p>
             <a:r>
-              <a:rPr lang="tr-TR" smtClean="0"/>
+              <a:rPr lang="tr-TR"/>
               <a:t>Asıl başlık stili için tıklatın</a:t>
             </a:r>
-            <a:endParaRPr lang="tr-TR"/>
           </a:p>
         </p:txBody>
       </p:sp>
@@ -1539,7 +1879,7 @@
           <a:p>
             <a:pPr lvl="0"/>
             <a:r>
-              <a:rPr lang="tr-TR" smtClean="0"/>
+              <a:rPr lang="tr-TR"/>
               <a:t>Asıl metin stillerini düzenlemek için tıklatın</a:t>
             </a:r>
           </a:p>
@@ -1595,38 +1935,37 @@
           <a:p>
             <a:pPr lvl="0"/>
             <a:r>
-              <a:rPr lang="tr-TR" smtClean="0"/>
+              <a:rPr lang="tr-TR"/>
               <a:t>Asıl metin stillerini düzenlemek için tıklatın</a:t>
             </a:r>
           </a:p>
           <a:p>
             <a:pPr lvl="1"/>
             <a:r>
-              <a:rPr lang="tr-TR" smtClean="0"/>
+              <a:rPr lang="tr-TR"/>
               <a:t>İkinci düzey</a:t>
             </a:r>
           </a:p>
           <a:p>
             <a:pPr lvl="2"/>
             <a:r>
-              <a:rPr lang="tr-TR" smtClean="0"/>
+              <a:rPr lang="tr-TR"/>
               <a:t>Üçüncü düzey</a:t>
             </a:r>
           </a:p>
           <a:p>
             <a:pPr lvl="3"/>
             <a:r>
-              <a:rPr lang="tr-TR" smtClean="0"/>
+              <a:rPr lang="tr-TR"/>
               <a:t>Dördüncü düzey</a:t>
             </a:r>
           </a:p>
           <a:p>
             <a:pPr lvl="4"/>
             <a:r>
-              <a:rPr lang="tr-TR" smtClean="0"/>
+              <a:rPr lang="tr-TR"/>
               <a:t>Beşinci düzey</a:t>
             </a:r>
-            <a:endParaRPr lang="tr-TR"/>
           </a:p>
         </p:txBody>
       </p:sp>
@@ -1689,7 +2028,7 @@
           <a:p>
             <a:pPr lvl="0"/>
             <a:r>
-              <a:rPr lang="tr-TR" smtClean="0"/>
+              <a:rPr lang="tr-TR"/>
               <a:t>Asıl metin stillerini düzenlemek için tıklatın</a:t>
             </a:r>
           </a:p>
@@ -1745,38 +2084,37 @@
           <a:p>
             <a:pPr lvl="0"/>
             <a:r>
-              <a:rPr lang="tr-TR" smtClean="0"/>
+              <a:rPr lang="tr-TR"/>
               <a:t>Asıl metin stillerini düzenlemek için tıklatın</a:t>
             </a:r>
           </a:p>
           <a:p>
             <a:pPr lvl="1"/>
             <a:r>
-              <a:rPr lang="tr-TR" smtClean="0"/>
+              <a:rPr lang="tr-TR"/>
               <a:t>İkinci düzey</a:t>
             </a:r>
           </a:p>
           <a:p>
             <a:pPr lvl="2"/>
             <a:r>
-              <a:rPr lang="tr-TR" smtClean="0"/>
+              <a:rPr lang="tr-TR"/>
               <a:t>Üçüncü düzey</a:t>
             </a:r>
           </a:p>
           <a:p>
             <a:pPr lvl="3"/>
             <a:r>
-              <a:rPr lang="tr-TR" smtClean="0"/>
+              <a:rPr lang="tr-TR"/>
               <a:t>Dördüncü düzey</a:t>
             </a:r>
           </a:p>
           <a:p>
             <a:pPr lvl="4"/>
             <a:r>
-              <a:rPr lang="tr-TR" smtClean="0"/>
+              <a:rPr lang="tr-TR"/>
               <a:t>Beşinci düzey</a:t>
             </a:r>
-            <a:endParaRPr lang="tr-TR"/>
           </a:p>
         </p:txBody>
       </p:sp>
@@ -1797,7 +2135,7 @@
           <a:p>
             <a:fld id="{C9376674-BA99-403F-8146-953CBF888941}" type="datetimeFigureOut">
               <a:rPr lang="tr-TR" smtClean="0"/>
-              <a:t>05.03.2016</a:t>
+              <a:t>22.03.2019</a:t>
             </a:fld>
             <a:endParaRPr lang="tr-TR"/>
           </a:p>
@@ -1891,10 +2229,9 @@
           <a:lstStyle/>
           <a:p>
             <a:r>
-              <a:rPr lang="tr-TR" smtClean="0"/>
+              <a:rPr lang="tr-TR"/>
               <a:t>Asıl başlık stili için tıklatın</a:t>
             </a:r>
-            <a:endParaRPr lang="tr-TR"/>
           </a:p>
         </p:txBody>
       </p:sp>
@@ -1915,7 +2252,7 @@
           <a:p>
             <a:fld id="{C9376674-BA99-403F-8146-953CBF888941}" type="datetimeFigureOut">
               <a:rPr lang="tr-TR" smtClean="0"/>
-              <a:t>05.03.2016</a:t>
+              <a:t>22.03.2019</a:t>
             </a:fld>
             <a:endParaRPr lang="tr-TR"/>
           </a:p>
@@ -2010,7 +2347,7 @@
           <a:p>
             <a:fld id="{C9376674-BA99-403F-8146-953CBF888941}" type="datetimeFigureOut">
               <a:rPr lang="tr-TR" smtClean="0"/>
-              <a:t>05.03.2016</a:t>
+              <a:t>22.03.2019</a:t>
             </a:fld>
             <a:endParaRPr lang="tr-TR"/>
           </a:p>
@@ -2113,10 +2450,9 @@
           </a:lstStyle>
           <a:p>
             <a:r>
-              <a:rPr lang="tr-TR" smtClean="0"/>
+              <a:rPr lang="tr-TR"/>
               <a:t>Asıl başlık stili için tıklatın</a:t>
             </a:r>
-            <a:endParaRPr lang="tr-TR"/>
           </a:p>
         </p:txBody>
       </p:sp>
@@ -2170,38 +2506,37 @@
           <a:p>
             <a:pPr lvl="0"/>
             <a:r>
-              <a:rPr lang="tr-TR" smtClean="0"/>
+              <a:rPr lang="tr-TR"/>
               <a:t>Asıl metin stillerini düzenlemek için tıklatın</a:t>
             </a:r>
           </a:p>
           <a:p>
             <a:pPr lvl="1"/>
             <a:r>
-              <a:rPr lang="tr-TR" smtClean="0"/>
+              <a:rPr lang="tr-TR"/>
               <a:t>İkinci düzey</a:t>
             </a:r>
           </a:p>
           <a:p>
             <a:pPr lvl="2"/>
             <a:r>
-              <a:rPr lang="tr-TR" smtClean="0"/>
+              <a:rPr lang="tr-TR"/>
               <a:t>Üçüncü düzey</a:t>
             </a:r>
           </a:p>
           <a:p>
             <a:pPr lvl="3"/>
             <a:r>
-              <a:rPr lang="tr-TR" smtClean="0"/>
+              <a:rPr lang="tr-TR"/>
               <a:t>Dördüncü düzey</a:t>
             </a:r>
           </a:p>
           <a:p>
             <a:pPr lvl="4"/>
             <a:r>
-              <a:rPr lang="tr-TR" smtClean="0"/>
+              <a:rPr lang="tr-TR"/>
               <a:t>Beşinci düzey</a:t>
             </a:r>
-            <a:endParaRPr lang="tr-TR"/>
           </a:p>
         </p:txBody>
       </p:sp>
@@ -2264,7 +2599,7 @@
           <a:p>
             <a:pPr lvl="0"/>
             <a:r>
-              <a:rPr lang="tr-TR" smtClean="0"/>
+              <a:rPr lang="tr-TR"/>
               <a:t>Asıl metin stillerini düzenlemek için tıklatın</a:t>
             </a:r>
           </a:p>
@@ -2287,7 +2622,7 @@
           <a:p>
             <a:fld id="{C9376674-BA99-403F-8146-953CBF888941}" type="datetimeFigureOut">
               <a:rPr lang="tr-TR" smtClean="0"/>
-              <a:t>05.03.2016</a:t>
+              <a:t>22.03.2019</a:t>
             </a:fld>
             <a:endParaRPr lang="tr-TR"/>
           </a:p>
@@ -2390,10 +2725,9 @@
           </a:lstStyle>
           <a:p>
             <a:r>
-              <a:rPr lang="tr-TR" smtClean="0"/>
+              <a:rPr lang="tr-TR"/>
               <a:t>Asıl başlık stili için tıklatın</a:t>
             </a:r>
-            <a:endParaRPr lang="tr-TR"/>
           </a:p>
         </p:txBody>
       </p:sp>
@@ -2517,7 +2851,7 @@
           <a:p>
             <a:pPr lvl="0"/>
             <a:r>
-              <a:rPr lang="tr-TR" smtClean="0"/>
+              <a:rPr lang="tr-TR"/>
               <a:t>Asıl metin stillerini düzenlemek için tıklatın</a:t>
             </a:r>
           </a:p>
@@ -2540,7 +2874,7 @@
           <a:p>
             <a:fld id="{C9376674-BA99-403F-8146-953CBF888941}" type="datetimeFigureOut">
               <a:rPr lang="tr-TR" smtClean="0"/>
-              <a:t>05.03.2016</a:t>
+              <a:t>22.03.2019</a:t>
             </a:fld>
             <a:endParaRPr lang="tr-TR"/>
           </a:p>
@@ -2649,10 +2983,9 @@
           <a:lstStyle/>
           <a:p>
             <a:r>
-              <a:rPr lang="tr-TR" smtClean="0"/>
+              <a:rPr lang="tr-TR"/>
               <a:t>Asıl başlık stili için tıklatın</a:t>
             </a:r>
-            <a:endParaRPr lang="tr-TR"/>
           </a:p>
         </p:txBody>
       </p:sp>
@@ -2683,38 +3016,37 @@
           <a:p>
             <a:pPr lvl="0"/>
             <a:r>
-              <a:rPr lang="tr-TR" smtClean="0"/>
+              <a:rPr lang="tr-TR"/>
               <a:t>Asıl metin stillerini düzenlemek için tıklatın</a:t>
             </a:r>
           </a:p>
           <a:p>
             <a:pPr lvl="1"/>
             <a:r>
-              <a:rPr lang="tr-TR" smtClean="0"/>
+              <a:rPr lang="tr-TR"/>
               <a:t>İkinci düzey</a:t>
             </a:r>
           </a:p>
           <a:p>
             <a:pPr lvl="2"/>
             <a:r>
-              <a:rPr lang="tr-TR" smtClean="0"/>
+              <a:rPr lang="tr-TR"/>
               <a:t>Üçüncü düzey</a:t>
             </a:r>
           </a:p>
           <a:p>
             <a:pPr lvl="3"/>
             <a:r>
-              <a:rPr lang="tr-TR" smtClean="0"/>
+              <a:rPr lang="tr-TR"/>
               <a:t>Dördüncü düzey</a:t>
             </a:r>
           </a:p>
           <a:p>
             <a:pPr lvl="4"/>
             <a:r>
-              <a:rPr lang="tr-TR" smtClean="0"/>
+              <a:rPr lang="tr-TR"/>
               <a:t>Beşinci düzey</a:t>
             </a:r>
-            <a:endParaRPr lang="tr-TR"/>
           </a:p>
         </p:txBody>
       </p:sp>
@@ -2753,7 +3085,7 @@
           <a:p>
             <a:fld id="{C9376674-BA99-403F-8146-953CBF888941}" type="datetimeFigureOut">
               <a:rPr lang="tr-TR" smtClean="0"/>
-              <a:t>05.03.2016</a:t>
+              <a:t>22.03.2019</a:t>
             </a:fld>
             <a:endParaRPr lang="tr-TR"/>
           </a:p>
@@ -3144,10 +3476,9 @@
           <a:lstStyle/>
           <a:p>
             <a:r>
-              <a:rPr lang="tr-TR" dirty="0" smtClean="0"/>
+              <a:rPr lang="tr-TR" dirty="0"/>
               <a:t>UYGULAMA-1</a:t>
             </a:r>
-            <a:endParaRPr lang="tr-TR" dirty="0"/>
           </a:p>
         </p:txBody>
       </p:sp>
@@ -3167,18 +3498,13 @@
           <a:lstStyle/>
           <a:p>
             <a:r>
-              <a:rPr lang="tr-TR" b="1" dirty="0" smtClean="0">
+              <a:rPr lang="tr-TR" b="1" dirty="0">
                 <a:solidFill>
                   <a:schemeClr val="tx1"/>
                 </a:solidFill>
               </a:rPr>
               <a:t>Bilgisayar    Mimarisi</a:t>
             </a:r>
-            <a:endParaRPr lang="tr-TR" b="1" dirty="0">
-              <a:solidFill>
-                <a:schemeClr val="tx1"/>
-              </a:solidFill>
-            </a:endParaRPr>
           </a:p>
         </p:txBody>
       </p:sp>
@@ -3192,13 +3518,6 @@
   <p:clrMapOvr>
     <a:masterClrMapping/>
   </p:clrMapOvr>
-  <p:timing>
-    <p:tnLst>
-      <p:par>
-        <p:cTn id="1" dur="indefinite" restart="never" nodeType="tmRoot"/>
-      </p:par>
-    </p:tnLst>
-  </p:timing>
 </p:sld>
 </file>
 
@@ -3242,100 +3561,88 @@
           <a:p>
             <a:pPr lvl="1"/>
             <a:r>
-              <a:rPr lang="tr-TR" sz="2400" b="1" dirty="0" smtClean="0"/>
+              <a:rPr lang="tr-TR" sz="2400" b="1" dirty="0"/>
               <a:t>SORU 2 :  </a:t>
             </a:r>
             <a:r>
-              <a:rPr lang="tr-TR" sz="2400" dirty="0" smtClean="0"/>
+              <a:rPr lang="tr-TR" sz="2400" dirty="0"/>
               <a:t>Aşağıdaki </a:t>
             </a:r>
             <a:r>
-              <a:rPr lang="tr-TR" sz="2400" dirty="0" err="1" smtClean="0"/>
+              <a:rPr lang="tr-TR" sz="2400" dirty="0" err="1"/>
               <a:t>pseudo</a:t>
             </a:r>
             <a:r>
-              <a:rPr lang="tr-TR" sz="2400" dirty="0" smtClean="0"/>
+              <a:rPr lang="tr-TR" sz="2400" dirty="0"/>
               <a:t> komutların  gerçek makine komutları cinsinden karşılığını yazınız?</a:t>
             </a:r>
           </a:p>
           <a:p>
             <a:pPr lvl="1"/>
-            <a:endParaRPr lang="tr-TR" sz="2400" dirty="0" smtClean="0"/>
+            <a:endParaRPr lang="tr-TR" sz="2400" dirty="0"/>
           </a:p>
           <a:p>
             <a:pPr marL="800100" lvl="1" indent="-342900">
               <a:buAutoNum type="alphaLcParenBoth"/>
             </a:pPr>
             <a:r>
-              <a:rPr lang="en-US" sz="2400" dirty="0" smtClean="0"/>
-              <a:t>li </a:t>
-            </a:r>
-            <a:r>
               <a:rPr lang="en-US" sz="2400" dirty="0"/>
-              <a:t>$s0, 17 </a:t>
-            </a:r>
-            <a:r>
-              <a:rPr lang="tr-TR" sz="2400" dirty="0" smtClean="0"/>
+              <a:t>li $s0, 17 </a:t>
+            </a:r>
+            <a:r>
+              <a:rPr lang="tr-TR" sz="2400" dirty="0"/>
               <a:t>            </a:t>
             </a:r>
             <a:r>
-              <a:rPr lang="en-US" sz="2400" dirty="0" smtClean="0"/>
-              <a:t>assembler </a:t>
-            </a:r>
-            <a:r>
               <a:rPr lang="en-US" sz="2400" dirty="0"/>
-              <a:t>pseudo-instruction </a:t>
-            </a:r>
-            <a:endParaRPr lang="tr-TR" sz="2400" dirty="0" smtClean="0"/>
-          </a:p>
-          <a:p>
-            <a:endParaRPr lang="tr-TR" sz="2400" dirty="0" smtClean="0"/>
-          </a:p>
-          <a:p>
-            <a:r>
-              <a:rPr lang="tr-TR" sz="2400" dirty="0" err="1" smtClean="0"/>
+              <a:t>assembler pseudo-instruction </a:t>
+            </a:r>
+            <a:endParaRPr lang="tr-TR" sz="2400" dirty="0"/>
+          </a:p>
+          <a:p>
+            <a:endParaRPr lang="tr-TR" sz="2400" dirty="0"/>
+          </a:p>
+          <a:p>
+            <a:r>
+              <a:rPr lang="tr-TR" sz="2400" dirty="0" err="1"/>
               <a:t>Actual</a:t>
             </a:r>
             <a:r>
-              <a:rPr lang="tr-TR" sz="2400" dirty="0" smtClean="0"/>
+              <a:rPr lang="tr-TR" sz="2400" dirty="0"/>
               <a:t> </a:t>
             </a:r>
             <a:r>
-              <a:rPr lang="tr-TR" sz="2400" dirty="0" err="1" smtClean="0"/>
+              <a:rPr lang="tr-TR" sz="2400" dirty="0" err="1"/>
               <a:t>machine</a:t>
             </a:r>
             <a:r>
-              <a:rPr lang="tr-TR" sz="2400" dirty="0" smtClean="0"/>
+              <a:rPr lang="tr-TR" sz="2400" dirty="0"/>
               <a:t> </a:t>
             </a:r>
             <a:r>
-              <a:rPr lang="tr-TR" sz="2400" dirty="0" err="1" smtClean="0"/>
+              <a:rPr lang="tr-TR" sz="2400" dirty="0" err="1"/>
               <a:t>instruction</a:t>
             </a:r>
-            <a:endParaRPr lang="tr-TR" sz="2400" dirty="0" smtClean="0"/>
-          </a:p>
-          <a:p>
-            <a:endParaRPr lang="tr-TR" sz="2400" dirty="0" smtClean="0"/>
-          </a:p>
-          <a:p>
-            <a:r>
-              <a:rPr lang="en-US" sz="2400" b="1" dirty="0" err="1" smtClean="0"/>
+            <a:endParaRPr lang="tr-TR" sz="2400" dirty="0"/>
+          </a:p>
+          <a:p>
+            <a:endParaRPr lang="tr-TR" sz="2400" dirty="0"/>
+          </a:p>
+          <a:p>
+            <a:r>
+              <a:rPr lang="en-US" sz="2400" b="1" dirty="0" err="1"/>
               <a:t>addiu</a:t>
             </a:r>
             <a:r>
-              <a:rPr lang="en-US" sz="2400" b="1" dirty="0" smtClean="0"/>
-              <a:t> </a:t>
-            </a:r>
-            <a:r>
               <a:rPr lang="en-US" sz="2400" b="1" dirty="0"/>
-              <a:t>$s0, $zero, 17 </a:t>
-            </a:r>
-            <a:r>
-              <a:rPr lang="tr-TR" sz="2400" b="1" dirty="0" smtClean="0"/>
+              <a:t> $s0, $zero, 17 </a:t>
+            </a:r>
+            <a:r>
+              <a:rPr lang="tr-TR" sz="2400" b="1" dirty="0"/>
               <a:t>          </a:t>
             </a:r>
             <a:r>
-              <a:rPr lang="en-US" sz="2400" dirty="0" smtClean="0"/>
+              <a:rPr lang="en-US" sz="2400" dirty="0"/>
               <a:t>(</a:t>
             </a:r>
             <a:r>
@@ -3354,19 +3661,15 @@
               <a:rPr lang="en-US" sz="2400" dirty="0"/>
               <a:t> or other equivalent answers also ok) </a:t>
             </a:r>
-            <a:endParaRPr lang="tr-TR" sz="2400" dirty="0" smtClean="0"/>
-          </a:p>
-          <a:p>
             <a:endParaRPr lang="tr-TR" sz="2400" dirty="0"/>
           </a:p>
           <a:p>
-            <a:r>
-              <a:rPr lang="tr-TR" sz="2400" dirty="0" smtClean="0"/>
-              <a:t>(</a:t>
-            </a:r>
+            <a:endParaRPr lang="tr-TR" sz="2400" dirty="0"/>
+          </a:p>
+          <a:p>
             <a:r>
               <a:rPr lang="tr-TR" sz="2400" dirty="0"/>
-              <a:t>b) </a:t>
+              <a:t>(b) </a:t>
             </a:r>
             <a:r>
               <a:rPr lang="tr-TR" sz="2400" dirty="0" err="1"/>
@@ -3377,33 +3680,29 @@
               <a:t> $s0, $t0, </a:t>
             </a:r>
             <a:r>
-              <a:rPr lang="tr-TR" sz="2400" dirty="0" err="1" smtClean="0"/>
+              <a:rPr lang="tr-TR" sz="2400" dirty="0" err="1"/>
               <a:t>there</a:t>
             </a:r>
             <a:r>
-              <a:rPr lang="tr-TR" sz="2400" dirty="0" smtClean="0"/>
+              <a:rPr lang="tr-TR" sz="2400" dirty="0"/>
               <a:t>          </a:t>
             </a:r>
             <a:r>
-              <a:rPr lang="en-US" sz="2400" dirty="0" smtClean="0"/>
-              <a:t>assembler </a:t>
-            </a:r>
-            <a:r>
               <a:rPr lang="en-US" sz="2400" dirty="0"/>
-              <a:t>pseudo-instruction </a:t>
+              <a:t>assembler pseudo-instruction </a:t>
             </a:r>
             <a:endParaRPr lang="tr-TR" sz="2400" dirty="0"/>
           </a:p>
           <a:p>
-            <a:endParaRPr lang="tr-TR" sz="2400" dirty="0" smtClean="0"/>
-          </a:p>
-          <a:p>
-            <a:r>
-              <a:rPr lang="tr-TR" sz="2400" dirty="0" err="1" smtClean="0"/>
+            <a:endParaRPr lang="tr-TR" sz="2400" dirty="0"/>
+          </a:p>
+          <a:p>
+            <a:r>
+              <a:rPr lang="tr-TR" sz="2400" dirty="0" err="1"/>
               <a:t>Actual</a:t>
             </a:r>
             <a:r>
-              <a:rPr lang="tr-TR" sz="2400" dirty="0" smtClean="0"/>
+              <a:rPr lang="tr-TR" sz="2400" dirty="0"/>
               <a:t> </a:t>
             </a:r>
             <a:r>
@@ -3422,88 +3721,64 @@
           </a:p>
           <a:p>
             <a:r>
-              <a:rPr lang="tr-TR" sz="2400" b="1" dirty="0" smtClean="0"/>
+              <a:rPr lang="tr-TR" sz="2400" b="1" dirty="0"/>
               <a:t>s</a:t>
             </a:r>
             <a:r>
-              <a:rPr lang="en-US" sz="2400" b="1" dirty="0" err="1" smtClean="0"/>
+              <a:rPr lang="en-US" sz="2400" b="1" dirty="0" err="1"/>
               <a:t>lt</a:t>
             </a:r>
             <a:r>
-              <a:rPr lang="tr-TR" sz="2400" b="1" dirty="0" smtClean="0"/>
+              <a:rPr lang="tr-TR" sz="2400" b="1" dirty="0"/>
               <a:t>   </a:t>
             </a:r>
             <a:r>
-              <a:rPr lang="en-US" sz="2400" b="1" dirty="0" smtClean="0"/>
+              <a:rPr lang="en-US" sz="2400" b="1" dirty="0"/>
+              <a:t> $at, $s0, $t0 </a:t>
+            </a:r>
+            <a:r>
+              <a:rPr lang="tr-TR" sz="2400" b="1" dirty="0"/>
+              <a:t>                 </a:t>
+            </a:r>
+            <a:r>
+              <a:rPr lang="en-US" sz="2400" b="1" dirty="0"/>
+              <a:t># $at = 1 if &lt;,</a:t>
+            </a:r>
+            <a:r>
+              <a:rPr lang="tr-TR" sz="2400" b="1" dirty="0"/>
+              <a:t>   </a:t>
+            </a:r>
+            <a:r>
+              <a:rPr lang="en-US" sz="2400" b="1" dirty="0"/>
+              <a:t> or 0 </a:t>
+            </a:r>
+            <a:r>
+              <a:rPr lang="tr-TR" sz="2400" b="1" dirty="0"/>
+              <a:t>   </a:t>
+            </a:r>
+            <a:r>
+              <a:rPr lang="en-US" sz="2400" b="1" dirty="0"/>
+              <a:t>if ≥ </a:t>
+            </a:r>
+          </a:p>
+          <a:p>
+            <a:r>
+              <a:rPr lang="tr-TR" sz="2400" b="1" dirty="0"/>
+              <a:t>b</a:t>
+            </a:r>
+            <a:r>
+              <a:rPr lang="en-US" sz="2400" b="1" dirty="0" err="1"/>
+              <a:t>eq</a:t>
+            </a:r>
+            <a:r>
+              <a:rPr lang="tr-TR" sz="2400" b="1" dirty="0"/>
               <a:t> </a:t>
             </a:r>
             <a:r>
               <a:rPr lang="en-US" sz="2400" b="1" dirty="0"/>
-              <a:t>$at, $s0, $t0 </a:t>
-            </a:r>
-            <a:r>
-              <a:rPr lang="tr-TR" sz="2400" b="1" dirty="0" smtClean="0"/>
-              <a:t>                 </a:t>
-            </a:r>
-            <a:r>
-              <a:rPr lang="en-US" sz="2400" b="1" dirty="0"/>
-              <a:t># $at = 1 if </a:t>
-            </a:r>
-            <a:r>
-              <a:rPr lang="en-US" sz="2400" b="1" dirty="0" smtClean="0"/>
-              <a:t>&lt;,</a:t>
-            </a:r>
-            <a:r>
-              <a:rPr lang="tr-TR" sz="2400" b="1" dirty="0" smtClean="0"/>
-              <a:t>   </a:t>
-            </a:r>
-            <a:r>
-              <a:rPr lang="en-US" sz="2400" b="1" dirty="0" smtClean="0"/>
-              <a:t> </a:t>
-            </a:r>
-            <a:r>
-              <a:rPr lang="en-US" sz="2400" b="1" dirty="0"/>
-              <a:t>or 0 </a:t>
-            </a:r>
-            <a:r>
-              <a:rPr lang="tr-TR" sz="2400" b="1" dirty="0" smtClean="0"/>
-              <a:t>   </a:t>
-            </a:r>
-            <a:r>
-              <a:rPr lang="en-US" sz="2400" b="1" dirty="0" smtClean="0"/>
-              <a:t>if </a:t>
-            </a:r>
-            <a:r>
-              <a:rPr lang="en-US" sz="2400" b="1" dirty="0"/>
-              <a:t>≥ </a:t>
-            </a:r>
-          </a:p>
-          <a:p>
-            <a:r>
-              <a:rPr lang="tr-TR" sz="2400" b="1" dirty="0" smtClean="0"/>
-              <a:t>b</a:t>
-            </a:r>
-            <a:r>
-              <a:rPr lang="en-US" sz="2400" b="1" dirty="0" err="1" smtClean="0"/>
-              <a:t>eq</a:t>
-            </a:r>
-            <a:r>
-              <a:rPr lang="tr-TR" sz="2400" b="1" dirty="0" smtClean="0"/>
-              <a:t> </a:t>
-            </a:r>
-            <a:r>
-              <a:rPr lang="en-US" sz="2400" b="1" dirty="0" smtClean="0"/>
-              <a:t> </a:t>
-            </a:r>
-            <a:r>
-              <a:rPr lang="en-US" sz="2400" b="1" dirty="0"/>
-              <a:t>$at, $zero, </a:t>
-            </a:r>
-            <a:r>
-              <a:rPr lang="en-US" sz="2400" b="1" dirty="0" smtClean="0"/>
-              <a:t>there</a:t>
-            </a:r>
-            <a:endParaRPr lang="tr-TR" sz="2400" b="1" dirty="0" smtClean="0"/>
+              <a:t> $at, $zero, there</a:t>
+            </a:r>
+            <a:endParaRPr lang="tr-TR" sz="2400" b="1" dirty="0"/>
           </a:p>
           <a:p>
             <a:endParaRPr lang="tr-TR" sz="2400" b="1" dirty="0"/>
@@ -3529,13 +3804,6 @@
   <p:clrMapOvr>
     <a:masterClrMapping/>
   </p:clrMapOvr>
-  <p:timing>
-    <p:tnLst>
-      <p:par>
-        <p:cTn id="1" dur="indefinite" restart="never" nodeType="tmRoot"/>
-      </p:par>
-    </p:tnLst>
-  </p:timing>
 </p:sld>
 </file>
 
@@ -3578,50 +3846,34 @@
           <a:lstStyle/>
           <a:p>
             <a:r>
-              <a:rPr lang="tr-TR" sz="2000" b="1" dirty="0" smtClean="0"/>
+              <a:rPr lang="tr-TR" sz="2000" b="1" dirty="0"/>
               <a:t>SORU 3 : </a:t>
             </a:r>
           </a:p>
           <a:p>
             <a:r>
-              <a:rPr lang="en-US" sz="2000" dirty="0" smtClean="0"/>
-              <a:t>Suppose </a:t>
-            </a:r>
-            <a:r>
               <a:rPr lang="en-US" sz="2000" dirty="0"/>
-              <a:t>we have a 32-bit MIPS word containing the </a:t>
-            </a:r>
-            <a:r>
-              <a:rPr lang="en-US" sz="2000" dirty="0" smtClean="0"/>
-              <a:t>value</a:t>
-            </a:r>
-            <a:r>
-              <a:rPr lang="tr-TR" sz="2000" dirty="0" smtClean="0"/>
+              <a:t>Suppose we have a 32-bit MIPS word containing the value</a:t>
+            </a:r>
+            <a:r>
+              <a:rPr lang="tr-TR" sz="2000" dirty="0"/>
               <a:t>  0</a:t>
             </a:r>
             <a:r>
-              <a:rPr lang="en-US" sz="2000" dirty="0" smtClean="0"/>
+              <a:rPr lang="en-US" sz="2000" dirty="0"/>
               <a:t>x008A1021.</a:t>
             </a:r>
             <a:r>
-              <a:rPr lang="tr-TR" sz="2000" dirty="0" smtClean="0"/>
+              <a:rPr lang="tr-TR" sz="2000" dirty="0"/>
               <a:t>   </a:t>
             </a:r>
           </a:p>
           <a:p>
             <a:r>
-              <a:rPr lang="en-US" sz="2000" dirty="0" smtClean="0"/>
-              <a:t>We </a:t>
-            </a:r>
-            <a:r>
               <a:rPr lang="en-US" sz="2000" dirty="0"/>
-              <a:t>would like to know what MIPS machine instruction this represents</a:t>
-            </a:r>
-            <a:r>
-              <a:rPr lang="en-US" sz="2000" dirty="0" smtClean="0"/>
-              <a:t>.</a:t>
-            </a:r>
-            <a:endParaRPr lang="tr-TR" sz="2000" dirty="0" smtClean="0"/>
+              <a:t>We would like to know what MIPS machine instruction this represents.</a:t>
+            </a:r>
+            <a:endParaRPr lang="tr-TR" sz="2000" dirty="0"/>
           </a:p>
           <a:p>
             <a:endParaRPr lang="tr-TR" sz="2000" dirty="0"/>
@@ -3631,17 +3883,59 @@
               <a:buAutoNum type="alphaLcParenBoth"/>
             </a:pPr>
             <a:r>
-              <a:rPr lang="en-US" sz="2000" dirty="0" smtClean="0"/>
-              <a:t>Write </a:t>
-            </a:r>
-            <a:r>
               <a:rPr lang="en-US" sz="2000" dirty="0"/>
-              <a:t>this instruction word in binary. </a:t>
-            </a:r>
-            <a:endParaRPr lang="tr-TR" sz="2000" dirty="0" smtClean="0"/>
+              <a:t>Write this instruction word in binary. </a:t>
+            </a:r>
+            <a:endParaRPr lang="tr-TR" sz="2000" dirty="0"/>
           </a:p>
           <a:p>
             <a:endParaRPr lang="en-US" sz="2000" dirty="0"/>
+          </a:p>
+          <a:p>
+            <a:r>
+              <a:rPr lang="en-US" sz="2000" dirty="0"/>
+              <a:t> 0 0 0 0 0 0</a:t>
+            </a:r>
+            <a:r>
+              <a:rPr lang="tr-TR" sz="2000" dirty="0"/>
+              <a:t>    </a:t>
+            </a:r>
+            <a:r>
+              <a:rPr lang="en-US" sz="2000" dirty="0"/>
+              <a:t> 0 0 1 0 0</a:t>
+            </a:r>
+            <a:r>
+              <a:rPr lang="tr-TR" sz="2000" dirty="0"/>
+              <a:t>    </a:t>
+            </a:r>
+            <a:r>
+              <a:rPr lang="en-US" sz="2000" dirty="0"/>
+              <a:t> 0 1 0 1 0</a:t>
+            </a:r>
+            <a:r>
+              <a:rPr lang="tr-TR" sz="2000" dirty="0"/>
+              <a:t>      </a:t>
+            </a:r>
+            <a:r>
+              <a:rPr lang="en-US" sz="2000" dirty="0"/>
+              <a:t> 0 0 0 1 0</a:t>
+            </a:r>
+            <a:r>
+              <a:rPr lang="tr-TR" sz="2000" dirty="0"/>
+              <a:t>        </a:t>
+            </a:r>
+            <a:r>
+              <a:rPr lang="en-US" sz="2000" dirty="0"/>
+              <a:t> 0 0 0 0 0</a:t>
+            </a:r>
+            <a:r>
+              <a:rPr lang="tr-TR" sz="2000" dirty="0"/>
+              <a:t>          </a:t>
+            </a:r>
+            <a:r>
+              <a:rPr lang="en-US" sz="2000" dirty="0"/>
+              <a:t> 1 0 0 0 0 1 </a:t>
+            </a:r>
           </a:p>
           <a:p>
             <a:r>
@@ -3649,133 +3943,39 @@
               <a:t> </a:t>
             </a:r>
             <a:r>
-              <a:rPr lang="en-US" sz="2000" dirty="0" smtClean="0"/>
-              <a:t>0 </a:t>
+              <a:rPr lang="tr-TR" sz="2000" dirty="0"/>
+              <a:t>        </a:t>
             </a:r>
             <a:r>
               <a:rPr lang="en-US" sz="2000" dirty="0"/>
-              <a:t>0 0 0 0 </a:t>
-            </a:r>
-            <a:r>
-              <a:rPr lang="en-US" sz="2000" dirty="0" smtClean="0"/>
-              <a:t>0</a:t>
-            </a:r>
-            <a:r>
-              <a:rPr lang="tr-TR" sz="2000" dirty="0" smtClean="0"/>
-              <a:t>    </a:t>
-            </a:r>
-            <a:r>
-              <a:rPr lang="en-US" sz="2000" dirty="0" smtClean="0"/>
-              <a:t> </a:t>
-            </a:r>
-            <a:r>
-              <a:rPr lang="en-US" sz="2000" dirty="0"/>
-              <a:t>0 0 1 0 </a:t>
-            </a:r>
-            <a:r>
-              <a:rPr lang="en-US" sz="2000" dirty="0" smtClean="0"/>
-              <a:t>0</a:t>
-            </a:r>
-            <a:r>
-              <a:rPr lang="tr-TR" sz="2000" dirty="0" smtClean="0"/>
-              <a:t>    </a:t>
-            </a:r>
-            <a:r>
-              <a:rPr lang="en-US" sz="2000" dirty="0" smtClean="0"/>
-              <a:t> </a:t>
-            </a:r>
-            <a:r>
-              <a:rPr lang="en-US" sz="2000" dirty="0"/>
-              <a:t>0 1 0 1 </a:t>
-            </a:r>
-            <a:r>
-              <a:rPr lang="en-US" sz="2000" dirty="0" smtClean="0"/>
-              <a:t>0</a:t>
-            </a:r>
-            <a:r>
-              <a:rPr lang="tr-TR" sz="2000" dirty="0" smtClean="0"/>
-              <a:t>      </a:t>
-            </a:r>
-            <a:r>
-              <a:rPr lang="en-US" sz="2000" dirty="0" smtClean="0"/>
-              <a:t> </a:t>
-            </a:r>
-            <a:r>
-              <a:rPr lang="en-US" sz="2000" dirty="0"/>
-              <a:t>0 0 0 1 </a:t>
-            </a:r>
-            <a:r>
-              <a:rPr lang="en-US" sz="2000" dirty="0" smtClean="0"/>
-              <a:t>0</a:t>
-            </a:r>
-            <a:r>
-              <a:rPr lang="tr-TR" sz="2000" dirty="0" smtClean="0"/>
-              <a:t>        </a:t>
-            </a:r>
-            <a:r>
-              <a:rPr lang="en-US" sz="2000" dirty="0" smtClean="0"/>
-              <a:t> </a:t>
-            </a:r>
-            <a:r>
-              <a:rPr lang="en-US" sz="2000" dirty="0"/>
-              <a:t>0 0 0 0 </a:t>
-            </a:r>
-            <a:r>
-              <a:rPr lang="en-US" sz="2000" dirty="0" smtClean="0"/>
-              <a:t>0</a:t>
-            </a:r>
-            <a:r>
-              <a:rPr lang="tr-TR" sz="2000" dirty="0" smtClean="0"/>
-              <a:t>          </a:t>
-            </a:r>
-            <a:r>
-              <a:rPr lang="en-US" sz="2000" dirty="0" smtClean="0"/>
-              <a:t> </a:t>
-            </a:r>
-            <a:r>
-              <a:rPr lang="en-US" sz="2000" dirty="0"/>
-              <a:t>1 0 0 0 0 1 </a:t>
-            </a:r>
-          </a:p>
-          <a:p>
+              <a:t>op</a:t>
+            </a:r>
+            <a:r>
+              <a:rPr lang="tr-TR" sz="2000" dirty="0"/>
+              <a:t>                 </a:t>
+            </a:r>
+            <a:r>
+              <a:rPr lang="en-US" sz="2000" dirty="0" err="1"/>
+              <a:t>rs</a:t>
+            </a:r>
             <a:r>
               <a:rPr lang="en-US" sz="2000" dirty="0"/>
               <a:t> </a:t>
             </a:r>
             <a:r>
-              <a:rPr lang="tr-TR" sz="2000" dirty="0" smtClean="0"/>
-              <a:t>        </a:t>
-            </a:r>
-            <a:r>
-              <a:rPr lang="en-US" sz="2000" dirty="0" smtClean="0"/>
-              <a:t>op</a:t>
-            </a:r>
-            <a:r>
-              <a:rPr lang="tr-TR" sz="2000" dirty="0" smtClean="0"/>
-              <a:t>                 </a:t>
-            </a:r>
-            <a:r>
-              <a:rPr lang="en-US" sz="2000" dirty="0" err="1" smtClean="0"/>
-              <a:t>rs</a:t>
-            </a:r>
-            <a:r>
-              <a:rPr lang="en-US" sz="2000" dirty="0" smtClean="0"/>
-              <a:t> </a:t>
-            </a:r>
-            <a:r>
-              <a:rPr lang="tr-TR" sz="2000" dirty="0" smtClean="0"/>
+              <a:rPr lang="tr-TR" sz="2000" dirty="0"/>
               <a:t>                </a:t>
             </a:r>
             <a:r>
-              <a:rPr lang="en-US" sz="2000" dirty="0" err="1" smtClean="0"/>
+              <a:rPr lang="en-US" sz="2000" dirty="0" err="1"/>
               <a:t>rt</a:t>
             </a:r>
             <a:r>
-              <a:rPr lang="tr-TR" sz="2000" dirty="0" smtClean="0"/>
+              <a:rPr lang="tr-TR" sz="2000" dirty="0"/>
               <a:t>                  </a:t>
             </a:r>
             <a:r>
-              <a:rPr lang="en-US" sz="2000" dirty="0" smtClean="0"/>
+              <a:rPr lang="en-US" sz="2000" dirty="0"/>
               <a:t> </a:t>
             </a:r>
             <a:r>
@@ -3787,19 +3987,19 @@
               <a:t> </a:t>
             </a:r>
             <a:r>
-              <a:rPr lang="tr-TR" sz="2000" dirty="0" smtClean="0"/>
+              <a:rPr lang="tr-TR" sz="2000" dirty="0"/>
               <a:t>               </a:t>
             </a:r>
             <a:r>
-              <a:rPr lang="en-US" sz="2000" dirty="0" err="1" smtClean="0"/>
+              <a:rPr lang="en-US" sz="2000" dirty="0" err="1"/>
               <a:t>shamt</a:t>
             </a:r>
             <a:r>
-              <a:rPr lang="tr-TR" sz="2000" dirty="0" smtClean="0"/>
+              <a:rPr lang="tr-TR" sz="2000" dirty="0"/>
               <a:t>               </a:t>
             </a:r>
             <a:r>
-              <a:rPr lang="en-US" sz="2000" dirty="0" smtClean="0"/>
+              <a:rPr lang="en-US" sz="2000" dirty="0"/>
               <a:t> </a:t>
             </a:r>
             <a:r>
@@ -3810,7 +4010,7 @@
               <a:rPr lang="en-US" sz="2000" dirty="0"/>
               <a:t> </a:t>
             </a:r>
-            <a:endParaRPr lang="tr-TR" sz="2000" dirty="0" smtClean="0"/>
+            <a:endParaRPr lang="tr-TR" sz="2000" dirty="0"/>
           </a:p>
           <a:p>
             <a:endParaRPr lang="tr-TR" sz="2000" dirty="0"/>
@@ -3824,60 +4024,47 @@
           <a:p>
             <a:r>
               <a:rPr lang="en-US" sz="2000" dirty="0"/>
-              <a:t> </a:t>
-            </a:r>
-            <a:r>
-              <a:rPr lang="en-US" sz="2000" dirty="0" smtClean="0"/>
-              <a:t> </a:t>
-            </a:r>
-            <a:endParaRPr lang="en-US" sz="2000" dirty="0"/>
-          </a:p>
-          <a:p>
-            <a:r>
-              <a:rPr lang="tr-TR" sz="2000" dirty="0" smtClean="0"/>
+              <a:t>  </a:t>
+            </a:r>
+          </a:p>
+          <a:p>
+            <a:r>
+              <a:rPr lang="tr-TR" sz="2000" dirty="0"/>
               <a:t>             </a:t>
             </a:r>
             <a:r>
-              <a:rPr lang="en-US" sz="2000" dirty="0" smtClean="0"/>
+              <a:rPr lang="en-US" sz="2000" dirty="0"/>
               <a:t> R</a:t>
             </a:r>
             <a:r>
-              <a:rPr lang="tr-TR" sz="2000" dirty="0" smtClean="0"/>
+              <a:rPr lang="tr-TR" sz="2000" dirty="0"/>
               <a:t>        </a:t>
             </a:r>
             <a:r>
-              <a:rPr lang="en-US" sz="2000" dirty="0" smtClean="0"/>
-              <a:t> </a:t>
-            </a:r>
-            <a:r>
               <a:rPr lang="en-US" sz="2000" dirty="0"/>
-              <a:t>I </a:t>
-            </a:r>
-            <a:r>
-              <a:rPr lang="tr-TR" sz="2000" dirty="0" smtClean="0"/>
+              <a:t> I </a:t>
+            </a:r>
+            <a:r>
+              <a:rPr lang="tr-TR" sz="2000" dirty="0"/>
               <a:t>        </a:t>
             </a:r>
             <a:r>
-              <a:rPr lang="en-US" sz="2000" dirty="0" smtClean="0"/>
+              <a:rPr lang="en-US" sz="2000" dirty="0"/>
               <a:t>J</a:t>
             </a:r>
-            <a:endParaRPr lang="tr-TR" sz="2000" dirty="0" smtClean="0"/>
-          </a:p>
-          <a:p>
-            <a:endParaRPr lang="tr-TR" sz="2000" dirty="0" smtClean="0"/>
-          </a:p>
-          <a:p>
-            <a:r>
-              <a:rPr lang="tr-TR" sz="2000" dirty="0" smtClean="0"/>
+            <a:endParaRPr lang="tr-TR" sz="2000" dirty="0"/>
+          </a:p>
+          <a:p>
+            <a:endParaRPr lang="tr-TR" sz="2000" dirty="0"/>
+          </a:p>
+          <a:p>
+            <a:r>
+              <a:rPr lang="tr-TR" sz="2000" dirty="0"/>
               <a:t>c)  </a:t>
             </a:r>
             <a:r>
-              <a:rPr lang="en-US" sz="2000" dirty="0" smtClean="0"/>
-              <a:t>Translate </a:t>
-            </a:r>
-            <a:r>
               <a:rPr lang="en-US" sz="2000" dirty="0"/>
-              <a:t>this instruction to assembly language. Use symbolic register names like </a:t>
+              <a:t>Translate this instruction to assembly language. Use symbolic register names like </a:t>
             </a:r>
           </a:p>
           <a:p>
@@ -3895,11 +4082,7 @@
           <a:p>
             <a:r>
               <a:rPr lang="en-US" sz="2000" dirty="0"/>
-              <a:t> </a:t>
-            </a:r>
-            <a:r>
-              <a:rPr lang="en-US" sz="2000" dirty="0" smtClean="0"/>
-              <a:t> </a:t>
+              <a:t>  </a:t>
             </a:r>
             <a:r>
               <a:rPr lang="en-US" sz="2000" dirty="0" err="1"/>
@@ -3910,42 +4093,30 @@
               <a:t> </a:t>
             </a:r>
             <a:r>
-              <a:rPr lang="tr-TR" sz="2000" dirty="0" smtClean="0"/>
+              <a:rPr lang="tr-TR" sz="2000" dirty="0"/>
               <a:t>  </a:t>
             </a:r>
             <a:r>
-              <a:rPr lang="en-US" sz="2000" dirty="0" smtClean="0"/>
-              <a:t>$</a:t>
-            </a:r>
-            <a:r>
               <a:rPr lang="en-US" sz="2000" dirty="0"/>
-              <a:t>v0, </a:t>
-            </a:r>
-            <a:r>
-              <a:rPr lang="tr-TR" sz="2000" dirty="0" smtClean="0"/>
+              <a:t>$v0, </a:t>
+            </a:r>
+            <a:r>
+              <a:rPr lang="tr-TR" sz="2000" dirty="0"/>
               <a:t>  </a:t>
             </a:r>
             <a:r>
-              <a:rPr lang="en-US" sz="2000" dirty="0" smtClean="0"/>
-              <a:t>$</a:t>
-            </a:r>
-            <a:r>
               <a:rPr lang="en-US" sz="2000" dirty="0"/>
-              <a:t>a0, </a:t>
-            </a:r>
-            <a:r>
-              <a:rPr lang="tr-TR" sz="2000" dirty="0" smtClean="0"/>
+              <a:t>$a0, </a:t>
+            </a:r>
+            <a:r>
+              <a:rPr lang="tr-TR" sz="2000" dirty="0"/>
               <a:t>  </a:t>
             </a:r>
             <a:r>
-              <a:rPr lang="en-US" sz="2000" dirty="0" smtClean="0"/>
-              <a:t>$</a:t>
-            </a:r>
-            <a:r>
               <a:rPr lang="en-US" sz="2000" dirty="0"/>
-              <a:t>t2 </a:t>
-            </a:r>
-            <a:endParaRPr lang="tr-TR" sz="2000" dirty="0" smtClean="0"/>
+              <a:t>$t2 </a:t>
+            </a:r>
+            <a:endParaRPr lang="tr-TR" sz="2000" dirty="0"/>
           </a:p>
           <a:p>
             <a:endParaRPr lang="tr-TR" sz="2000" dirty="0"/>
@@ -3968,13 +4139,6 @@
   <p:clrMapOvr>
     <a:masterClrMapping/>
   </p:clrMapOvr>
-  <p:timing>
-    <p:tnLst>
-      <p:par>
-        <p:cTn id="1" dur="indefinite" restart="never" nodeType="tmRoot"/>
-      </p:par>
-    </p:tnLst>
-  </p:timing>
 </p:sld>
 </file>
 
@@ -4017,16 +4181,12 @@
           <a:lstStyle/>
           <a:p>
             <a:r>
-              <a:rPr lang="tr-TR" sz="2000" b="1" dirty="0" smtClean="0"/>
+              <a:rPr lang="tr-TR" sz="2000" b="1" dirty="0"/>
               <a:t>SORU 4 :      </a:t>
             </a:r>
             <a:r>
-              <a:rPr lang="en-US" sz="2000" dirty="0" smtClean="0"/>
-              <a:t>Suppose </a:t>
-            </a:r>
-            <a:r>
               <a:rPr lang="en-US" sz="2000" dirty="0"/>
-              <a:t>we execute the following MIPS instructions </a:t>
+              <a:t>Suppose we execute the following MIPS instructions </a:t>
             </a:r>
           </a:p>
           <a:p>
@@ -4091,30 +4251,22 @@
           </a:p>
           <a:p>
             <a:r>
-              <a:rPr lang="tr-TR" sz="2000" dirty="0" smtClean="0"/>
+              <a:rPr lang="tr-TR" sz="2000" dirty="0"/>
               <a:t>  </a:t>
             </a:r>
             <a:r>
-              <a:rPr lang="en-US" sz="2000" dirty="0" smtClean="0"/>
-              <a:t>skip</a:t>
-            </a:r>
-            <a:r>
               <a:rPr lang="en-US" sz="2000" dirty="0"/>
-              <a:t>: </a:t>
-            </a:r>
-          </a:p>
-          <a:p>
-            <a:r>
-              <a:rPr lang="tr-TR" sz="2000" dirty="0" smtClean="0"/>
+              <a:t>skip: </a:t>
+            </a:r>
+          </a:p>
+          <a:p>
+            <a:r>
+              <a:rPr lang="tr-TR" sz="2000" dirty="0"/>
               <a:t> </a:t>
             </a:r>
             <a:r>
-              <a:rPr lang="en-US" sz="2000" dirty="0" smtClean="0"/>
-              <a:t> </a:t>
-            </a:r>
-            <a:r>
               <a:rPr lang="en-US" sz="2000" dirty="0"/>
-              <a:t>li $v0, 42 </a:t>
+              <a:t> li $v0, 42 </a:t>
             </a:r>
           </a:p>
           <a:p>
@@ -4129,24 +4281,12 @@
               <a:t>In the </a:t>
             </a:r>
             <a:r>
-              <a:rPr lang="tr-TR" sz="2000" dirty="0" smtClean="0"/>
+              <a:rPr lang="tr-TR" sz="2000" dirty="0"/>
               <a:t>  </a:t>
             </a:r>
             <a:r>
-              <a:rPr lang="en-US" sz="2000" dirty="0" smtClean="0"/>
-              <a:t>table</a:t>
-            </a:r>
-            <a:r>
               <a:rPr lang="en-US" sz="2000" dirty="0"/>
-              <a:t>, write down each of the registers changed during execution and </a:t>
-            </a:r>
-            <a:r>
-              <a:rPr lang="en-US" sz="2000" dirty="0" smtClean="0"/>
-              <a:t>their </a:t>
-            </a:r>
-            <a:r>
-              <a:rPr lang="en-US" sz="2000" dirty="0"/>
-              <a:t>values after the code has executed. </a:t>
+              <a:t>table, write down each of the registers changed during execution and their values after the code has executed. </a:t>
             </a:r>
           </a:p>
           <a:p>
@@ -4161,52 +4301,36 @@
               <a:t>Register </a:t>
             </a:r>
             <a:r>
-              <a:rPr lang="tr-TR" sz="2000" dirty="0" smtClean="0"/>
+              <a:rPr lang="tr-TR" sz="2000" dirty="0"/>
               <a:t>       </a:t>
             </a:r>
             <a:r>
-              <a:rPr lang="en-US" sz="2000" dirty="0" smtClean="0"/>
-              <a:t>$</a:t>
-            </a:r>
-            <a:r>
               <a:rPr lang="en-US" sz="2000" dirty="0"/>
-              <a:t>t0 </a:t>
-            </a:r>
-            <a:r>
-              <a:rPr lang="tr-TR" sz="2000" dirty="0" smtClean="0"/>
+              <a:t>$t0 </a:t>
+            </a:r>
+            <a:r>
+              <a:rPr lang="tr-TR" sz="2000" dirty="0"/>
               <a:t>     </a:t>
             </a:r>
             <a:r>
-              <a:rPr lang="en-US" sz="2000" dirty="0" smtClean="0"/>
-              <a:t>$</a:t>
-            </a:r>
-            <a:r>
               <a:rPr lang="en-US" sz="2000" dirty="0"/>
-              <a:t>t1 </a:t>
-            </a:r>
-            <a:r>
-              <a:rPr lang="tr-TR" sz="2000" dirty="0" smtClean="0"/>
+              <a:t>$t1 </a:t>
+            </a:r>
+            <a:r>
+              <a:rPr lang="tr-TR" sz="2000" dirty="0"/>
               <a:t>    </a:t>
             </a:r>
             <a:r>
-              <a:rPr lang="en-US" sz="2000" dirty="0" smtClean="0"/>
-              <a:t>$</a:t>
-            </a:r>
-            <a:r>
               <a:rPr lang="en-US" sz="2000" dirty="0"/>
-              <a:t>t2 </a:t>
-            </a:r>
-            <a:r>
-              <a:rPr lang="tr-TR" sz="2000" dirty="0" smtClean="0"/>
+              <a:t>$t2 </a:t>
+            </a:r>
+            <a:r>
+              <a:rPr lang="tr-TR" sz="2000" dirty="0"/>
               <a:t>     </a:t>
             </a:r>
             <a:r>
-              <a:rPr lang="en-US" sz="2000" dirty="0" smtClean="0"/>
-              <a:t>$</a:t>
-            </a:r>
-            <a:r>
               <a:rPr lang="en-US" sz="2000" dirty="0"/>
-              <a:t>v0 </a:t>
+              <a:t>$v0 </a:t>
             </a:r>
           </a:p>
           <a:p>
@@ -4215,41 +4339,200 @@
               <a:t>Value </a:t>
             </a:r>
             <a:r>
-              <a:rPr lang="tr-TR" sz="2000" dirty="0" smtClean="0"/>
+              <a:rPr lang="tr-TR" sz="2000" dirty="0"/>
               <a:t>               </a:t>
             </a:r>
             <a:r>
-              <a:rPr lang="en-US" sz="2000" dirty="0" smtClean="0"/>
+              <a:rPr lang="en-US" sz="2000" dirty="0"/>
               <a:t>2 </a:t>
             </a:r>
             <a:r>
-              <a:rPr lang="tr-TR" sz="2000" dirty="0" smtClean="0"/>
+              <a:rPr lang="tr-TR" sz="2000" dirty="0"/>
               <a:t>      </a:t>
             </a:r>
             <a:r>
-              <a:rPr lang="en-US" sz="2000" dirty="0" smtClean="0"/>
+              <a:rPr lang="en-US" sz="2000" dirty="0"/>
               <a:t>5 </a:t>
             </a:r>
             <a:r>
-              <a:rPr lang="tr-TR" sz="2000" dirty="0" smtClean="0"/>
+              <a:rPr lang="tr-TR" sz="2000" dirty="0"/>
               <a:t>          </a:t>
             </a:r>
             <a:r>
-              <a:rPr lang="en-US" sz="2000" dirty="0" smtClean="0"/>
+              <a:rPr lang="en-US" sz="2000" dirty="0"/>
               <a:t>0 </a:t>
             </a:r>
             <a:r>
-              <a:rPr lang="tr-TR" sz="2000" dirty="0" smtClean="0"/>
+              <a:rPr lang="tr-TR" sz="2000" dirty="0"/>
               <a:t>       </a:t>
             </a:r>
             <a:r>
-              <a:rPr lang="en-US" sz="2000" dirty="0" smtClean="0"/>
+              <a:rPr lang="en-US" sz="2000" dirty="0"/>
               <a:t>42 </a:t>
             </a:r>
-            <a:endParaRPr lang="en-US" sz="2000" dirty="0"/>
           </a:p>
         </p:txBody>
       </p:sp>
+      <p:sp>
+        <p:nvSpPr>
+          <p:cNvPr id="3" name="Metin kutusu 2">
+            <a:extLst>
+              <a:ext uri="{FF2B5EF4-FFF2-40B4-BE49-F238E27FC236}">
+                <a16:creationId xmlns:a16="http://schemas.microsoft.com/office/drawing/2014/main" id="{7A0DE1A0-8187-4BE9-ADB4-9DE2B1994D33}"/>
+              </a:ext>
+            </a:extLst>
+          </p:cNvPr>
+          <p:cNvSpPr txBox="1"/>
+          <p:nvPr/>
+        </p:nvSpPr>
+        <p:spPr>
+          <a:xfrm>
+            <a:off x="2915816" y="2132856"/>
+            <a:ext cx="2871042" cy="369332"/>
+          </a:xfrm>
+          <a:prstGeom prst="rect">
+            <a:avLst/>
+          </a:prstGeom>
+          <a:noFill/>
+        </p:spPr>
+        <p:txBody>
+          <a:bodyPr wrap="none" rtlCol="0">
+            <a:spAutoFit/>
+          </a:bodyPr>
+          <a:lstStyle/>
+          <a:p>
+            <a:r>
+              <a:rPr lang="tr-TR" dirty="0"/>
+              <a:t>t1 t0 dan küçükse t2 ye 1 ata</a:t>
+            </a:r>
+            <a:endParaRPr lang="en-US" dirty="0"/>
+          </a:p>
+        </p:txBody>
+      </p:sp>
+      <p:cxnSp>
+        <p:nvCxnSpPr>
+          <p:cNvPr id="5" name="Düz Ok Bağlayıcısı 4">
+            <a:extLst>
+              <a:ext uri="{FF2B5EF4-FFF2-40B4-BE49-F238E27FC236}">
+                <a16:creationId xmlns:a16="http://schemas.microsoft.com/office/drawing/2014/main" id="{47CB59B5-7208-4905-86EC-47EA2806FE18}"/>
+              </a:ext>
+            </a:extLst>
+          </p:cNvPr>
+          <p:cNvCxnSpPr>
+            <a:endCxn id="3" idx="1"/>
+          </p:cNvCxnSpPr>
+          <p:nvPr/>
+        </p:nvCxnSpPr>
+        <p:spPr>
+          <a:xfrm>
+            <a:off x="2555776" y="2317522"/>
+            <a:ext cx="360040" cy="0"/>
+          </a:xfrm>
+          <a:prstGeom prst="straightConnector1">
+            <a:avLst/>
+          </a:prstGeom>
+          <a:ln>
+            <a:tailEnd type="triangle"/>
+          </a:ln>
+        </p:spPr>
+        <p:style>
+          <a:lnRef idx="1">
+            <a:schemeClr val="accent1"/>
+          </a:lnRef>
+          <a:fillRef idx="0">
+            <a:schemeClr val="accent1"/>
+          </a:fillRef>
+          <a:effectRef idx="0">
+            <a:schemeClr val="accent1"/>
+          </a:effectRef>
+          <a:fontRef idx="minor">
+            <a:schemeClr val="tx1"/>
+          </a:fontRef>
+        </p:style>
+      </p:cxnSp>
+      <p:sp>
+        <p:nvSpPr>
+          <p:cNvPr id="6" name="Metin kutusu 5">
+            <a:extLst>
+              <a:ext uri="{FF2B5EF4-FFF2-40B4-BE49-F238E27FC236}">
+                <a16:creationId xmlns:a16="http://schemas.microsoft.com/office/drawing/2014/main" id="{88AC387C-DC7A-4B00-BE9D-197F486776C2}"/>
+              </a:ext>
+            </a:extLst>
+          </p:cNvPr>
+          <p:cNvSpPr txBox="1"/>
+          <p:nvPr/>
+        </p:nvSpPr>
+        <p:spPr>
+          <a:xfrm>
+            <a:off x="3707904" y="2420888"/>
+            <a:ext cx="3312368" cy="369332"/>
+          </a:xfrm>
+          <a:prstGeom prst="rect">
+            <a:avLst/>
+          </a:prstGeom>
+          <a:noFill/>
+        </p:spPr>
+        <p:txBody>
+          <a:bodyPr wrap="square" rtlCol="0">
+            <a:spAutoFit/>
+          </a:bodyPr>
+          <a:lstStyle/>
+          <a:p>
+            <a:r>
+              <a:rPr lang="tr-TR" dirty="0"/>
+              <a:t>t2 ile </a:t>
+            </a:r>
+            <a:r>
+              <a:rPr lang="tr-TR" dirty="0" err="1"/>
+              <a:t>zero</a:t>
+            </a:r>
+            <a:r>
+              <a:rPr lang="tr-TR" dirty="0"/>
+              <a:t> ya bak eşitse atla</a:t>
+            </a:r>
+            <a:endParaRPr lang="en-US" dirty="0"/>
+          </a:p>
+        </p:txBody>
+      </p:sp>
+      <p:cxnSp>
+        <p:nvCxnSpPr>
+          <p:cNvPr id="8" name="Düz Ok Bağlayıcısı 7">
+            <a:extLst>
+              <a:ext uri="{FF2B5EF4-FFF2-40B4-BE49-F238E27FC236}">
+                <a16:creationId xmlns:a16="http://schemas.microsoft.com/office/drawing/2014/main" id="{3DB79E35-536A-4EB3-A021-5DD3E84D4CBD}"/>
+              </a:ext>
+            </a:extLst>
+          </p:cNvPr>
+          <p:cNvCxnSpPr/>
+          <p:nvPr/>
+        </p:nvCxnSpPr>
+        <p:spPr>
+          <a:xfrm>
+            <a:off x="2987824" y="2636912"/>
+            <a:ext cx="576064" cy="0"/>
+          </a:xfrm>
+          <a:prstGeom prst="straightConnector1">
+            <a:avLst/>
+          </a:prstGeom>
+          <a:ln>
+            <a:tailEnd type="triangle"/>
+          </a:ln>
+        </p:spPr>
+        <p:style>
+          <a:lnRef idx="1">
+            <a:schemeClr val="accent1"/>
+          </a:lnRef>
+          <a:fillRef idx="0">
+            <a:schemeClr val="accent1"/>
+          </a:fillRef>
+          <a:effectRef idx="0">
+            <a:schemeClr val="accent1"/>
+          </a:effectRef>
+          <a:fontRef idx="minor">
+            <a:schemeClr val="tx1"/>
+          </a:fontRef>
+        </p:style>
+      </p:cxnSp>
     </p:spTree>
     <p:extLst>
       <p:ext uri="{BB962C8B-B14F-4D97-AF65-F5344CB8AC3E}">
@@ -4260,13 +4543,6 @@
   <p:clrMapOvr>
     <a:masterClrMapping/>
   </p:clrMapOvr>
-  <p:timing>
-    <p:tnLst>
-      <p:par>
-        <p:cTn id="1" dur="indefinite" restart="never" nodeType="tmRoot"/>
-      </p:par>
-    </p:tnLst>
-  </p:timing>
 </p:sld>
 </file>
 
@@ -4374,18 +4650,17 @@
           <a:lstStyle/>
           <a:p>
             <a:r>
-              <a:rPr lang="tr-TR" sz="2000" b="1" dirty="0" smtClean="0"/>
+              <a:rPr lang="tr-TR" sz="2000" b="1" dirty="0"/>
               <a:t>SORU 5 :   DİZİN ELEMANLARINI SABİTLE TOPLAYIP BAŞKA BİR </a:t>
             </a:r>
             <a:r>
-              <a:rPr lang="tr-TR" sz="2000" b="1" i="1" dirty="0" smtClean="0"/>
+              <a:rPr lang="tr-TR" sz="2000" b="1" i="1" dirty="0"/>
               <a:t>DİZİNE </a:t>
             </a:r>
             <a:r>
-              <a:rPr lang="tr-TR" sz="2000" b="1" dirty="0" smtClean="0"/>
+              <a:rPr lang="tr-TR" sz="2000" b="1" dirty="0"/>
               <a:t>ATAMA PROGRAMINI MIPS KOMUTLARIYLA YAZINIZ?</a:t>
             </a:r>
-            <a:endParaRPr lang="tr-TR" sz="2000" b="1" dirty="0"/>
           </a:p>
         </p:txBody>
       </p:sp>
@@ -4399,13 +4674,6 @@
   <p:clrMapOvr>
     <a:masterClrMapping/>
   </p:clrMapOvr>
-  <p:timing>
-    <p:tnLst>
-      <p:par>
-        <p:cTn id="1" dur="indefinite" restart="never" nodeType="tmRoot"/>
-      </p:par>
-    </p:tnLst>
-  </p:timing>
 </p:sld>
 </file>
 
@@ -4448,24 +4716,20 @@
           <a:lstStyle/>
           <a:p>
             <a:r>
-              <a:rPr lang="tr-TR" sz="2000" dirty="0" smtClean="0"/>
+              <a:rPr lang="tr-TR" sz="2000" dirty="0"/>
               <a:t>                  </a:t>
             </a:r>
             <a:r>
-              <a:rPr lang="fr-FR" sz="2000" dirty="0" smtClean="0"/>
+              <a:rPr lang="fr-FR" sz="2000" dirty="0"/>
               <a:t>l</a:t>
             </a:r>
             <a:r>
-              <a:rPr lang="tr-TR" sz="2000" dirty="0" smtClean="0"/>
+              <a:rPr lang="tr-TR" sz="2000" dirty="0"/>
               <a:t>i</a:t>
             </a:r>
             <a:r>
-              <a:rPr lang="fr-FR" sz="2000" dirty="0" smtClean="0"/>
-              <a:t>   </a:t>
-            </a:r>
-            <a:r>
               <a:rPr lang="fr-FR" sz="2000" dirty="0"/>
-              <a:t>$t0, a</a:t>
+              <a:t>   $t0, a</a:t>
             </a:r>
           </a:p>
           <a:p>
@@ -4667,13 +4931,6 @@
   <p:clrMapOvr>
     <a:masterClrMapping/>
   </p:clrMapOvr>
-  <p:timing>
-    <p:tnLst>
-      <p:par>
-        <p:cTn id="1" dur="indefinite" restart="never" nodeType="tmRoot"/>
-      </p:par>
-    </p:tnLst>
-  </p:timing>
 </p:sld>
 </file>
 
@@ -4725,28 +4982,20 @@
               <a:rPr lang="fr-FR" dirty="0"/>
               <a:t>		</a:t>
             </a:r>
-            <a:endParaRPr lang="tr-TR" dirty="0" smtClean="0"/>
+            <a:endParaRPr lang="tr-TR" dirty="0"/>
           </a:p>
           <a:p>
             <a:r>
               <a:rPr lang="tr-TR" dirty="0"/>
-              <a:t> </a:t>
-            </a:r>
-            <a:r>
-              <a:rPr lang="tr-TR" dirty="0" smtClean="0"/>
-              <a:t>                                 </a:t>
-            </a:r>
-            <a:r>
-              <a:rPr lang="fr-FR" sz="2400" dirty="0" err="1" smtClean="0"/>
+              <a:t>                                  </a:t>
+            </a:r>
+            <a:r>
+              <a:rPr lang="fr-FR" sz="2400" dirty="0" err="1"/>
               <a:t>beq</a:t>
             </a:r>
             <a:r>
-              <a:rPr lang="fr-FR" sz="2400" dirty="0" smtClean="0"/>
-              <a:t> </a:t>
-            </a:r>
-            <a:r>
               <a:rPr lang="fr-FR" sz="2400" dirty="0"/>
-              <a:t>$t1, $t2, long</a:t>
+              <a:t> $t1, $t2, long</a:t>
             </a:r>
           </a:p>
           <a:p>
@@ -4767,20 +5016,16 @@
               <a:t>             	</a:t>
             </a:r>
             <a:r>
-              <a:rPr lang="tr-TR" sz="2400" dirty="0" smtClean="0"/>
+              <a:rPr lang="tr-TR" sz="2400" dirty="0"/>
               <a:t>              </a:t>
             </a:r>
             <a:r>
-              <a:rPr lang="fr-FR" sz="2400" dirty="0" err="1" smtClean="0"/>
+              <a:rPr lang="fr-FR" sz="2400" dirty="0" err="1"/>
               <a:t>addi</a:t>
             </a:r>
             <a:r>
-              <a:rPr lang="fr-FR" sz="2400" dirty="0" smtClean="0"/>
-              <a:t>  </a:t>
-            </a:r>
-            <a:r>
               <a:rPr lang="fr-FR" sz="2400" dirty="0"/>
-              <a:t>$t0, $t0, 0xfffc</a:t>
+              <a:t>  $t0, $t0, 0xfffc</a:t>
             </a:r>
           </a:p>
           <a:p>
@@ -4789,16 +5034,12 @@
               <a:t>             </a:t>
             </a:r>
             <a:r>
-              <a:rPr lang="tr-TR" sz="2400" dirty="0" smtClean="0"/>
+              <a:rPr lang="tr-TR" sz="2400" dirty="0"/>
               <a:t>               </a:t>
             </a:r>
             <a:r>
-              <a:rPr lang="fr-FR" sz="2400" dirty="0" smtClean="0"/>
-              <a:t>jr   </a:t>
-            </a:r>
-            <a:r>
               <a:rPr lang="fr-FR" sz="2400" dirty="0"/>
-              <a:t>$t0</a:t>
+              <a:t>jr   $t0</a:t>
             </a:r>
           </a:p>
           <a:p>
@@ -4876,6 +5117,52 @@
           </a:extLst>
         </p:spPr>
       </p:pic>
+      <p:sp>
+        <p:nvSpPr>
+          <p:cNvPr id="3" name="Metin kutusu 2">
+            <a:extLst>
+              <a:ext uri="{FF2B5EF4-FFF2-40B4-BE49-F238E27FC236}">
+                <a16:creationId xmlns:a16="http://schemas.microsoft.com/office/drawing/2014/main" id="{1D8EB8FD-7B9A-47EF-9B83-23EBD94BFCA4}"/>
+              </a:ext>
+            </a:extLst>
+          </p:cNvPr>
+          <p:cNvSpPr txBox="1"/>
+          <p:nvPr/>
+        </p:nvSpPr>
+        <p:spPr>
+          <a:xfrm>
+            <a:off x="93092" y="2306836"/>
+            <a:ext cx="4385816" cy="646331"/>
+          </a:xfrm>
+          <a:prstGeom prst="rect">
+            <a:avLst/>
+          </a:prstGeom>
+          <a:noFill/>
+        </p:spPr>
+        <p:txBody>
+          <a:bodyPr wrap="none" rtlCol="0">
+            <a:spAutoFit/>
+          </a:bodyPr>
+          <a:lstStyle/>
+          <a:p>
+            <a:r>
+              <a:rPr lang="tr-TR" dirty="0" err="1"/>
+              <a:t>Mıps</a:t>
+            </a:r>
+            <a:r>
+              <a:rPr lang="tr-TR" dirty="0"/>
+              <a:t> mimarisi 32 bit yüklemeye izin vermez. </a:t>
+            </a:r>
+          </a:p>
+          <a:p>
+            <a:r>
+              <a:rPr lang="tr-TR" dirty="0"/>
+              <a:t>Bu sebeple 16 bit olarak ayırmamız gerekir</a:t>
+            </a:r>
+            <a:endParaRPr lang="en-US" dirty="0"/>
+          </a:p>
+        </p:txBody>
+      </p:sp>
     </p:spTree>
     <p:extLst>
       <p:ext uri="{BB962C8B-B14F-4D97-AF65-F5344CB8AC3E}">
@@ -4886,13 +5173,6 @@
   <p:clrMapOvr>
     <a:masterClrMapping/>
   </p:clrMapOvr>
-  <p:timing>
-    <p:tnLst>
-      <p:par>
-        <p:cTn id="1" dur="indefinite" restart="never" nodeType="tmRoot"/>
-      </p:par>
-    </p:tnLst>
-  </p:timing>
 </p:sld>
 </file>
 
@@ -4936,13 +5216,8 @@
           <a:p>
             <a:r>
               <a:rPr lang="tr-TR" dirty="0"/>
-              <a:t>000100  </a:t>
-            </a:r>
-            <a:r>
-              <a:rPr lang="tr-TR" dirty="0" smtClean="0"/>
-              <a:t>    10100       11101        0000     0000      0000       0001</a:t>
-            </a:r>
-            <a:endParaRPr lang="tr-TR" dirty="0"/>
+              <a:t>000100      10100       11101        0000     0000      0000       0001</a:t>
+            </a:r>
           </a:p>
         </p:txBody>
       </p:sp>
@@ -5020,13 +5295,6 @@
   <p:clrMapOvr>
     <a:masterClrMapping/>
   </p:clrMapOvr>
-  <p:timing>
-    <p:tnLst>
-      <p:par>
-        <p:cTn id="1" dur="indefinite" restart="never" nodeType="tmRoot"/>
-      </p:par>
-    </p:tnLst>
-  </p:timing>
 </p:sld>
 </file>
 
@@ -5069,16 +5337,12 @@
           <a:lstStyle/>
           <a:p>
             <a:r>
-              <a:rPr lang="tr-TR" dirty="0" smtClean="0"/>
+              <a:rPr lang="tr-TR" dirty="0"/>
               <a:t>                  </a:t>
             </a:r>
             <a:r>
-              <a:rPr lang="tr-TR" sz="2400" dirty="0" smtClean="0"/>
-              <a:t>div  </a:t>
-            </a:r>
-            <a:r>
               <a:rPr lang="tr-TR" sz="2400" dirty="0"/>
-              <a:t>$t1, $t2</a:t>
+              <a:t>div  $t1, $t2</a:t>
             </a:r>
           </a:p>
           <a:p>
@@ -5217,6 +5481,50 @@
           </a:extLst>
         </p:spPr>
       </p:pic>
+      <p:sp>
+        <p:nvSpPr>
+          <p:cNvPr id="3" name="Metin kutusu 2">
+            <a:extLst>
+              <a:ext uri="{FF2B5EF4-FFF2-40B4-BE49-F238E27FC236}">
+                <a16:creationId xmlns:a16="http://schemas.microsoft.com/office/drawing/2014/main" id="{B35BE04E-9FB9-4E62-B8CA-39487E3E9702}"/>
+              </a:ext>
+            </a:extLst>
+          </p:cNvPr>
+          <p:cNvSpPr txBox="1"/>
+          <p:nvPr/>
+        </p:nvSpPr>
+        <p:spPr>
+          <a:xfrm>
+            <a:off x="395536" y="3172326"/>
+            <a:ext cx="4948406" cy="369332"/>
+          </a:xfrm>
+          <a:prstGeom prst="rect">
+            <a:avLst/>
+          </a:prstGeom>
+          <a:noFill/>
+        </p:spPr>
+        <p:txBody>
+          <a:bodyPr wrap="none" rtlCol="0">
+            <a:spAutoFit/>
+          </a:bodyPr>
+          <a:lstStyle/>
+          <a:p>
+            <a:r>
+              <a:rPr lang="tr-TR" dirty="0"/>
+              <a:t>0 </a:t>
+            </a:r>
+            <a:r>
+              <a:rPr lang="tr-TR" dirty="0" err="1"/>
+              <a:t>register</a:t>
+            </a:r>
+            <a:r>
+              <a:rPr lang="tr-TR" dirty="0"/>
+              <a:t> ı ile 35 i topla t3 e kaydet. T3 ile t0 ı çarp.</a:t>
+            </a:r>
+            <a:endParaRPr lang="en-US" dirty="0"/>
+          </a:p>
+        </p:txBody>
+      </p:sp>
     </p:spTree>
     <p:extLst>
       <p:ext uri="{BB962C8B-B14F-4D97-AF65-F5344CB8AC3E}">
@@ -5227,13 +5535,6 @@
   <p:clrMapOvr>
     <a:masterClrMapping/>
   </p:clrMapOvr>
-  <p:timing>
-    <p:tnLst>
-      <p:par>
-        <p:cTn id="1" dur="indefinite" restart="never" nodeType="tmRoot"/>
-      </p:par>
-    </p:tnLst>
-  </p:timing>
 </p:sld>
 </file>
 
@@ -5276,20 +5577,16 @@
           <a:lstStyle/>
           <a:p>
             <a:r>
-              <a:rPr lang="tr-TR" dirty="0" smtClean="0"/>
+              <a:rPr lang="tr-TR" dirty="0"/>
               <a:t>                                   </a:t>
             </a:r>
             <a:r>
-              <a:rPr lang="fr-FR" sz="2400" dirty="0" err="1" smtClean="0"/>
+              <a:rPr lang="fr-FR" sz="2400" dirty="0" err="1"/>
               <a:t>srl</a:t>
             </a:r>
             <a:r>
-              <a:rPr lang="fr-FR" sz="2400" dirty="0" smtClean="0"/>
-              <a:t>  </a:t>
-            </a:r>
-            <a:r>
               <a:rPr lang="fr-FR" sz="2400" dirty="0"/>
-              <a:t>$t0, $a0, 31</a:t>
+              <a:t>  $t0, $a0, 31</a:t>
             </a:r>
           </a:p>
           <a:p>
@@ -5318,16 +5615,12 @@
               <a:t>             	</a:t>
             </a:r>
             <a:r>
-              <a:rPr lang="tr-TR" sz="2400" dirty="0" smtClean="0"/>
+              <a:rPr lang="tr-TR" sz="2400" dirty="0"/>
               <a:t>                  </a:t>
             </a:r>
             <a:r>
-              <a:rPr lang="fr-FR" sz="2400" dirty="0" smtClean="0"/>
-              <a:t>and  </a:t>
-            </a:r>
-            <a:r>
               <a:rPr lang="fr-FR" sz="2400" dirty="0"/>
-              <a:t>$t1, $a0, $t2</a:t>
+              <a:t>and  $t1, $a0, $t2</a:t>
             </a:r>
           </a:p>
           <a:p>
@@ -5336,16 +5629,12 @@
               <a:t>             	</a:t>
             </a:r>
             <a:r>
-              <a:rPr lang="tr-TR" sz="2400" dirty="0" smtClean="0"/>
+              <a:rPr lang="tr-TR" sz="2400" dirty="0"/>
               <a:t>                  </a:t>
             </a:r>
             <a:r>
-              <a:rPr lang="fr-FR" sz="2400" dirty="0" smtClean="0"/>
-              <a:t>or   </a:t>
-            </a:r>
-            <a:r>
               <a:rPr lang="fr-FR" sz="2400" dirty="0"/>
-              <a:t>$a0, $t1, $t0</a:t>
+              <a:t>or   $a0, $t1, $t0</a:t>
             </a:r>
           </a:p>
           <a:p>
@@ -5482,6 +5771,62 @@
           </a:extLst>
         </p:spPr>
       </p:pic>
+      <p:sp>
+        <p:nvSpPr>
+          <p:cNvPr id="3" name="Metin kutusu 2">
+            <a:extLst>
+              <a:ext uri="{FF2B5EF4-FFF2-40B4-BE49-F238E27FC236}">
+                <a16:creationId xmlns:a16="http://schemas.microsoft.com/office/drawing/2014/main" id="{F0D71AE6-3CFA-4045-8930-162BC182D3E1}"/>
+              </a:ext>
+            </a:extLst>
+          </p:cNvPr>
+          <p:cNvSpPr txBox="1"/>
+          <p:nvPr/>
+        </p:nvSpPr>
+        <p:spPr>
+          <a:xfrm>
+            <a:off x="148282" y="1988840"/>
+            <a:ext cx="3911776" cy="923330"/>
+          </a:xfrm>
+          <a:prstGeom prst="rect">
+            <a:avLst/>
+          </a:prstGeom>
+          <a:noFill/>
+        </p:spPr>
+        <p:txBody>
+          <a:bodyPr wrap="none" rtlCol="0">
+            <a:spAutoFit/>
+          </a:bodyPr>
+          <a:lstStyle/>
+          <a:p>
+            <a:r>
+              <a:rPr lang="tr-TR" dirty="0"/>
+              <a:t>Sağa kaydırıp sola kaydırması son bitin </a:t>
+            </a:r>
+          </a:p>
+          <a:p>
+            <a:r>
+              <a:rPr lang="tr-TR" dirty="0"/>
+              <a:t>kesin 0 olması anlamına gelir.</a:t>
+            </a:r>
+          </a:p>
+          <a:p>
+            <a:r>
+              <a:rPr lang="tr-TR" dirty="0"/>
+              <a:t>T0 atanan bit(kaydırılan bit 0…0 </a:t>
+            </a:r>
+            <a:r>
+              <a:rPr lang="tr-TR" dirty="0" err="1"/>
+              <a:t>or</a:t>
+            </a:r>
+            <a:r>
+              <a:rPr lang="tr-TR" dirty="0"/>
+              <a:t> 0…1)</a:t>
+            </a:r>
+            <a:endParaRPr lang="en-US" dirty="0"/>
+          </a:p>
+        </p:txBody>
+      </p:sp>
     </p:spTree>
     <p:extLst>
       <p:ext uri="{BB962C8B-B14F-4D97-AF65-F5344CB8AC3E}">
@@ -5492,13 +5837,6 @@
   <p:clrMapOvr>
     <a:masterClrMapping/>
   </p:clrMapOvr>
-  <p:timing>
-    <p:tnLst>
-      <p:par>
-        <p:cTn id="1" dur="indefinite" restart="never" nodeType="tmRoot"/>
-      </p:par>
-    </p:tnLst>
-  </p:timing>
 </p:sld>
 </file>
 
@@ -5535,822 +5873,18 @@
           <a:lstStyle/>
           <a:p>
             <a:r>
-              <a:rPr lang="tr-TR" dirty="0" err="1" smtClean="0"/>
+              <a:rPr lang="tr-TR" dirty="0" err="1"/>
               <a:t>Instruction</a:t>
             </a:r>
             <a:r>
-              <a:rPr lang="tr-TR" dirty="0" smtClean="0"/>
+              <a:rPr lang="tr-TR" dirty="0"/>
               <a:t> </a:t>
             </a:r>
             <a:r>
-              <a:rPr lang="tr-TR" dirty="0" err="1" smtClean="0"/>
+              <a:rPr lang="tr-TR" dirty="0" err="1"/>
               <a:t>Formats</a:t>
             </a:r>
             <a:endParaRPr lang="tr-TR" dirty="0"/>
-          </a:p>
-        </p:txBody>
-      </p:sp>
-      <p:sp>
-        <p:nvSpPr>
-          <p:cNvPr id="3" name="İçerik Yer Tutucusu 2"/>
-          <p:cNvSpPr>
-            <a:spLocks noGrp="1"/>
-          </p:cNvSpPr>
-          <p:nvPr>
-            <p:ph idx="1"/>
-          </p:nvPr>
-        </p:nvSpPr>
-        <p:spPr/>
-        <p:txBody>
-          <a:bodyPr/>
-          <a:lstStyle/>
-          <a:p>
-            <a:endParaRPr lang="tr-TR" dirty="0"/>
-          </a:p>
-        </p:txBody>
-      </p:sp>
-      <p:sp>
-        <p:nvSpPr>
-          <p:cNvPr id="4" name="Rectangle 3"/>
-          <p:cNvSpPr txBox="1">
-            <a:spLocks noChangeArrowheads="1"/>
-          </p:cNvSpPr>
-          <p:nvPr/>
-        </p:nvSpPr>
-        <p:spPr bwMode="auto">
-          <a:xfrm>
-            <a:off x="609600" y="1052736"/>
-            <a:ext cx="8229600" cy="4525963"/>
-          </a:xfrm>
-          <a:prstGeom prst="rect">
-            <a:avLst/>
-          </a:prstGeom>
-          <a:noFill/>
-          <a:ln>
-            <a:noFill/>
-          </a:ln>
-          <a:effectLst/>
-          <a:extLst>
-            <a:ext uri="{909E8E84-426E-40DD-AFC4-6F175D3DCCD1}">
-              <a14:hiddenFill xmlns:a14="http://schemas.microsoft.com/office/drawing/2010/main">
-                <a:solidFill>
-                  <a:schemeClr val="accent1"/>
-                </a:solidFill>
-              </a14:hiddenFill>
-            </a:ext>
-            <a:ext uri="{91240B29-F687-4F45-9708-019B960494DF}">
-              <a14:hiddenLine xmlns:a14="http://schemas.microsoft.com/office/drawing/2010/main" w="9525">
-                <a:solidFill>
-                  <a:schemeClr val="tx1"/>
-                </a:solidFill>
-                <a:miter lim="800000"/>
-                <a:headEnd/>
-                <a:tailEnd/>
-              </a14:hiddenLine>
-            </a:ext>
-            <a:ext uri="{AF507438-7753-43E0-B8FC-AC1667EBCBE1}">
-              <a14:hiddenEffects xmlns:a14="http://schemas.microsoft.com/office/drawing/2010/main">
-                <a:effectLst>
-                  <a:outerShdw dist="35921" dir="2700000" algn="ctr" rotWithShape="0">
-                    <a:schemeClr val="bg2"/>
-                  </a:outerShdw>
-                </a:effectLst>
-              </a14:hiddenEffects>
-            </a:ext>
-          </a:extLst>
-        </p:spPr>
-        <p:txBody>
-          <a:bodyPr vert="horz" wrap="square" lIns="91440" tIns="45720" rIns="91440" bIns="45720" numCol="1" anchor="t" anchorCtr="0" compatLnSpc="1">
-            <a:prstTxWarp prst="textNoShape">
-              <a:avLst/>
-            </a:prstTxWarp>
-          </a:bodyPr>
-          <a:lstStyle>
-            <a:lvl1pPr marL="342900" indent="-342900" algn="l" rtl="0" fontAlgn="base">
-              <a:spcBef>
-                <a:spcPct val="20000"/>
-              </a:spcBef>
-              <a:spcAft>
-                <a:spcPct val="0"/>
-              </a:spcAft>
-              <a:buChar char="•"/>
-              <a:defRPr>
-                <a:solidFill>
-                  <a:srgbClr val="0000CC"/>
-                </a:solidFill>
-                <a:latin typeface="+mn-lt"/>
-                <a:ea typeface="+mn-ea"/>
-                <a:cs typeface="+mn-cs"/>
-              </a:defRPr>
-            </a:lvl1pPr>
-            <a:lvl2pPr marL="742950" indent="-285750" algn="l" rtl="0" fontAlgn="base">
-              <a:spcBef>
-                <a:spcPct val="20000"/>
-              </a:spcBef>
-              <a:spcAft>
-                <a:spcPct val="0"/>
-              </a:spcAft>
-              <a:buChar char="–"/>
-              <a:defRPr sz="1600">
-                <a:solidFill>
-                  <a:srgbClr val="0000CC"/>
-                </a:solidFill>
-                <a:latin typeface="+mn-lt"/>
-              </a:defRPr>
-            </a:lvl2pPr>
-            <a:lvl3pPr marL="1143000" indent="-228600" algn="l" rtl="0" fontAlgn="base">
-              <a:spcBef>
-                <a:spcPct val="20000"/>
-              </a:spcBef>
-              <a:spcAft>
-                <a:spcPct val="0"/>
-              </a:spcAft>
-              <a:buChar char="•"/>
-              <a:defRPr sz="1400">
-                <a:solidFill>
-                  <a:srgbClr val="0000CC"/>
-                </a:solidFill>
-                <a:latin typeface="+mn-lt"/>
-              </a:defRPr>
-            </a:lvl3pPr>
-            <a:lvl4pPr marL="1600200" indent="-228600" algn="l" rtl="0" fontAlgn="base">
-              <a:spcBef>
-                <a:spcPct val="20000"/>
-              </a:spcBef>
-              <a:spcAft>
-                <a:spcPct val="0"/>
-              </a:spcAft>
-              <a:buChar char="–"/>
-              <a:defRPr sz="1200">
-                <a:solidFill>
-                  <a:srgbClr val="0000CC"/>
-                </a:solidFill>
-                <a:latin typeface="+mn-lt"/>
-              </a:defRPr>
-            </a:lvl4pPr>
-            <a:lvl5pPr marL="2057400" indent="-228600" algn="l" rtl="0" fontAlgn="base">
-              <a:spcBef>
-                <a:spcPct val="20000"/>
-              </a:spcBef>
-              <a:spcAft>
-                <a:spcPct val="0"/>
-              </a:spcAft>
-              <a:buChar char="»"/>
-              <a:defRPr sz="1200">
-                <a:solidFill>
-                  <a:srgbClr val="0000CC"/>
-                </a:solidFill>
-                <a:latin typeface="+mn-lt"/>
-              </a:defRPr>
-            </a:lvl5pPr>
-            <a:lvl6pPr marL="2514600" indent="-228600" algn="l" rtl="0" fontAlgn="base">
-              <a:spcBef>
-                <a:spcPct val="20000"/>
-              </a:spcBef>
-              <a:spcAft>
-                <a:spcPct val="0"/>
-              </a:spcAft>
-              <a:buChar char="»"/>
-              <a:defRPr sz="1200">
-                <a:solidFill>
-                  <a:srgbClr val="0000CC"/>
-                </a:solidFill>
-                <a:latin typeface="+mn-lt"/>
-              </a:defRPr>
-            </a:lvl6pPr>
-            <a:lvl7pPr marL="2971800" indent="-228600" algn="l" rtl="0" fontAlgn="base">
-              <a:spcBef>
-                <a:spcPct val="20000"/>
-              </a:spcBef>
-              <a:spcAft>
-                <a:spcPct val="0"/>
-              </a:spcAft>
-              <a:buChar char="»"/>
-              <a:defRPr sz="1200">
-                <a:solidFill>
-                  <a:srgbClr val="0000CC"/>
-                </a:solidFill>
-                <a:latin typeface="+mn-lt"/>
-              </a:defRPr>
-            </a:lvl7pPr>
-            <a:lvl8pPr marL="3429000" indent="-228600" algn="l" rtl="0" fontAlgn="base">
-              <a:spcBef>
-                <a:spcPct val="20000"/>
-              </a:spcBef>
-              <a:spcAft>
-                <a:spcPct val="0"/>
-              </a:spcAft>
-              <a:buChar char="»"/>
-              <a:defRPr sz="1200">
-                <a:solidFill>
-                  <a:srgbClr val="0000CC"/>
-                </a:solidFill>
-                <a:latin typeface="+mn-lt"/>
-              </a:defRPr>
-            </a:lvl8pPr>
-            <a:lvl9pPr marL="3886200" indent="-228600" algn="l" rtl="0" fontAlgn="base">
-              <a:spcBef>
-                <a:spcPct val="20000"/>
-              </a:spcBef>
-              <a:spcAft>
-                <a:spcPct val="0"/>
-              </a:spcAft>
-              <a:buChar char="»"/>
-              <a:defRPr sz="1200">
-                <a:solidFill>
-                  <a:srgbClr val="0000CC"/>
-                </a:solidFill>
-                <a:latin typeface="+mn-lt"/>
-              </a:defRPr>
-            </a:lvl9pPr>
-          </a:lstStyle>
-          <a:p>
-            <a:pPr marL="742950" marR="0" lvl="1" indent="-285750" algn="l" defTabSz="914400" rtl="0" eaLnBrk="1" fontAlgn="base" latinLnBrk="0" hangingPunct="1">
-              <a:lnSpc>
-                <a:spcPct val="100000"/>
-              </a:lnSpc>
-              <a:spcBef>
-                <a:spcPct val="20000"/>
-              </a:spcBef>
-              <a:spcAft>
-                <a:spcPct val="0"/>
-              </a:spcAft>
-              <a:buClrTx/>
-              <a:buSzTx/>
-              <a:buFontTx/>
-              <a:buChar char="–"/>
-              <a:tabLst/>
-              <a:defRPr/>
-            </a:pPr>
-            <a:endParaRPr kumimoji="0" lang="tr-TR" altLang="tr-TR" sz="2000" b="0" i="0" u="none" strike="noStrike" kern="0" cap="none" spc="0" normalizeH="0" baseline="0" noProof="0" dirty="0" smtClean="0">
-              <a:ln>
-                <a:noFill/>
-              </a:ln>
-              <a:solidFill>
-                <a:srgbClr val="0000CC"/>
-              </a:solidFill>
-              <a:effectLst/>
-              <a:uLnTx/>
-              <a:uFillTx/>
-              <a:latin typeface="Verdana"/>
-            </a:endParaRPr>
-          </a:p>
-          <a:p>
-            <a:pPr marL="457200" marR="0" lvl="1" indent="0" algn="l" defTabSz="914400" rtl="0" eaLnBrk="1" fontAlgn="base" latinLnBrk="0" hangingPunct="1">
-              <a:lnSpc>
-                <a:spcPct val="100000"/>
-              </a:lnSpc>
-              <a:spcBef>
-                <a:spcPct val="20000"/>
-              </a:spcBef>
-              <a:spcAft>
-                <a:spcPct val="0"/>
-              </a:spcAft>
-              <a:buClrTx/>
-              <a:buSzTx/>
-              <a:buNone/>
-              <a:tabLst/>
-              <a:defRPr/>
-            </a:pPr>
-            <a:r>
-              <a:rPr kumimoji="0" lang="en-US" altLang="tr-TR" sz="2000" b="0" i="0" u="none" strike="noStrike" kern="0" cap="none" spc="0" normalizeH="0" baseline="0" noProof="0" dirty="0" smtClean="0">
-                <a:ln>
-                  <a:noFill/>
-                </a:ln>
-                <a:solidFill>
-                  <a:srgbClr val="0000CC"/>
-                </a:solidFill>
-                <a:effectLst/>
-                <a:uLnTx/>
-                <a:uFillTx/>
-                <a:latin typeface="Verdana"/>
-              </a:rPr>
-              <a:t>R-type (6-bit </a:t>
-            </a:r>
-            <a:r>
-              <a:rPr kumimoji="0" lang="en-US" altLang="tr-TR" sz="2000" b="0" i="0" u="none" strike="noStrike" kern="0" cap="none" spc="0" normalizeH="0" baseline="0" noProof="0" dirty="0" err="1" smtClean="0">
-                <a:ln>
-                  <a:noFill/>
-                </a:ln>
-                <a:solidFill>
-                  <a:srgbClr val="0000CC"/>
-                </a:solidFill>
-                <a:effectLst/>
-                <a:uLnTx/>
-                <a:uFillTx/>
-                <a:latin typeface="Verdana"/>
-              </a:rPr>
-              <a:t>opcode</a:t>
-            </a:r>
-            <a:r>
-              <a:rPr kumimoji="0" lang="en-US" altLang="tr-TR" sz="2000" b="0" i="0" u="none" strike="noStrike" kern="0" cap="none" spc="0" normalizeH="0" baseline="0" noProof="0" dirty="0" smtClean="0">
-                <a:ln>
-                  <a:noFill/>
-                </a:ln>
-                <a:solidFill>
-                  <a:srgbClr val="0000CC"/>
-                </a:solidFill>
-                <a:effectLst/>
-                <a:uLnTx/>
-                <a:uFillTx/>
-                <a:latin typeface="Verdana"/>
-              </a:rPr>
-              <a:t>, 5-bit </a:t>
-            </a:r>
-            <a:r>
-              <a:rPr kumimoji="0" lang="en-US" altLang="tr-TR" sz="2000" b="0" i="0" u="none" strike="noStrike" kern="0" cap="none" spc="0" normalizeH="0" baseline="0" noProof="0" dirty="0" err="1" smtClean="0">
-                <a:ln>
-                  <a:noFill/>
-                </a:ln>
-                <a:solidFill>
-                  <a:srgbClr val="0000CC"/>
-                </a:solidFill>
-                <a:effectLst/>
-                <a:uLnTx/>
-                <a:uFillTx/>
-                <a:latin typeface="Verdana"/>
-              </a:rPr>
-              <a:t>rs</a:t>
-            </a:r>
-            <a:r>
-              <a:rPr kumimoji="0" lang="en-US" altLang="tr-TR" sz="2000" b="0" i="0" u="none" strike="noStrike" kern="0" cap="none" spc="0" normalizeH="0" baseline="0" noProof="0" dirty="0" smtClean="0">
-                <a:ln>
-                  <a:noFill/>
-                </a:ln>
-                <a:solidFill>
-                  <a:srgbClr val="0000CC"/>
-                </a:solidFill>
-                <a:effectLst/>
-                <a:uLnTx/>
-                <a:uFillTx/>
-                <a:latin typeface="Verdana"/>
-              </a:rPr>
-              <a:t>, 5-bit </a:t>
-            </a:r>
-            <a:r>
-              <a:rPr kumimoji="0" lang="en-US" altLang="tr-TR" sz="2000" b="0" i="0" u="none" strike="noStrike" kern="0" cap="none" spc="0" normalizeH="0" baseline="0" noProof="0" dirty="0" err="1" smtClean="0">
-                <a:ln>
-                  <a:noFill/>
-                </a:ln>
-                <a:solidFill>
-                  <a:srgbClr val="0000CC"/>
-                </a:solidFill>
-                <a:effectLst/>
-                <a:uLnTx/>
-                <a:uFillTx/>
-                <a:latin typeface="Verdana"/>
-              </a:rPr>
-              <a:t>rt</a:t>
-            </a:r>
-            <a:r>
-              <a:rPr kumimoji="0" lang="en-US" altLang="tr-TR" sz="2000" b="0" i="0" u="none" strike="noStrike" kern="0" cap="none" spc="0" normalizeH="0" baseline="0" noProof="0" dirty="0" smtClean="0">
-                <a:ln>
-                  <a:noFill/>
-                </a:ln>
-                <a:solidFill>
-                  <a:srgbClr val="0000CC"/>
-                </a:solidFill>
-                <a:effectLst/>
-                <a:uLnTx/>
-                <a:uFillTx/>
-                <a:latin typeface="Verdana"/>
-              </a:rPr>
-              <a:t>, 5-bit </a:t>
-            </a:r>
-            <a:r>
-              <a:rPr kumimoji="0" lang="en-US" altLang="tr-TR" sz="2000" b="0" i="0" u="none" strike="noStrike" kern="0" cap="none" spc="0" normalizeH="0" baseline="0" noProof="0" dirty="0" err="1" smtClean="0">
-                <a:ln>
-                  <a:noFill/>
-                </a:ln>
-                <a:solidFill>
-                  <a:srgbClr val="0000CC"/>
-                </a:solidFill>
-                <a:effectLst/>
-                <a:uLnTx/>
-                <a:uFillTx/>
-                <a:latin typeface="Verdana"/>
-              </a:rPr>
-              <a:t>rd</a:t>
-            </a:r>
-            <a:r>
-              <a:rPr kumimoji="0" lang="en-US" altLang="tr-TR" sz="2000" b="0" i="0" u="none" strike="noStrike" kern="0" cap="none" spc="0" normalizeH="0" baseline="0" noProof="0" dirty="0" smtClean="0">
-                <a:ln>
-                  <a:noFill/>
-                </a:ln>
-                <a:solidFill>
-                  <a:srgbClr val="0000CC"/>
-                </a:solidFill>
-                <a:effectLst/>
-                <a:uLnTx/>
-                <a:uFillTx/>
-                <a:latin typeface="Verdana"/>
-              </a:rPr>
-              <a:t>, 5-bit </a:t>
-            </a:r>
-            <a:r>
-              <a:rPr kumimoji="0" lang="en-US" altLang="tr-TR" sz="2000" b="0" i="0" u="none" strike="noStrike" kern="0" cap="none" spc="0" normalizeH="0" baseline="0" noProof="0" dirty="0" err="1" smtClean="0">
-                <a:ln>
-                  <a:noFill/>
-                </a:ln>
-                <a:solidFill>
-                  <a:srgbClr val="0000CC"/>
-                </a:solidFill>
-                <a:effectLst/>
-                <a:uLnTx/>
-                <a:uFillTx/>
-                <a:latin typeface="Verdana"/>
-              </a:rPr>
-              <a:t>shamt</a:t>
-            </a:r>
-            <a:r>
-              <a:rPr kumimoji="0" lang="en-US" altLang="tr-TR" sz="2000" b="0" i="0" u="none" strike="noStrike" kern="0" cap="none" spc="0" normalizeH="0" baseline="0" noProof="0" dirty="0" smtClean="0">
-                <a:ln>
-                  <a:noFill/>
-                </a:ln>
-                <a:solidFill>
-                  <a:srgbClr val="0000CC"/>
-                </a:solidFill>
-                <a:effectLst/>
-                <a:uLnTx/>
-                <a:uFillTx/>
-                <a:latin typeface="Verdana"/>
-              </a:rPr>
-              <a:t>, 6-bit function code)</a:t>
-            </a:r>
-          </a:p>
-          <a:p>
-            <a:pPr marL="742950" marR="0" lvl="1" indent="-285750" algn="l" defTabSz="914400" rtl="0" eaLnBrk="1" fontAlgn="base" latinLnBrk="0" hangingPunct="1">
-              <a:lnSpc>
-                <a:spcPct val="100000"/>
-              </a:lnSpc>
-              <a:spcBef>
-                <a:spcPct val="20000"/>
-              </a:spcBef>
-              <a:spcAft>
-                <a:spcPct val="0"/>
-              </a:spcAft>
-              <a:buClrTx/>
-              <a:buSzTx/>
-              <a:buFontTx/>
-              <a:buChar char="–"/>
-              <a:tabLst/>
-              <a:defRPr/>
-            </a:pPr>
-            <a:endParaRPr kumimoji="0" lang="en-US" altLang="tr-TR" sz="2000" b="0" i="0" u="none" strike="noStrike" kern="0" cap="none" spc="0" normalizeH="0" baseline="0" noProof="0" dirty="0" smtClean="0">
-              <a:ln>
-                <a:noFill/>
-              </a:ln>
-              <a:solidFill>
-                <a:srgbClr val="0000CC"/>
-              </a:solidFill>
-              <a:effectLst/>
-              <a:uLnTx/>
-              <a:uFillTx/>
-              <a:latin typeface="Verdana"/>
-            </a:endParaRPr>
-          </a:p>
-          <a:p>
-            <a:pPr marL="742950" marR="0" lvl="1" indent="-285750" algn="l" defTabSz="914400" rtl="0" eaLnBrk="1" fontAlgn="base" latinLnBrk="0" hangingPunct="1">
-              <a:lnSpc>
-                <a:spcPct val="100000"/>
-              </a:lnSpc>
-              <a:spcBef>
-                <a:spcPct val="20000"/>
-              </a:spcBef>
-              <a:spcAft>
-                <a:spcPct val="0"/>
-              </a:spcAft>
-              <a:buClrTx/>
-              <a:buSzTx/>
-              <a:buFontTx/>
-              <a:buChar char="–"/>
-              <a:tabLst/>
-              <a:defRPr/>
-            </a:pPr>
-            <a:endParaRPr kumimoji="0" lang="tr-TR" altLang="tr-TR" sz="2000" b="0" i="0" u="none" strike="noStrike" kern="0" cap="none" spc="0" normalizeH="0" baseline="0" noProof="0" dirty="0" smtClean="0">
-              <a:ln>
-                <a:noFill/>
-              </a:ln>
-              <a:solidFill>
-                <a:srgbClr val="0000CC"/>
-              </a:solidFill>
-              <a:effectLst/>
-              <a:uLnTx/>
-              <a:uFillTx/>
-              <a:latin typeface="Verdana"/>
-            </a:endParaRPr>
-          </a:p>
-          <a:p>
-            <a:pPr marL="742950" marR="0" lvl="1" indent="-285750" algn="l" defTabSz="914400" rtl="0" eaLnBrk="1" fontAlgn="base" latinLnBrk="0" hangingPunct="1">
-              <a:lnSpc>
-                <a:spcPct val="100000"/>
-              </a:lnSpc>
-              <a:spcBef>
-                <a:spcPct val="20000"/>
-              </a:spcBef>
-              <a:spcAft>
-                <a:spcPct val="0"/>
-              </a:spcAft>
-              <a:buClrTx/>
-              <a:buSzTx/>
-              <a:buFontTx/>
-              <a:buChar char="–"/>
-              <a:tabLst/>
-              <a:defRPr/>
-            </a:pPr>
-            <a:endParaRPr kumimoji="0" lang="en-US" altLang="tr-TR" sz="2000" b="0" i="0" u="none" strike="noStrike" kern="0" cap="none" spc="0" normalizeH="0" baseline="0" noProof="0" dirty="0" smtClean="0">
-              <a:ln>
-                <a:noFill/>
-              </a:ln>
-              <a:solidFill>
-                <a:srgbClr val="0000CC"/>
-              </a:solidFill>
-              <a:effectLst/>
-              <a:uLnTx/>
-              <a:uFillTx/>
-              <a:latin typeface="Verdana"/>
-            </a:endParaRPr>
-          </a:p>
-          <a:p>
-            <a:pPr marL="742950" marR="0" lvl="1" indent="-285750" algn="l" defTabSz="914400" rtl="0" eaLnBrk="1" fontAlgn="base" latinLnBrk="0" hangingPunct="1">
-              <a:lnSpc>
-                <a:spcPct val="100000"/>
-              </a:lnSpc>
-              <a:spcBef>
-                <a:spcPct val="20000"/>
-              </a:spcBef>
-              <a:spcAft>
-                <a:spcPct val="0"/>
-              </a:spcAft>
-              <a:buClrTx/>
-              <a:buSzTx/>
-              <a:buFontTx/>
-              <a:buChar char="–"/>
-              <a:tabLst/>
-              <a:defRPr/>
-            </a:pPr>
-            <a:r>
-              <a:rPr kumimoji="0" lang="en-US" altLang="tr-TR" sz="2000" b="0" i="0" u="none" strike="noStrike" kern="0" cap="none" spc="0" normalizeH="0" baseline="0" noProof="0" dirty="0" smtClean="0">
-                <a:ln>
-                  <a:noFill/>
-                </a:ln>
-                <a:solidFill>
-                  <a:srgbClr val="0000CC"/>
-                </a:solidFill>
-                <a:effectLst/>
-                <a:uLnTx/>
-                <a:uFillTx/>
-                <a:latin typeface="Verdana"/>
-              </a:rPr>
-              <a:t>I-type (6-bit </a:t>
-            </a:r>
-            <a:r>
-              <a:rPr kumimoji="0" lang="en-US" altLang="tr-TR" sz="2000" b="0" i="0" u="none" strike="noStrike" kern="0" cap="none" spc="0" normalizeH="0" baseline="0" noProof="0" dirty="0" err="1" smtClean="0">
-                <a:ln>
-                  <a:noFill/>
-                </a:ln>
-                <a:solidFill>
-                  <a:srgbClr val="0000CC"/>
-                </a:solidFill>
-                <a:effectLst/>
-                <a:uLnTx/>
-                <a:uFillTx/>
-                <a:latin typeface="Verdana"/>
-              </a:rPr>
-              <a:t>opcode</a:t>
-            </a:r>
-            <a:r>
-              <a:rPr kumimoji="0" lang="en-US" altLang="tr-TR" sz="2000" b="0" i="0" u="none" strike="noStrike" kern="0" cap="none" spc="0" normalizeH="0" baseline="0" noProof="0" dirty="0" smtClean="0">
-                <a:ln>
-                  <a:noFill/>
-                </a:ln>
-                <a:solidFill>
-                  <a:srgbClr val="0000CC"/>
-                </a:solidFill>
-                <a:effectLst/>
-                <a:uLnTx/>
-                <a:uFillTx/>
-                <a:latin typeface="Verdana"/>
-              </a:rPr>
-              <a:t>, 5-bit </a:t>
-            </a:r>
-            <a:r>
-              <a:rPr kumimoji="0" lang="en-US" altLang="tr-TR" sz="2000" b="0" i="0" u="none" strike="noStrike" kern="0" cap="none" spc="0" normalizeH="0" baseline="0" noProof="0" dirty="0" err="1" smtClean="0">
-                <a:ln>
-                  <a:noFill/>
-                </a:ln>
-                <a:solidFill>
-                  <a:srgbClr val="0000CC"/>
-                </a:solidFill>
-                <a:effectLst/>
-                <a:uLnTx/>
-                <a:uFillTx/>
-                <a:latin typeface="Verdana"/>
-              </a:rPr>
-              <a:t>rs</a:t>
-            </a:r>
-            <a:r>
-              <a:rPr kumimoji="0" lang="en-US" altLang="tr-TR" sz="2000" b="0" i="0" u="none" strike="noStrike" kern="0" cap="none" spc="0" normalizeH="0" baseline="0" noProof="0" dirty="0" smtClean="0">
-                <a:ln>
-                  <a:noFill/>
-                </a:ln>
-                <a:solidFill>
-                  <a:srgbClr val="0000CC"/>
-                </a:solidFill>
-                <a:effectLst/>
-                <a:uLnTx/>
-                <a:uFillTx/>
-                <a:latin typeface="Verdana"/>
-              </a:rPr>
-              <a:t>, 5-bit </a:t>
-            </a:r>
-            <a:r>
-              <a:rPr kumimoji="0" lang="en-US" altLang="tr-TR" sz="2000" b="0" i="0" u="none" strike="noStrike" kern="0" cap="none" spc="0" normalizeH="0" baseline="0" noProof="0" dirty="0" err="1" smtClean="0">
-                <a:ln>
-                  <a:noFill/>
-                </a:ln>
-                <a:solidFill>
-                  <a:srgbClr val="0000CC"/>
-                </a:solidFill>
-                <a:effectLst/>
-                <a:uLnTx/>
-                <a:uFillTx/>
-                <a:latin typeface="Verdana"/>
-              </a:rPr>
-              <a:t>rt</a:t>
-            </a:r>
-            <a:r>
-              <a:rPr kumimoji="0" lang="en-US" altLang="tr-TR" sz="2000" b="0" i="0" u="none" strike="noStrike" kern="0" cap="none" spc="0" normalizeH="0" baseline="0" noProof="0" dirty="0" smtClean="0">
-                <a:ln>
-                  <a:noFill/>
-                </a:ln>
-                <a:solidFill>
-                  <a:srgbClr val="0000CC"/>
-                </a:solidFill>
-                <a:effectLst/>
-                <a:uLnTx/>
-                <a:uFillTx/>
-                <a:latin typeface="Verdana"/>
-              </a:rPr>
-              <a:t>, 16-bit immediate)</a:t>
-            </a:r>
-          </a:p>
-          <a:p>
-            <a:pPr marL="742950" marR="0" lvl="1" indent="-285750" algn="l" defTabSz="914400" rtl="0" eaLnBrk="1" fontAlgn="base" latinLnBrk="0" hangingPunct="1">
-              <a:lnSpc>
-                <a:spcPct val="100000"/>
-              </a:lnSpc>
-              <a:spcBef>
-                <a:spcPct val="20000"/>
-              </a:spcBef>
-              <a:spcAft>
-                <a:spcPct val="0"/>
-              </a:spcAft>
-              <a:buClrTx/>
-              <a:buSzTx/>
-              <a:buFontTx/>
-              <a:buChar char="–"/>
-              <a:tabLst/>
-              <a:defRPr/>
-            </a:pPr>
-            <a:endParaRPr kumimoji="0" lang="en-US" altLang="tr-TR" sz="2000" b="0" i="0" u="none" strike="noStrike" kern="0" cap="none" spc="0" normalizeH="0" baseline="0" noProof="0" dirty="0" smtClean="0">
-              <a:ln>
-                <a:noFill/>
-              </a:ln>
-              <a:solidFill>
-                <a:srgbClr val="0000CC"/>
-              </a:solidFill>
-              <a:effectLst/>
-              <a:uLnTx/>
-              <a:uFillTx/>
-              <a:latin typeface="Verdana"/>
-            </a:endParaRPr>
-          </a:p>
-          <a:p>
-            <a:pPr marL="742950" marR="0" lvl="1" indent="-285750" algn="l" defTabSz="914400" rtl="0" eaLnBrk="1" fontAlgn="base" latinLnBrk="0" hangingPunct="1">
-              <a:lnSpc>
-                <a:spcPct val="100000"/>
-              </a:lnSpc>
-              <a:spcBef>
-                <a:spcPct val="20000"/>
-              </a:spcBef>
-              <a:spcAft>
-                <a:spcPct val="0"/>
-              </a:spcAft>
-              <a:buClrTx/>
-              <a:buSzTx/>
-              <a:buFontTx/>
-              <a:buChar char="–"/>
-              <a:tabLst/>
-              <a:defRPr/>
-            </a:pPr>
-            <a:endParaRPr kumimoji="0" lang="tr-TR" altLang="tr-TR" sz="2000" b="0" i="0" u="none" strike="noStrike" kern="0" cap="none" spc="0" normalizeH="0" baseline="0" noProof="0" dirty="0" smtClean="0">
-              <a:ln>
-                <a:noFill/>
-              </a:ln>
-              <a:solidFill>
-                <a:srgbClr val="0000CC"/>
-              </a:solidFill>
-              <a:effectLst/>
-              <a:uLnTx/>
-              <a:uFillTx/>
-              <a:latin typeface="Verdana"/>
-            </a:endParaRPr>
-          </a:p>
-          <a:p>
-            <a:pPr marL="742950" marR="0" lvl="1" indent="-285750" algn="l" defTabSz="914400" rtl="0" eaLnBrk="1" fontAlgn="base" latinLnBrk="0" hangingPunct="1">
-              <a:lnSpc>
-                <a:spcPct val="100000"/>
-              </a:lnSpc>
-              <a:spcBef>
-                <a:spcPct val="20000"/>
-              </a:spcBef>
-              <a:spcAft>
-                <a:spcPct val="0"/>
-              </a:spcAft>
-              <a:buClrTx/>
-              <a:buSzTx/>
-              <a:buFontTx/>
-              <a:buChar char="–"/>
-              <a:tabLst/>
-              <a:defRPr/>
-            </a:pPr>
-            <a:endParaRPr kumimoji="0" lang="en-US" altLang="tr-TR" sz="2000" b="0" i="0" u="none" strike="noStrike" kern="0" cap="none" spc="0" normalizeH="0" baseline="0" noProof="0" dirty="0" smtClean="0">
-              <a:ln>
-                <a:noFill/>
-              </a:ln>
-              <a:solidFill>
-                <a:srgbClr val="0000CC"/>
-              </a:solidFill>
-              <a:effectLst/>
-              <a:uLnTx/>
-              <a:uFillTx/>
-              <a:latin typeface="Verdana"/>
-            </a:endParaRPr>
-          </a:p>
-          <a:p>
-            <a:pPr marL="742950" marR="0" lvl="1" indent="-285750" algn="l" defTabSz="914400" rtl="0" eaLnBrk="1" fontAlgn="base" latinLnBrk="0" hangingPunct="1">
-              <a:lnSpc>
-                <a:spcPct val="100000"/>
-              </a:lnSpc>
-              <a:spcBef>
-                <a:spcPct val="20000"/>
-              </a:spcBef>
-              <a:spcAft>
-                <a:spcPct val="0"/>
-              </a:spcAft>
-              <a:buClrTx/>
-              <a:buSzTx/>
-              <a:buFontTx/>
-              <a:buChar char="–"/>
-              <a:tabLst/>
-              <a:defRPr/>
-            </a:pPr>
-            <a:r>
-              <a:rPr kumimoji="0" lang="en-US" altLang="tr-TR" sz="2000" b="0" i="0" u="none" strike="noStrike" kern="0" cap="none" spc="0" normalizeH="0" baseline="0" noProof="0" dirty="0" smtClean="0">
-                <a:ln>
-                  <a:noFill/>
-                </a:ln>
-                <a:solidFill>
-                  <a:srgbClr val="0000CC"/>
-                </a:solidFill>
-                <a:effectLst/>
-                <a:uLnTx/>
-                <a:uFillTx/>
-                <a:latin typeface="Verdana"/>
-              </a:rPr>
-              <a:t>J-type (6-bit </a:t>
-            </a:r>
-            <a:r>
-              <a:rPr kumimoji="0" lang="en-US" altLang="tr-TR" sz="2000" b="0" i="0" u="none" strike="noStrike" kern="0" cap="none" spc="0" normalizeH="0" baseline="0" noProof="0" dirty="0" err="1" smtClean="0">
-                <a:ln>
-                  <a:noFill/>
-                </a:ln>
-                <a:solidFill>
-                  <a:srgbClr val="0000CC"/>
-                </a:solidFill>
-                <a:effectLst/>
-                <a:uLnTx/>
-                <a:uFillTx/>
-                <a:latin typeface="Verdana"/>
-              </a:rPr>
-              <a:t>opcode</a:t>
-            </a:r>
-            <a:r>
-              <a:rPr kumimoji="0" lang="en-US" altLang="tr-TR" sz="2000" b="0" i="0" u="none" strike="noStrike" kern="0" cap="none" spc="0" normalizeH="0" baseline="0" noProof="0" dirty="0" smtClean="0">
-                <a:ln>
-                  <a:noFill/>
-                </a:ln>
-                <a:solidFill>
-                  <a:srgbClr val="0000CC"/>
-                </a:solidFill>
-                <a:effectLst/>
-                <a:uLnTx/>
-                <a:uFillTx/>
-                <a:latin typeface="Verdana"/>
-              </a:rPr>
-              <a:t>, 26-bit pseudo-direct address)</a:t>
-            </a:r>
           </a:p>
         </p:txBody>
       </p:sp>
@@ -6487,13 +6021,6 @@
   <p:clrMapOvr>
     <a:masterClrMapping/>
   </p:clrMapOvr>
-  <p:timing>
-    <p:tnLst>
-      <p:par>
-        <p:cTn id="1" dur="indefinite" restart="never" nodeType="tmRoot"/>
-      </p:par>
-    </p:tnLst>
-  </p:timing>
 </p:sld>
 </file>
 
@@ -6559,11 +6086,41 @@
                 <a:tableStyleId>{5C22544A-7EE6-4342-B048-85BDC9FD1C3A}</a:tableStyleId>
               </a:tblPr>
               <a:tblGrid>
-                <a:gridCol w="1645920"/>
-                <a:gridCol w="1645920"/>
-                <a:gridCol w="1645920"/>
-                <a:gridCol w="1645920"/>
-                <a:gridCol w="1645920"/>
+                <a:gridCol w="1645920">
+                  <a:extLst>
+                    <a:ext uri="{9D8B030D-6E8A-4147-A177-3AD203B41FA5}">
+                      <a16:colId xmlns:a16="http://schemas.microsoft.com/office/drawing/2014/main" val="20000"/>
+                    </a:ext>
+                  </a:extLst>
+                </a:gridCol>
+                <a:gridCol w="1645920">
+                  <a:extLst>
+                    <a:ext uri="{9D8B030D-6E8A-4147-A177-3AD203B41FA5}">
+                      <a16:colId xmlns:a16="http://schemas.microsoft.com/office/drawing/2014/main" val="20001"/>
+                    </a:ext>
+                  </a:extLst>
+                </a:gridCol>
+                <a:gridCol w="1645920">
+                  <a:extLst>
+                    <a:ext uri="{9D8B030D-6E8A-4147-A177-3AD203B41FA5}">
+                      <a16:colId xmlns:a16="http://schemas.microsoft.com/office/drawing/2014/main" val="20002"/>
+                    </a:ext>
+                  </a:extLst>
+                </a:gridCol>
+                <a:gridCol w="1645920">
+                  <a:extLst>
+                    <a:ext uri="{9D8B030D-6E8A-4147-A177-3AD203B41FA5}">
+                      <a16:colId xmlns:a16="http://schemas.microsoft.com/office/drawing/2014/main" val="20003"/>
+                    </a:ext>
+                  </a:extLst>
+                </a:gridCol>
+                <a:gridCol w="1645920">
+                  <a:extLst>
+                    <a:ext uri="{9D8B030D-6E8A-4147-A177-3AD203B41FA5}">
+                      <a16:colId xmlns:a16="http://schemas.microsoft.com/office/drawing/2014/main" val="20004"/>
+                    </a:ext>
+                  </a:extLst>
+                </a:gridCol>
               </a:tblGrid>
               <a:tr h="392748">
                 <a:tc>
@@ -6726,6 +6283,11 @@
                   </a:txBody>
                   <a:tcPr marL="30480" marR="200025" marT="30480" marB="30480" anchor="ctr"/>
                 </a:tc>
+                <a:extLst>
+                  <a:ext uri="{0D108BD9-81ED-4DB2-BD59-A6C34878D82A}">
+                    <a16:rowId xmlns:a16="http://schemas.microsoft.com/office/drawing/2014/main" val="10000"/>
+                  </a:ext>
+                </a:extLst>
               </a:tr>
               <a:tr h="392748">
                 <a:tc>
@@ -6841,12 +6403,12 @@
                         </a:spcAft>
                       </a:pPr>
                       <a:r>
-                        <a:rPr lang="tr-TR" sz="1000">
+                        <a:rPr lang="tr-TR" sz="1000" dirty="0">
                           <a:effectLst/>
                         </a:rPr>
                         <a:t>0x00</a:t>
                       </a:r>
-                      <a:endParaRPr lang="tr-TR" sz="1100">
+                      <a:endParaRPr lang="tr-TR" sz="1100" dirty="0">
                         <a:effectLst/>
                         <a:latin typeface="Calibri"/>
                         <a:ea typeface="Calibri"/>
@@ -6888,6 +6450,11 @@
                   </a:txBody>
                   <a:tcPr marL="30480" marR="30480" marT="30480" marB="30480" anchor="ctr"/>
                 </a:tc>
+                <a:extLst>
+                  <a:ext uri="{0D108BD9-81ED-4DB2-BD59-A6C34878D82A}">
+                    <a16:rowId xmlns:a16="http://schemas.microsoft.com/office/drawing/2014/main" val="10001"/>
+                  </a:ext>
+                </a:extLst>
               </a:tr>
               <a:tr h="392748">
                 <a:tc>
@@ -7003,12 +6570,12 @@
                         </a:spcAft>
                       </a:pPr>
                       <a:r>
-                        <a:rPr lang="tr-TR" sz="1000">
+                        <a:rPr lang="tr-TR" sz="1000" dirty="0">
                           <a:effectLst/>
                         </a:rPr>
                         <a:t>0x08</a:t>
                       </a:r>
-                      <a:endParaRPr lang="tr-TR" sz="1100">
+                      <a:endParaRPr lang="tr-TR" sz="1100" dirty="0">
                         <a:effectLst/>
                         <a:latin typeface="Calibri"/>
                         <a:ea typeface="Calibri"/>
@@ -7050,6 +6617,11 @@
                   </a:txBody>
                   <a:tcPr marL="30480" marR="30480" marT="30480" marB="30480" anchor="ctr"/>
                 </a:tc>
+                <a:extLst>
+                  <a:ext uri="{0D108BD9-81ED-4DB2-BD59-A6C34878D82A}">
+                    <a16:rowId xmlns:a16="http://schemas.microsoft.com/office/drawing/2014/main" val="10002"/>
+                  </a:ext>
+                </a:extLst>
               </a:tr>
               <a:tr h="392748">
                 <a:tc>
@@ -7212,6 +6784,11 @@
                   </a:txBody>
                   <a:tcPr marL="30480" marR="30480" marT="30480" marB="30480" anchor="ctr"/>
                 </a:tc>
+                <a:extLst>
+                  <a:ext uri="{0D108BD9-81ED-4DB2-BD59-A6C34878D82A}">
+                    <a16:rowId xmlns:a16="http://schemas.microsoft.com/office/drawing/2014/main" val="10003"/>
+                  </a:ext>
+                </a:extLst>
               </a:tr>
               <a:tr h="392748">
                 <a:tc>
@@ -7374,6 +6951,11 @@
                   </a:txBody>
                   <a:tcPr marL="30480" marR="30480" marT="30480" marB="30480" anchor="ctr"/>
                 </a:tc>
+                <a:extLst>
+                  <a:ext uri="{0D108BD9-81ED-4DB2-BD59-A6C34878D82A}">
+                    <a16:rowId xmlns:a16="http://schemas.microsoft.com/office/drawing/2014/main" val="10004"/>
+                  </a:ext>
+                </a:extLst>
               </a:tr>
               <a:tr h="392748">
                 <a:tc>
@@ -7536,6 +7118,11 @@
                   </a:txBody>
                   <a:tcPr marL="30480" marR="30480" marT="30480" marB="30480" anchor="ctr"/>
                 </a:tc>
+                <a:extLst>
+                  <a:ext uri="{0D108BD9-81ED-4DB2-BD59-A6C34878D82A}">
+                    <a16:rowId xmlns:a16="http://schemas.microsoft.com/office/drawing/2014/main" val="10005"/>
+                  </a:ext>
+                </a:extLst>
               </a:tr>
               <a:tr h="392748">
                 <a:tc>
@@ -7698,6 +7285,11 @@
                   </a:txBody>
                   <a:tcPr marL="30480" marR="30480" marT="30480" marB="30480" anchor="ctr"/>
                 </a:tc>
+                <a:extLst>
+                  <a:ext uri="{0D108BD9-81ED-4DB2-BD59-A6C34878D82A}">
+                    <a16:rowId xmlns:a16="http://schemas.microsoft.com/office/drawing/2014/main" val="10006"/>
+                  </a:ext>
+                </a:extLst>
               </a:tr>
               <a:tr h="392748">
                 <a:tc>
@@ -7860,6 +7452,11 @@
                   </a:txBody>
                   <a:tcPr marL="30480" marR="30480" marT="30480" marB="30480" anchor="ctr"/>
                 </a:tc>
+                <a:extLst>
+                  <a:ext uri="{0D108BD9-81ED-4DB2-BD59-A6C34878D82A}">
+                    <a16:rowId xmlns:a16="http://schemas.microsoft.com/office/drawing/2014/main" val="10007"/>
+                  </a:ext>
+                </a:extLst>
               </a:tr>
               <a:tr h="392748">
                 <a:tc>
@@ -8022,6 +7619,11 @@
                   </a:txBody>
                   <a:tcPr marL="30480" marR="30480" marT="30480" marB="30480" anchor="ctr"/>
                 </a:tc>
+                <a:extLst>
+                  <a:ext uri="{0D108BD9-81ED-4DB2-BD59-A6C34878D82A}">
+                    <a16:rowId xmlns:a16="http://schemas.microsoft.com/office/drawing/2014/main" val="10008"/>
+                  </a:ext>
+                </a:extLst>
               </a:tr>
               <a:tr h="392748">
                 <a:tc>
@@ -8184,6 +7786,11 @@
                   </a:txBody>
                   <a:tcPr marL="30480" marR="30480" marT="30480" marB="30480" anchor="ctr"/>
                 </a:tc>
+                <a:extLst>
+                  <a:ext uri="{0D108BD9-81ED-4DB2-BD59-A6C34878D82A}">
+                    <a16:rowId xmlns:a16="http://schemas.microsoft.com/office/drawing/2014/main" val="10009"/>
+                  </a:ext>
+                </a:extLst>
               </a:tr>
               <a:tr h="392748">
                 <a:tc>
@@ -8346,6 +7953,11 @@
                   </a:txBody>
                   <a:tcPr marL="30480" marR="30480" marT="30480" marB="30480" anchor="ctr"/>
                 </a:tc>
+                <a:extLst>
+                  <a:ext uri="{0D108BD9-81ED-4DB2-BD59-A6C34878D82A}">
+                    <a16:rowId xmlns:a16="http://schemas.microsoft.com/office/drawing/2014/main" val="10010"/>
+                  </a:ext>
+                </a:extLst>
               </a:tr>
               <a:tr h="392748">
                 <a:tc>
@@ -8508,6 +8120,11 @@
                   </a:txBody>
                   <a:tcPr marL="30480" marR="30480" marT="30480" marB="30480" anchor="ctr"/>
                 </a:tc>
+                <a:extLst>
+                  <a:ext uri="{0D108BD9-81ED-4DB2-BD59-A6C34878D82A}">
+                    <a16:rowId xmlns:a16="http://schemas.microsoft.com/office/drawing/2014/main" val="10011"/>
+                  </a:ext>
+                </a:extLst>
               </a:tr>
               <a:tr h="392748">
                 <a:tc>
@@ -8670,6 +8287,11 @@
                   </a:txBody>
                   <a:tcPr marL="30480" marR="30480" marT="30480" marB="30480" anchor="ctr"/>
                 </a:tc>
+                <a:extLst>
+                  <a:ext uri="{0D108BD9-81ED-4DB2-BD59-A6C34878D82A}">
+                    <a16:rowId xmlns:a16="http://schemas.microsoft.com/office/drawing/2014/main" val="10012"/>
+                  </a:ext>
+                </a:extLst>
               </a:tr>
               <a:tr h="459738">
                 <a:tc>
@@ -8832,6 +8454,11 @@
                   </a:txBody>
                   <a:tcPr marL="30480" marR="30480" marT="30480" marB="30480" anchor="ctr"/>
                 </a:tc>
+                <a:extLst>
+                  <a:ext uri="{0D108BD9-81ED-4DB2-BD59-A6C34878D82A}">
+                    <a16:rowId xmlns:a16="http://schemas.microsoft.com/office/drawing/2014/main" val="10013"/>
+                  </a:ext>
+                </a:extLst>
               </a:tr>
               <a:tr h="699240">
                 <a:tc>
@@ -8994,11 +8621,88 @@
                   </a:txBody>
                   <a:tcPr marL="30480" marR="30480" marT="30480" marB="30480" anchor="ctr"/>
                 </a:tc>
+                <a:extLst>
+                  <a:ext uri="{0D108BD9-81ED-4DB2-BD59-A6C34878D82A}">
+                    <a16:rowId xmlns:a16="http://schemas.microsoft.com/office/drawing/2014/main" val="10014"/>
+                  </a:ext>
+                </a:extLst>
               </a:tr>
             </a:tbl>
           </a:graphicData>
         </a:graphic>
       </p:graphicFrame>
+      <p:sp>
+        <p:nvSpPr>
+          <p:cNvPr id="5" name="Metin kutusu 4">
+            <a:extLst>
+              <a:ext uri="{FF2B5EF4-FFF2-40B4-BE49-F238E27FC236}">
+                <a16:creationId xmlns:a16="http://schemas.microsoft.com/office/drawing/2014/main" id="{675389C2-204C-412C-9365-2076378B804C}"/>
+              </a:ext>
+            </a:extLst>
+          </p:cNvPr>
+          <p:cNvSpPr txBox="1"/>
+          <p:nvPr/>
+        </p:nvSpPr>
+        <p:spPr>
+          <a:xfrm>
+            <a:off x="5854030" y="1198390"/>
+            <a:ext cx="739305" cy="246221"/>
+          </a:xfrm>
+          <a:prstGeom prst="rect">
+            <a:avLst/>
+          </a:prstGeom>
+          <a:noFill/>
+        </p:spPr>
+        <p:txBody>
+          <a:bodyPr wrap="none" rtlCol="0">
+            <a:spAutoFit/>
+          </a:bodyPr>
+          <a:lstStyle/>
+          <a:p>
+            <a:r>
+              <a:rPr lang="tr-TR" sz="1000" dirty="0"/>
+              <a:t>0000 0100</a:t>
+            </a:r>
+            <a:endParaRPr lang="en-US" sz="1000" dirty="0"/>
+          </a:p>
+        </p:txBody>
+      </p:sp>
+      <p:sp>
+        <p:nvSpPr>
+          <p:cNvPr id="6" name="Metin kutusu 5">
+            <a:extLst>
+              <a:ext uri="{FF2B5EF4-FFF2-40B4-BE49-F238E27FC236}">
+                <a16:creationId xmlns:a16="http://schemas.microsoft.com/office/drawing/2014/main" id="{F0BD993D-A9A8-42AC-A22B-F1A22688FDB7}"/>
+              </a:ext>
+            </a:extLst>
+          </p:cNvPr>
+          <p:cNvSpPr txBox="1"/>
+          <p:nvPr/>
+        </p:nvSpPr>
+        <p:spPr>
+          <a:xfrm>
+            <a:off x="5854030" y="800053"/>
+            <a:ext cx="768159" cy="246221"/>
+          </a:xfrm>
+          <a:prstGeom prst="rect">
+            <a:avLst/>
+          </a:prstGeom>
+          <a:noFill/>
+        </p:spPr>
+        <p:txBody>
+          <a:bodyPr wrap="none" rtlCol="0">
+            <a:spAutoFit/>
+          </a:bodyPr>
+          <a:lstStyle/>
+          <a:p>
+            <a:r>
+              <a:rPr lang="tr-TR" sz="1000" dirty="0"/>
+              <a:t>0000 0000</a:t>
+            </a:r>
+            <a:endParaRPr lang="en-US" sz="1000" dirty="0"/>
+          </a:p>
+        </p:txBody>
+      </p:sp>
     </p:spTree>
     <p:extLst>
       <p:ext uri="{BB962C8B-B14F-4D97-AF65-F5344CB8AC3E}">
@@ -9009,13 +8713,6 @@
   <p:clrMapOvr>
     <a:masterClrMapping/>
   </p:clrMapOvr>
-  <p:timing>
-    <p:tnLst>
-      <p:par>
-        <p:cTn id="1" dur="indefinite" restart="never" nodeType="tmRoot"/>
-      </p:par>
-    </p:tnLst>
-  </p:timing>
 </p:sld>
 </file>
 
@@ -9081,11 +8778,41 @@
                 <a:tableStyleId>{5C22544A-7EE6-4342-B048-85BDC9FD1C3A}</a:tableStyleId>
               </a:tblPr>
               <a:tblGrid>
-                <a:gridCol w="1645920"/>
-                <a:gridCol w="1645920"/>
-                <a:gridCol w="1645920"/>
-                <a:gridCol w="1645920"/>
-                <a:gridCol w="1645920"/>
+                <a:gridCol w="1645920">
+                  <a:extLst>
+                    <a:ext uri="{9D8B030D-6E8A-4147-A177-3AD203B41FA5}">
+                      <a16:colId xmlns:a16="http://schemas.microsoft.com/office/drawing/2014/main" val="20000"/>
+                    </a:ext>
+                  </a:extLst>
+                </a:gridCol>
+                <a:gridCol w="1645920">
+                  <a:extLst>
+                    <a:ext uri="{9D8B030D-6E8A-4147-A177-3AD203B41FA5}">
+                      <a16:colId xmlns:a16="http://schemas.microsoft.com/office/drawing/2014/main" val="20001"/>
+                    </a:ext>
+                  </a:extLst>
+                </a:gridCol>
+                <a:gridCol w="1645920">
+                  <a:extLst>
+                    <a:ext uri="{9D8B030D-6E8A-4147-A177-3AD203B41FA5}">
+                      <a16:colId xmlns:a16="http://schemas.microsoft.com/office/drawing/2014/main" val="20002"/>
+                    </a:ext>
+                  </a:extLst>
+                </a:gridCol>
+                <a:gridCol w="1645920">
+                  <a:extLst>
+                    <a:ext uri="{9D8B030D-6E8A-4147-A177-3AD203B41FA5}">
+                      <a16:colId xmlns:a16="http://schemas.microsoft.com/office/drawing/2014/main" val="20003"/>
+                    </a:ext>
+                  </a:extLst>
+                </a:gridCol>
+                <a:gridCol w="1645920">
+                  <a:extLst>
+                    <a:ext uri="{9D8B030D-6E8A-4147-A177-3AD203B41FA5}">
+                      <a16:colId xmlns:a16="http://schemas.microsoft.com/office/drawing/2014/main" val="20004"/>
+                    </a:ext>
+                  </a:extLst>
+                </a:gridCol>
               </a:tblGrid>
               <a:tr h="642452">
                 <a:tc>
@@ -9248,6 +8975,11 @@
                   </a:txBody>
                   <a:tcPr marL="30480" marR="30480" marT="30480" marB="30480" anchor="ctr"/>
                 </a:tc>
+                <a:extLst>
+                  <a:ext uri="{0D108BD9-81ED-4DB2-BD59-A6C34878D82A}">
+                    <a16:rowId xmlns:a16="http://schemas.microsoft.com/office/drawing/2014/main" val="10000"/>
+                  </a:ext>
+                </a:extLst>
               </a:tr>
               <a:tr h="432480">
                 <a:tc>
@@ -9410,6 +9142,11 @@
                   </a:txBody>
                   <a:tcPr marL="30480" marR="30480" marT="30480" marB="30480" anchor="ctr"/>
                 </a:tc>
+                <a:extLst>
+                  <a:ext uri="{0D108BD9-81ED-4DB2-BD59-A6C34878D82A}">
+                    <a16:rowId xmlns:a16="http://schemas.microsoft.com/office/drawing/2014/main" val="10001"/>
+                  </a:ext>
+                </a:extLst>
               </a:tr>
               <a:tr h="432480">
                 <a:tc>
@@ -9572,6 +9309,11 @@
                   </a:txBody>
                   <a:tcPr marL="30480" marR="30480" marT="30480" marB="30480" anchor="ctr"/>
                 </a:tc>
+                <a:extLst>
+                  <a:ext uri="{0D108BD9-81ED-4DB2-BD59-A6C34878D82A}">
+                    <a16:rowId xmlns:a16="http://schemas.microsoft.com/office/drawing/2014/main" val="10002"/>
+                  </a:ext>
+                </a:extLst>
               </a:tr>
               <a:tr h="432480">
                 <a:tc>
@@ -9734,6 +9476,11 @@
                   </a:txBody>
                   <a:tcPr marL="30480" marR="30480" marT="30480" marB="30480" anchor="ctr"/>
                 </a:tc>
+                <a:extLst>
+                  <a:ext uri="{0D108BD9-81ED-4DB2-BD59-A6C34878D82A}">
+                    <a16:rowId xmlns:a16="http://schemas.microsoft.com/office/drawing/2014/main" val="10003"/>
+                  </a:ext>
+                </a:extLst>
               </a:tr>
               <a:tr h="432480">
                 <a:tc>
@@ -9896,6 +9643,11 @@
                   </a:txBody>
                   <a:tcPr marL="30480" marR="30480" marT="30480" marB="30480" anchor="ctr"/>
                 </a:tc>
+                <a:extLst>
+                  <a:ext uri="{0D108BD9-81ED-4DB2-BD59-A6C34878D82A}">
+                    <a16:rowId xmlns:a16="http://schemas.microsoft.com/office/drawing/2014/main" val="10004"/>
+                  </a:ext>
+                </a:extLst>
               </a:tr>
               <a:tr h="432480">
                 <a:tc>
@@ -10058,6 +9810,11 @@
                   </a:txBody>
                   <a:tcPr marL="30480" marR="30480" marT="30480" marB="30480" anchor="ctr"/>
                 </a:tc>
+                <a:extLst>
+                  <a:ext uri="{0D108BD9-81ED-4DB2-BD59-A6C34878D82A}">
+                    <a16:rowId xmlns:a16="http://schemas.microsoft.com/office/drawing/2014/main" val="10005"/>
+                  </a:ext>
+                </a:extLst>
               </a:tr>
               <a:tr h="432480">
                 <a:tc>
@@ -10220,6 +9977,11 @@
                   </a:txBody>
                   <a:tcPr marL="30480" marR="30480" marT="30480" marB="30480" anchor="ctr"/>
                 </a:tc>
+                <a:extLst>
+                  <a:ext uri="{0D108BD9-81ED-4DB2-BD59-A6C34878D82A}">
+                    <a16:rowId xmlns:a16="http://schemas.microsoft.com/office/drawing/2014/main" val="10006"/>
+                  </a:ext>
+                </a:extLst>
               </a:tr>
               <a:tr h="432480">
                 <a:tc>
@@ -10382,6 +10144,11 @@
                   </a:txBody>
                   <a:tcPr marL="30480" marR="30480" marT="30480" marB="30480" anchor="ctr"/>
                 </a:tc>
+                <a:extLst>
+                  <a:ext uri="{0D108BD9-81ED-4DB2-BD59-A6C34878D82A}">
+                    <a16:rowId xmlns:a16="http://schemas.microsoft.com/office/drawing/2014/main" val="10007"/>
+                  </a:ext>
+                </a:extLst>
               </a:tr>
               <a:tr h="432480">
                 <a:tc>
@@ -10544,6 +10311,11 @@
                   </a:txBody>
                   <a:tcPr marL="30480" marR="30480" marT="30480" marB="30480" anchor="ctr"/>
                 </a:tc>
+                <a:extLst>
+                  <a:ext uri="{0D108BD9-81ED-4DB2-BD59-A6C34878D82A}">
+                    <a16:rowId xmlns:a16="http://schemas.microsoft.com/office/drawing/2014/main" val="10008"/>
+                  </a:ext>
+                </a:extLst>
               </a:tr>
               <a:tr h="432480">
                 <a:tc>
@@ -10706,6 +10478,11 @@
                   </a:txBody>
                   <a:tcPr marL="30480" marR="30480" marT="30480" marB="30480" anchor="ctr"/>
                 </a:tc>
+                <a:extLst>
+                  <a:ext uri="{0D108BD9-81ED-4DB2-BD59-A6C34878D82A}">
+                    <a16:rowId xmlns:a16="http://schemas.microsoft.com/office/drawing/2014/main" val="10009"/>
+                  </a:ext>
+                </a:extLst>
               </a:tr>
               <a:tr h="432480">
                 <a:tc>
@@ -10868,6 +10645,11 @@
                   </a:txBody>
                   <a:tcPr marL="30480" marR="30480" marT="30480" marB="30480" anchor="ctr"/>
                 </a:tc>
+                <a:extLst>
+                  <a:ext uri="{0D108BD9-81ED-4DB2-BD59-A6C34878D82A}">
+                    <a16:rowId xmlns:a16="http://schemas.microsoft.com/office/drawing/2014/main" val="10010"/>
+                  </a:ext>
+                </a:extLst>
               </a:tr>
               <a:tr h="432480">
                 <a:tc>
@@ -11030,6 +10812,11 @@
                   </a:txBody>
                   <a:tcPr marL="30480" marR="30480" marT="30480" marB="30480" anchor="ctr"/>
                 </a:tc>
+                <a:extLst>
+                  <a:ext uri="{0D108BD9-81ED-4DB2-BD59-A6C34878D82A}">
+                    <a16:rowId xmlns:a16="http://schemas.microsoft.com/office/drawing/2014/main" val="10011"/>
+                  </a:ext>
+                </a:extLst>
               </a:tr>
               <a:tr h="432480">
                 <a:tc>
@@ -11192,6 +10979,11 @@
                   </a:txBody>
                   <a:tcPr marL="30480" marR="30480" marT="30480" marB="30480" anchor="ctr"/>
                 </a:tc>
+                <a:extLst>
+                  <a:ext uri="{0D108BD9-81ED-4DB2-BD59-A6C34878D82A}">
+                    <a16:rowId xmlns:a16="http://schemas.microsoft.com/office/drawing/2014/main" val="10012"/>
+                  </a:ext>
+                </a:extLst>
               </a:tr>
               <a:tr h="432480">
                 <a:tc>
@@ -11354,6 +11146,11 @@
                   </a:txBody>
                   <a:tcPr marL="30480" marR="30480" marT="30480" marB="30480" anchor="ctr"/>
                 </a:tc>
+                <a:extLst>
+                  <a:ext uri="{0D108BD9-81ED-4DB2-BD59-A6C34878D82A}">
+                    <a16:rowId xmlns:a16="http://schemas.microsoft.com/office/drawing/2014/main" val="10013"/>
+                  </a:ext>
+                </a:extLst>
               </a:tr>
             </a:tbl>
           </a:graphicData>
@@ -11369,13 +11166,6 @@
   <p:clrMapOvr>
     <a:masterClrMapping/>
   </p:clrMapOvr>
-  <p:timing>
-    <p:tnLst>
-      <p:par>
-        <p:cTn id="1" dur="indefinite" restart="never" nodeType="tmRoot"/>
-      </p:par>
-    </p:tnLst>
-  </p:timing>
 </p:sld>
 </file>
 
@@ -11396,44 +11186,6 @@
           <a:chExt cx="0" cy="0"/>
         </a:xfrm>
       </p:grpSpPr>
-      <p:sp>
-        <p:nvSpPr>
-          <p:cNvPr id="2" name="Başlık 1"/>
-          <p:cNvSpPr>
-            <a:spLocks noGrp="1"/>
-          </p:cNvSpPr>
-          <p:nvPr>
-            <p:ph type="title"/>
-          </p:nvPr>
-        </p:nvSpPr>
-        <p:spPr/>
-        <p:txBody>
-          <a:bodyPr/>
-          <a:lstStyle/>
-          <a:p>
-            <a:endParaRPr lang="tr-TR"/>
-          </a:p>
-        </p:txBody>
-      </p:sp>
-      <p:sp>
-        <p:nvSpPr>
-          <p:cNvPr id="3" name="İçerik Yer Tutucusu 2"/>
-          <p:cNvSpPr>
-            <a:spLocks noGrp="1"/>
-          </p:cNvSpPr>
-          <p:nvPr>
-            <p:ph idx="1"/>
-          </p:nvPr>
-        </p:nvSpPr>
-        <p:spPr/>
-        <p:txBody>
-          <a:bodyPr/>
-          <a:lstStyle/>
-          <a:p>
-            <a:endParaRPr lang="tr-TR"/>
-          </a:p>
-        </p:txBody>
-      </p:sp>
       <p:pic>
         <p:nvPicPr>
           <p:cNvPr id="10242" name="Picture 2"/>
@@ -11457,7 +11209,7 @@
         </p:blipFill>
         <p:spPr bwMode="auto">
           <a:xfrm>
-            <a:off x="1547664" y="198438"/>
+            <a:off x="1475656" y="198438"/>
             <a:ext cx="8424936" cy="6461125"/>
           </a:xfrm>
           <a:prstGeom prst="rect">
@@ -11498,6 +11250,68 @@
           </a:extLst>
         </p:spPr>
       </p:pic>
+      <p:sp>
+        <p:nvSpPr>
+          <p:cNvPr id="5" name="Metin kutusu 4">
+            <a:extLst>
+              <a:ext uri="{FF2B5EF4-FFF2-40B4-BE49-F238E27FC236}">
+                <a16:creationId xmlns:a16="http://schemas.microsoft.com/office/drawing/2014/main" id="{08F1AAC2-CE4B-4EAF-9C8E-D99B5A14855A}"/>
+              </a:ext>
+            </a:extLst>
+          </p:cNvPr>
+          <p:cNvSpPr txBox="1"/>
+          <p:nvPr/>
+        </p:nvSpPr>
+        <p:spPr>
+          <a:xfrm>
+            <a:off x="33958" y="4149080"/>
+            <a:ext cx="1407116" cy="492443"/>
+          </a:xfrm>
+          <a:prstGeom prst="rect">
+            <a:avLst/>
+          </a:prstGeom>
+          <a:noFill/>
+        </p:spPr>
+        <p:txBody>
+          <a:bodyPr wrap="none" lIns="0" tIns="0" rIns="0" bIns="0" rtlCol="0">
+            <a:spAutoFit/>
+          </a:bodyPr>
+          <a:lstStyle/>
+          <a:p>
+            <a:r>
+              <a:rPr lang="tr-TR" sz="1600" dirty="0" err="1">
+                <a:solidFill>
+                  <a:schemeClr val="accent1"/>
+                </a:solidFill>
+              </a:rPr>
+              <a:t>Shift-right</a:t>
+            </a:r>
+            <a:r>
+              <a:rPr lang="tr-TR" sz="1600" dirty="0">
+                <a:solidFill>
+                  <a:srgbClr val="FF0000"/>
+                </a:solidFill>
+              </a:rPr>
+              <a:t> bölme</a:t>
+            </a:r>
+          </a:p>
+          <a:p>
+            <a:r>
+              <a:rPr lang="tr-TR" sz="1600" dirty="0">
+                <a:solidFill>
+                  <a:srgbClr val="FF0000"/>
+                </a:solidFill>
+              </a:rPr>
+              <a:t> işlemi yapar</a:t>
+            </a:r>
+            <a:endParaRPr lang="en-US" sz="1600" dirty="0">
+              <a:solidFill>
+                <a:srgbClr val="FF0000"/>
+              </a:solidFill>
+            </a:endParaRPr>
+          </a:p>
+        </p:txBody>
+      </p:sp>
     </p:spTree>
     <p:extLst>
       <p:ext uri="{BB962C8B-B14F-4D97-AF65-F5344CB8AC3E}">
@@ -11508,13 +11322,6 @@
   <p:clrMapOvr>
     <a:masterClrMapping/>
   </p:clrMapOvr>
-  <p:timing>
-    <p:tnLst>
-      <p:par>
-        <p:cTn id="1" dur="indefinite" restart="never" nodeType="tmRoot"/>
-      </p:par>
-    </p:tnLst>
-  </p:timing>
 </p:sld>
 </file>
 
@@ -11556,14 +11363,13 @@
           <a:lstStyle/>
           <a:p>
             <a:r>
-              <a:rPr lang="tr-TR" dirty="0" err="1" smtClean="0"/>
+              <a:rPr lang="tr-TR" dirty="0" err="1"/>
               <a:t>Jr</a:t>
             </a:r>
             <a:r>
-              <a:rPr lang="tr-TR" dirty="0" smtClean="0"/>
+              <a:rPr lang="tr-TR" dirty="0"/>
               <a:t> </a:t>
             </a:r>
-            <a:endParaRPr lang="tr-TR" dirty="0"/>
           </a:p>
         </p:txBody>
       </p:sp>
@@ -11602,7 +11408,7 @@
               <a:t> instruction loads the PC register with a value stored in a register. </a:t>
             </a:r>
             <a:r>
-              <a:rPr lang="tr-TR" dirty="0" smtClean="0"/>
+              <a:rPr lang="tr-TR" dirty="0"/>
               <a:t> </a:t>
             </a:r>
           </a:p>
@@ -11611,12 +11417,8 @@
               <a:buNone/>
             </a:pPr>
             <a:r>
-              <a:rPr lang="en-US" dirty="0" smtClean="0"/>
-              <a:t>As such</a:t>
-            </a:r>
-            <a:r>
               <a:rPr lang="en-US" dirty="0"/>
-              <a:t>, the </a:t>
+              <a:t>As such, the </a:t>
             </a:r>
             <a:r>
               <a:rPr lang="en-US" dirty="0" err="1"/>
@@ -11624,22 +11426,10 @@
             </a:r>
             <a:r>
               <a:rPr lang="en-US" dirty="0"/>
-              <a:t> </a:t>
-            </a:r>
-            <a:r>
-              <a:rPr lang="en-US" dirty="0" smtClean="0"/>
-              <a:t>Instruction </a:t>
-            </a:r>
-            <a:r>
-              <a:rPr lang="en-US" dirty="0"/>
-              <a:t>can be called as </a:t>
-            </a:r>
-            <a:r>
-              <a:rPr lang="en-US" dirty="0" smtClean="0"/>
-              <a:t>such:</a:t>
-            </a:r>
-            <a:r>
-              <a:rPr lang="tr-TR" dirty="0" smtClean="0"/>
+              <a:t> Instruction can be called as such:</a:t>
+            </a:r>
+            <a:r>
+              <a:rPr lang="tr-TR" dirty="0"/>
               <a:t> </a:t>
             </a:r>
           </a:p>
@@ -11648,11 +11438,11 @@
               <a:buNone/>
             </a:pPr>
             <a:r>
-              <a:rPr lang="tr-TR" dirty="0" err="1" smtClean="0"/>
+              <a:rPr lang="tr-TR" dirty="0" err="1"/>
               <a:t>jr</a:t>
             </a:r>
             <a:r>
-              <a:rPr lang="tr-TR" dirty="0" smtClean="0"/>
+              <a:rPr lang="tr-TR" dirty="0"/>
               <a:t> $t0  </a:t>
             </a:r>
           </a:p>
@@ -11661,40 +11451,28 @@
               <a:buNone/>
             </a:pPr>
             <a:r>
-              <a:rPr lang="en-US" dirty="0" smtClean="0"/>
-              <a:t>assuming </a:t>
-            </a:r>
-            <a:r>
               <a:rPr lang="en-US" dirty="0"/>
-              <a:t>the target jump location is located in $t0</a:t>
-            </a:r>
-            <a:r>
-              <a:rPr lang="en-US" dirty="0" smtClean="0"/>
-              <a:t>.</a:t>
-            </a:r>
-            <a:endParaRPr lang="tr-TR" dirty="0" smtClean="0"/>
+              <a:t>assuming the target jump location is located in $t0.</a:t>
+            </a:r>
+            <a:endParaRPr lang="tr-TR" dirty="0"/>
           </a:p>
           <a:p>
             <a:pPr marL="0" indent="0" algn="ctr">
               <a:buNone/>
             </a:pPr>
             <a:r>
-              <a:rPr lang="tr-TR" sz="3500" b="1" dirty="0" err="1" smtClean="0"/>
+              <a:rPr lang="tr-TR" sz="3500" b="1" dirty="0" err="1"/>
               <a:t>Jalr</a:t>
             </a:r>
-            <a:endParaRPr lang="tr-TR" sz="3500" b="1" dirty="0" smtClean="0"/>
+            <a:endParaRPr lang="tr-TR" sz="3500" b="1" dirty="0"/>
           </a:p>
           <a:p>
             <a:pPr marL="0" indent="0">
               <a:buNone/>
             </a:pPr>
             <a:r>
-              <a:rPr lang="en-US" dirty="0" smtClean="0"/>
-              <a:t>The </a:t>
-            </a:r>
-            <a:r>
               <a:rPr lang="en-US" dirty="0"/>
-              <a:t>same as the </a:t>
+              <a:t>The same as the </a:t>
             </a:r>
             <a:r>
               <a:rPr lang="en-US" b="1" dirty="0" err="1"/>
@@ -11726,13 +11504,6 @@
   <p:clrMapOvr>
     <a:masterClrMapping/>
   </p:clrMapOvr>
-  <p:timing>
-    <p:tnLst>
-      <p:par>
-        <p:cTn id="1" dur="indefinite" restart="never" nodeType="tmRoot"/>
-      </p:par>
-    </p:tnLst>
-  </p:timing>
 </p:sld>
 </file>
 
@@ -11776,37 +11547,29 @@
           <a:p>
             <a:pPr algn="ctr"/>
             <a:r>
-              <a:rPr lang="tr-TR" sz="3200" b="1" dirty="0" smtClean="0"/>
+              <a:rPr lang="tr-TR" sz="3200" b="1" dirty="0"/>
               <a:t>JAL</a:t>
             </a:r>
           </a:p>
           <a:p>
             <a:pPr algn="ctr"/>
-            <a:endParaRPr lang="tr-TR" sz="3200" b="1" dirty="0" smtClean="0"/>
-          </a:p>
-          <a:p>
-            <a:r>
-              <a:rPr lang="en-US" sz="2000" b="1" dirty="0" smtClean="0"/>
-              <a:t>Jump </a:t>
-            </a:r>
+            <a:endParaRPr lang="tr-TR" sz="3200" b="1" dirty="0"/>
+          </a:p>
+          <a:p>
             <a:r>
               <a:rPr lang="en-US" sz="2000" b="1" dirty="0"/>
-              <a:t>and Link</a:t>
+              <a:t>Jump and Link</a:t>
             </a:r>
             <a:r>
               <a:rPr lang="en-US" sz="2000" dirty="0"/>
               <a:t> instructions are similar to the jump instructions, </a:t>
             </a:r>
-            <a:endParaRPr lang="tr-TR" sz="2000" dirty="0" smtClean="0"/>
-          </a:p>
-          <a:p>
-            <a:r>
-              <a:rPr lang="en-US" sz="2000" dirty="0" smtClean="0"/>
-              <a:t>except </a:t>
-            </a:r>
+            <a:endParaRPr lang="tr-TR" sz="2000" dirty="0"/>
+          </a:p>
+          <a:p>
             <a:r>
               <a:rPr lang="en-US" sz="2000" dirty="0"/>
-              <a:t>that they store the address of the next instruction (the one immediately after the jump) in the return address ($</a:t>
+              <a:t>except that they store the address of the next instruction (the one immediately after the jump) in the return address ($</a:t>
             </a:r>
             <a:r>
               <a:rPr lang="en-US" sz="2000" dirty="0" err="1"/>
@@ -11814,11 +11577,7 @@
             </a:r>
             <a:r>
               <a:rPr lang="en-US" sz="2000" dirty="0"/>
-              <a:t>; $31) register. This allows a subroutine to return to the main body routine after completion</a:t>
-            </a:r>
-            <a:r>
-              <a:rPr lang="en-US" sz="2000" dirty="0" smtClean="0"/>
-              <a:t>.</a:t>
+              <a:t>; $31) register. This allows a subroutine to return to the main body routine after completion.</a:t>
             </a:r>
             <a:r>
               <a:rPr lang="tr-TR" sz="2000" b="1" dirty="0">
@@ -11854,22 +11613,18 @@
           <a:lstStyle/>
           <a:p>
             <a:r>
-              <a:rPr lang="tr-TR" sz="2000" b="1" dirty="0" err="1" smtClean="0"/>
+              <a:rPr lang="tr-TR" sz="2000" b="1" dirty="0" err="1"/>
               <a:t>Example</a:t>
             </a:r>
             <a:r>
-              <a:rPr lang="tr-TR" sz="2000" b="1" dirty="0" smtClean="0"/>
+              <a:rPr lang="tr-TR" sz="2000" b="1" dirty="0"/>
               <a:t>:</a:t>
             </a:r>
           </a:p>
           <a:p>
             <a:r>
-              <a:rPr lang="en-US" sz="2000" dirty="0" smtClean="0"/>
-              <a:t>Let's </a:t>
-            </a:r>
-            <a:r>
               <a:rPr lang="en-US" sz="2000" dirty="0"/>
-              <a:t>say that we have a subroutine that starts with the label </a:t>
+              <a:t>Let's say that we have a subroutine that starts with the label </a:t>
             </a:r>
             <a:r>
               <a:rPr lang="en-US" sz="2000" dirty="0" err="1"/>
@@ -11877,46 +11632,38 @@
             </a:r>
             <a:r>
               <a:rPr lang="en-US" sz="2000" dirty="0"/>
-              <a:t>. We can call the subroutine using the following line</a:t>
-            </a:r>
-            <a:r>
-              <a:rPr lang="en-US" sz="2000" dirty="0" smtClean="0"/>
-              <a:t>:</a:t>
-            </a:r>
-            <a:endParaRPr lang="tr-TR" sz="2000" dirty="0" smtClean="0"/>
-          </a:p>
-          <a:p>
+              <a:t>. We can call the subroutine using the following line:</a:t>
+            </a:r>
             <a:endParaRPr lang="tr-TR" sz="2000" dirty="0"/>
           </a:p>
           <a:p>
-            <a:r>
-              <a:rPr lang="tr-TR" sz="2000" b="1" dirty="0" err="1" smtClean="0"/>
+            <a:endParaRPr lang="tr-TR" sz="2000" dirty="0"/>
+          </a:p>
+          <a:p>
+            <a:r>
+              <a:rPr lang="tr-TR" sz="2000" b="1" dirty="0" err="1"/>
               <a:t>jal</a:t>
             </a:r>
             <a:r>
-              <a:rPr lang="tr-TR" sz="2000" b="1" dirty="0" smtClean="0"/>
+              <a:rPr lang="tr-TR" sz="2000" b="1" dirty="0"/>
               <a:t>  </a:t>
             </a:r>
             <a:r>
-              <a:rPr lang="tr-TR" sz="2000" b="1" dirty="0" err="1" smtClean="0"/>
+              <a:rPr lang="tr-TR" sz="2000" b="1" dirty="0" err="1"/>
               <a:t>MySub</a:t>
             </a:r>
             <a:r>
-              <a:rPr lang="tr-TR" sz="2000" b="1" dirty="0" smtClean="0"/>
+              <a:rPr lang="tr-TR" sz="2000" b="1" dirty="0"/>
               <a:t> ...</a:t>
             </a:r>
           </a:p>
           <a:p>
-            <a:endParaRPr lang="tr-TR" sz="2000" dirty="0" smtClean="0"/>
-          </a:p>
-          <a:p>
-            <a:r>
-              <a:rPr lang="en-US" sz="2000" dirty="0" smtClean="0"/>
-              <a:t>And </a:t>
-            </a:r>
+            <a:endParaRPr lang="tr-TR" sz="2000" dirty="0"/>
+          </a:p>
+          <a:p>
             <a:r>
               <a:rPr lang="en-US" sz="2000" dirty="0"/>
-              <a:t>we can define </a:t>
+              <a:t>And we can define </a:t>
             </a:r>
             <a:r>
               <a:rPr lang="en-US" sz="2000" dirty="0" err="1"/>
@@ -11940,13 +11687,6 @@
   <p:clrMapOvr>
     <a:masterClrMapping/>
   </p:clrMapOvr>
-  <p:timing>
-    <p:tnLst>
-      <p:par>
-        <p:cTn id="1" dur="indefinite" restart="never" nodeType="tmRoot"/>
-      </p:par>
-    </p:tnLst>
-  </p:timing>
 </p:sld>
 </file>
 
@@ -11990,7 +11730,7 @@
         </p:blipFill>
         <p:spPr bwMode="auto">
           <a:xfrm>
-            <a:off x="440361" y="908720"/>
+            <a:off x="580765" y="980728"/>
             <a:ext cx="8278813" cy="5378152"/>
           </a:xfrm>
           <a:prstGeom prst="rect">
@@ -12039,7 +11779,7 @@
         </p:nvSpPr>
         <p:spPr>
           <a:xfrm>
-            <a:off x="440361" y="348625"/>
+            <a:off x="368353" y="348625"/>
             <a:ext cx="8703639" cy="461665"/>
           </a:xfrm>
           <a:prstGeom prst="rect">
@@ -12054,10 +11794,275 @@
           <a:lstStyle/>
           <a:p>
             <a:r>
-              <a:rPr lang="tr-TR" sz="2400" b="1" dirty="0" smtClean="0"/>
+              <a:rPr lang="tr-TR" sz="2400" b="1" dirty="0"/>
               <a:t>SORU 1:  Aşağıdaki komutların makine kodu karşılıklarını bulunuz? </a:t>
             </a:r>
-            <a:endParaRPr lang="tr-TR" sz="2400" b="1" dirty="0"/>
+          </a:p>
+        </p:txBody>
+      </p:sp>
+      <p:sp>
+        <p:nvSpPr>
+          <p:cNvPr id="4" name="Metin kutusu 3">
+            <a:extLst>
+              <a:ext uri="{FF2B5EF4-FFF2-40B4-BE49-F238E27FC236}">
+                <a16:creationId xmlns:a16="http://schemas.microsoft.com/office/drawing/2014/main" id="{5EC6AA6D-590D-421C-B610-AAE80D4AECB5}"/>
+              </a:ext>
+            </a:extLst>
+          </p:cNvPr>
+          <p:cNvSpPr txBox="1"/>
+          <p:nvPr/>
+        </p:nvSpPr>
+        <p:spPr>
+          <a:xfrm>
+            <a:off x="5148064" y="1412776"/>
+            <a:ext cx="886781" cy="369332"/>
+          </a:xfrm>
+          <a:prstGeom prst="rect">
+            <a:avLst/>
+          </a:prstGeom>
+          <a:noFill/>
+        </p:spPr>
+        <p:txBody>
+          <a:bodyPr wrap="none" rtlCol="0">
+            <a:spAutoFit/>
+          </a:bodyPr>
+          <a:lstStyle/>
+          <a:p>
+            <a:r>
+              <a:rPr lang="tr-TR" dirty="0"/>
+              <a:t>100000</a:t>
+            </a:r>
+            <a:endParaRPr lang="en-US" dirty="0"/>
+          </a:p>
+        </p:txBody>
+      </p:sp>
+      <p:cxnSp>
+        <p:nvCxnSpPr>
+          <p:cNvPr id="6" name="Düz Bağlayıcı 5">
+            <a:extLst>
+              <a:ext uri="{FF2B5EF4-FFF2-40B4-BE49-F238E27FC236}">
+                <a16:creationId xmlns:a16="http://schemas.microsoft.com/office/drawing/2014/main" id="{E22E932C-1AA6-4699-8907-0D40C307CF29}"/>
+              </a:ext>
+            </a:extLst>
+          </p:cNvPr>
+          <p:cNvCxnSpPr>
+            <a:cxnSpLocks/>
+          </p:cNvCxnSpPr>
+          <p:nvPr/>
+        </p:nvCxnSpPr>
+        <p:spPr>
+          <a:xfrm flipV="1">
+            <a:off x="5220072" y="1782108"/>
+            <a:ext cx="814773" cy="206732"/>
+          </a:xfrm>
+          <a:prstGeom prst="line">
+            <a:avLst/>
+          </a:prstGeom>
+        </p:spPr>
+        <p:style>
+          <a:lnRef idx="1">
+            <a:schemeClr val="accent1"/>
+          </a:lnRef>
+          <a:fillRef idx="0">
+            <a:schemeClr val="accent1"/>
+          </a:fillRef>
+          <a:effectRef idx="0">
+            <a:schemeClr val="accent1"/>
+          </a:effectRef>
+          <a:fontRef idx="minor">
+            <a:schemeClr val="tx1"/>
+          </a:fontRef>
+        </p:style>
+      </p:cxnSp>
+      <p:cxnSp>
+        <p:nvCxnSpPr>
+          <p:cNvPr id="9" name="Düz Bağlayıcı 8">
+            <a:extLst>
+              <a:ext uri="{FF2B5EF4-FFF2-40B4-BE49-F238E27FC236}">
+                <a16:creationId xmlns:a16="http://schemas.microsoft.com/office/drawing/2014/main" id="{27D9EBDA-6E6F-485B-A9A4-3E3FA4198A07}"/>
+              </a:ext>
+            </a:extLst>
+          </p:cNvPr>
+          <p:cNvCxnSpPr/>
+          <p:nvPr/>
+        </p:nvCxnSpPr>
+        <p:spPr>
+          <a:xfrm>
+            <a:off x="5148064" y="1782108"/>
+            <a:ext cx="886781" cy="134724"/>
+          </a:xfrm>
+          <a:prstGeom prst="line">
+            <a:avLst/>
+          </a:prstGeom>
+        </p:spPr>
+        <p:style>
+          <a:lnRef idx="1">
+            <a:schemeClr val="accent1"/>
+          </a:lnRef>
+          <a:fillRef idx="0">
+            <a:schemeClr val="accent1"/>
+          </a:fillRef>
+          <a:effectRef idx="0">
+            <a:schemeClr val="accent1"/>
+          </a:effectRef>
+          <a:fontRef idx="minor">
+            <a:schemeClr val="tx1"/>
+          </a:fontRef>
+        </p:style>
+      </p:cxnSp>
+      <p:sp>
+        <p:nvSpPr>
+          <p:cNvPr id="10" name="Metin kutusu 9">
+            <a:extLst>
+              <a:ext uri="{FF2B5EF4-FFF2-40B4-BE49-F238E27FC236}">
+                <a16:creationId xmlns:a16="http://schemas.microsoft.com/office/drawing/2014/main" id="{BDCC1436-2925-4388-B985-5D73DEE446FF}"/>
+              </a:ext>
+            </a:extLst>
+          </p:cNvPr>
+          <p:cNvSpPr txBox="1"/>
+          <p:nvPr/>
+        </p:nvSpPr>
+        <p:spPr>
+          <a:xfrm>
+            <a:off x="4233830" y="2735210"/>
+            <a:ext cx="2787256" cy="646331"/>
+          </a:xfrm>
+          <a:prstGeom prst="rect">
+            <a:avLst/>
+          </a:prstGeom>
+          <a:noFill/>
+        </p:spPr>
+        <p:txBody>
+          <a:bodyPr wrap="square" rtlCol="0">
+            <a:spAutoFit/>
+          </a:bodyPr>
+          <a:lstStyle/>
+          <a:p>
+            <a:r>
+              <a:rPr lang="tr-TR" dirty="0"/>
+              <a:t>Bu komut için </a:t>
+            </a:r>
+            <a:r>
+              <a:rPr lang="tr-TR" dirty="0" err="1">
+                <a:solidFill>
+                  <a:srgbClr val="FF0000"/>
+                </a:solidFill>
+              </a:rPr>
+              <a:t>rd</a:t>
+            </a:r>
+            <a:r>
+              <a:rPr lang="tr-TR" dirty="0"/>
+              <a:t> her zaman 31 yani 0001 1111</a:t>
+            </a:r>
+            <a:endParaRPr lang="en-US" dirty="0"/>
+          </a:p>
+        </p:txBody>
+      </p:sp>
+      <p:sp>
+        <p:nvSpPr>
+          <p:cNvPr id="11" name="Metin kutusu 10">
+            <a:extLst>
+              <a:ext uri="{FF2B5EF4-FFF2-40B4-BE49-F238E27FC236}">
+                <a16:creationId xmlns:a16="http://schemas.microsoft.com/office/drawing/2014/main" id="{804458F4-E14A-4FB0-88F9-5B9AAC5CDCB3}"/>
+              </a:ext>
+            </a:extLst>
+          </p:cNvPr>
+          <p:cNvSpPr txBox="1"/>
+          <p:nvPr/>
+        </p:nvSpPr>
+        <p:spPr>
+          <a:xfrm>
+            <a:off x="4667425" y="893755"/>
+            <a:ext cx="3222998" cy="369332"/>
+          </a:xfrm>
+          <a:prstGeom prst="rect">
+            <a:avLst/>
+          </a:prstGeom>
+          <a:noFill/>
+        </p:spPr>
+        <p:txBody>
+          <a:bodyPr wrap="none" rtlCol="0">
+            <a:spAutoFit/>
+          </a:bodyPr>
+          <a:lstStyle/>
+          <a:p>
+            <a:r>
+              <a:rPr lang="tr-TR" dirty="0"/>
+              <a:t>R </a:t>
+            </a:r>
+            <a:r>
+              <a:rPr lang="tr-TR" dirty="0" err="1"/>
+              <a:t>type</a:t>
+            </a:r>
+            <a:r>
+              <a:rPr lang="tr-TR" dirty="0"/>
+              <a:t> </a:t>
+            </a:r>
+            <a:r>
+              <a:rPr lang="tr-TR" dirty="0">
+                <a:solidFill>
+                  <a:srgbClr val="FF0000"/>
+                </a:solidFill>
+              </a:rPr>
+              <a:t>op </a:t>
+            </a:r>
+            <a:r>
+              <a:rPr lang="tr-TR" dirty="0" err="1">
+                <a:solidFill>
+                  <a:srgbClr val="FF0000"/>
+                </a:solidFill>
+              </a:rPr>
+              <a:t>code</a:t>
+            </a:r>
+            <a:r>
+              <a:rPr lang="tr-TR" dirty="0">
+                <a:solidFill>
+                  <a:srgbClr val="FF0000"/>
+                </a:solidFill>
+              </a:rPr>
+              <a:t> </a:t>
+            </a:r>
+            <a:r>
+              <a:rPr lang="tr-TR" dirty="0"/>
+              <a:t>her zaman 0 olur</a:t>
+            </a:r>
+            <a:endParaRPr lang="en-US" dirty="0"/>
+          </a:p>
+        </p:txBody>
+      </p:sp>
+      <p:sp>
+        <p:nvSpPr>
+          <p:cNvPr id="12" name="Metin kutusu 11">
+            <a:extLst>
+              <a:ext uri="{FF2B5EF4-FFF2-40B4-BE49-F238E27FC236}">
+                <a16:creationId xmlns:a16="http://schemas.microsoft.com/office/drawing/2014/main" id="{9BC5EFBE-83FC-4E9E-9910-2EC9D0D3C734}"/>
+              </a:ext>
+            </a:extLst>
+          </p:cNvPr>
+          <p:cNvSpPr txBox="1"/>
+          <p:nvPr/>
+        </p:nvSpPr>
+        <p:spPr>
+          <a:xfrm>
+            <a:off x="1619672" y="675632"/>
+            <a:ext cx="1296144" cy="523220"/>
+          </a:xfrm>
+          <a:prstGeom prst="rect">
+            <a:avLst/>
+          </a:prstGeom>
+          <a:noFill/>
+        </p:spPr>
+        <p:txBody>
+          <a:bodyPr wrap="square" rtlCol="0">
+            <a:spAutoFit/>
+          </a:bodyPr>
+          <a:lstStyle/>
+          <a:p>
+            <a:r>
+              <a:rPr lang="tr-TR" sz="2800" dirty="0" err="1"/>
+              <a:t>rd-rs-rt</a:t>
+            </a:r>
+            <a:endParaRPr lang="en-US" sz="2800" dirty="0"/>
           </a:p>
         </p:txBody>
       </p:sp>
@@ -12071,13 +12076,6 @@
   <p:clrMapOvr>
     <a:masterClrMapping/>
   </p:clrMapOvr>
-  <p:timing>
-    <p:tnLst>
-      <p:par>
-        <p:cTn id="1" dur="indefinite" restart="never" nodeType="tmRoot"/>
-      </p:par>
-    </p:tnLst>
-  </p:timing>
 </p:sld>
 </file>
 
@@ -12162,6 +12160,50 @@
           </a:extLst>
         </p:spPr>
       </p:pic>
+      <p:sp>
+        <p:nvSpPr>
+          <p:cNvPr id="3" name="Metin kutusu 2">
+            <a:extLst>
+              <a:ext uri="{FF2B5EF4-FFF2-40B4-BE49-F238E27FC236}">
+                <a16:creationId xmlns:a16="http://schemas.microsoft.com/office/drawing/2014/main" id="{214A90DB-51F8-4340-BF3B-37EBF70BBCDB}"/>
+              </a:ext>
+            </a:extLst>
+          </p:cNvPr>
+          <p:cNvSpPr txBox="1"/>
+          <p:nvPr/>
+        </p:nvSpPr>
+        <p:spPr>
+          <a:xfrm>
+            <a:off x="2195736" y="4653136"/>
+            <a:ext cx="6169189" cy="369332"/>
+          </a:xfrm>
+          <a:prstGeom prst="rect">
+            <a:avLst/>
+          </a:prstGeom>
+          <a:noFill/>
+        </p:spPr>
+        <p:txBody>
+          <a:bodyPr wrap="none" rtlCol="0">
+            <a:spAutoFit/>
+          </a:bodyPr>
+          <a:lstStyle/>
+          <a:p>
+            <a:r>
+              <a:rPr lang="tr-TR" dirty="0"/>
+              <a:t>128 hesapla soldan 4 sağdan 2 at geri kalanı </a:t>
+            </a:r>
+            <a:r>
+              <a:rPr lang="tr-TR" dirty="0" err="1"/>
+              <a:t>opcode</a:t>
+            </a:r>
+            <a:r>
+              <a:rPr lang="tr-TR" dirty="0"/>
+              <a:t> un yanına al</a:t>
+            </a:r>
+            <a:endParaRPr lang="en-US" dirty="0"/>
+          </a:p>
+        </p:txBody>
+      </p:sp>
     </p:spTree>
     <p:extLst>
       <p:ext uri="{BB962C8B-B14F-4D97-AF65-F5344CB8AC3E}">
@@ -12172,13 +12214,6 @@
   <p:clrMapOvr>
     <a:masterClrMapping/>
   </p:clrMapOvr>
-  <p:timing>
-    <p:tnLst>
-      <p:par>
-        <p:cTn id="1" dur="indefinite" restart="never" nodeType="tmRoot"/>
-      </p:par>
-    </p:tnLst>
-  </p:timing>
 </p:sld>
 </file>
 
@@ -12465,4 +12500,299 @@
   <a:objectDefaults/>
   <a:extraClrSchemeLst/>
 </a:theme>
+</file>
+
+<file path=ppt/theme/theme2.xml><?xml version="1.0" encoding="utf-8"?>
+<a:theme xmlns:a="http://schemas.openxmlformats.org/drawingml/2006/main" name="Office Teması">
+  <a:themeElements>
+    <a:clrScheme name="Office">
+      <a:dk1>
+        <a:sysClr val="windowText" lastClr="000000"/>
+      </a:dk1>
+      <a:lt1>
+        <a:sysClr val="window" lastClr="FFFFFF"/>
+      </a:lt1>
+      <a:dk2>
+        <a:srgbClr val="44546A"/>
+      </a:dk2>
+      <a:lt2>
+        <a:srgbClr val="E7E6E6"/>
+      </a:lt2>
+      <a:accent1>
+        <a:srgbClr val="4472C4"/>
+      </a:accent1>
+      <a:accent2>
+        <a:srgbClr val="ED7D31"/>
+      </a:accent2>
+      <a:accent3>
+        <a:srgbClr val="A5A5A5"/>
+      </a:accent3>
+      <a:accent4>
+        <a:srgbClr val="FFC000"/>
+      </a:accent4>
+      <a:accent5>
+        <a:srgbClr val="5B9BD5"/>
+      </a:accent5>
+      <a:accent6>
+        <a:srgbClr val="70AD47"/>
+      </a:accent6>
+      <a:hlink>
+        <a:srgbClr val="0563C1"/>
+      </a:hlink>
+      <a:folHlink>
+        <a:srgbClr val="954F72"/>
+      </a:folHlink>
+    </a:clrScheme>
+    <a:fontScheme name="Office">
+      <a:majorFont>
+        <a:latin typeface="Calibri Light" panose="020F0302020204030204"/>
+        <a:ea typeface=""/>
+        <a:cs typeface=""/>
+        <a:font script="Jpan" typeface="游ゴシック Light"/>
+        <a:font script="Hang" typeface="맑은 고딕"/>
+        <a:font script="Hans" typeface="等线 Light"/>
+        <a:font script="Hant" typeface="新細明體"/>
+        <a:font script="Arab" typeface="Times New Roman"/>
+        <a:font script="Hebr" typeface="Times New Roman"/>
+        <a:font script="Thai" typeface="Angsana New"/>
+        <a:font script="Ethi" typeface="Nyala"/>
+        <a:font script="Beng" typeface="Vrinda"/>
+        <a:font script="Gujr" typeface="Shruti"/>
+        <a:font script="Khmr" typeface="MoolBoran"/>
+        <a:font script="Knda" typeface="Tunga"/>
+        <a:font script="Guru" typeface="Raavi"/>
+        <a:font script="Cans" typeface="Euphemia"/>
+        <a:font script="Cher" typeface="Plantagenet Cherokee"/>
+        <a:font script="Yiii" typeface="Microsoft Yi Baiti"/>
+        <a:font script="Tibt" typeface="Microsoft Himalaya"/>
+        <a:font script="Thaa" typeface="MV Boli"/>
+        <a:font script="Deva" typeface="Mangal"/>
+        <a:font script="Telu" typeface="Gautami"/>
+        <a:font script="Taml" typeface="Latha"/>
+        <a:font script="Syrc" typeface="Estrangelo Edessa"/>
+        <a:font script="Orya" typeface="Kalinga"/>
+        <a:font script="Mlym" typeface="Kartika"/>
+        <a:font script="Laoo" typeface="DokChampa"/>
+        <a:font script="Sinh" typeface="Iskoola Pota"/>
+        <a:font script="Mong" typeface="Mongolian Baiti"/>
+        <a:font script="Viet" typeface="Times New Roman"/>
+        <a:font script="Uigh" typeface="Microsoft Uighur"/>
+        <a:font script="Geor" typeface="Sylfaen"/>
+        <a:font script="Armn" typeface="Arial"/>
+        <a:font script="Bugi" typeface="Leelawadee UI"/>
+        <a:font script="Bopo" typeface="Microsoft JhengHei"/>
+        <a:font script="Java" typeface="Javanese Text"/>
+        <a:font script="Lisu" typeface="Segoe UI"/>
+        <a:font script="Mymr" typeface="Myanmar Text"/>
+        <a:font script="Nkoo" typeface="Ebrima"/>
+        <a:font script="Olck" typeface="Nirmala UI"/>
+        <a:font script="Osma" typeface="Ebrima"/>
+        <a:font script="Phag" typeface="Phagspa"/>
+        <a:font script="Syrn" typeface="Estrangelo Edessa"/>
+        <a:font script="Syrj" typeface="Estrangelo Edessa"/>
+        <a:font script="Syre" typeface="Estrangelo Edessa"/>
+        <a:font script="Sora" typeface="Nirmala UI"/>
+        <a:font script="Tale" typeface="Microsoft Tai Le"/>
+        <a:font script="Talu" typeface="Microsoft New Tai Lue"/>
+        <a:font script="Tfng" typeface="Ebrima"/>
+      </a:majorFont>
+      <a:minorFont>
+        <a:latin typeface="Calibri" panose="020F0502020204030204"/>
+        <a:ea typeface=""/>
+        <a:cs typeface=""/>
+        <a:font script="Jpan" typeface="游ゴシック"/>
+        <a:font script="Hang" typeface="맑은 고딕"/>
+        <a:font script="Hans" typeface="等线"/>
+        <a:font script="Hant" typeface="新細明體"/>
+        <a:font script="Arab" typeface="Arial"/>
+        <a:font script="Hebr" typeface="Arial"/>
+        <a:font script="Thai" typeface="Cordia New"/>
+        <a:font script="Ethi" typeface="Nyala"/>
+        <a:font script="Beng" typeface="Vrinda"/>
+        <a:font script="Gujr" typeface="Shruti"/>
+        <a:font script="Khmr" typeface="DaunPenh"/>
+        <a:font script="Knda" typeface="Tunga"/>
+        <a:font script="Guru" typeface="Raavi"/>
+        <a:font script="Cans" typeface="Euphemia"/>
+        <a:font script="Cher" typeface="Plantagenet Cherokee"/>
+        <a:font script="Yiii" typeface="Microsoft Yi Baiti"/>
+        <a:font script="Tibt" typeface="Microsoft Himalaya"/>
+        <a:font script="Thaa" typeface="MV Boli"/>
+        <a:font script="Deva" typeface="Mangal"/>
+        <a:font script="Telu" typeface="Gautami"/>
+        <a:font script="Taml" typeface="Latha"/>
+        <a:font script="Syrc" typeface="Estrangelo Edessa"/>
+        <a:font script="Orya" typeface="Kalinga"/>
+        <a:font script="Mlym" typeface="Kartika"/>
+        <a:font script="Laoo" typeface="DokChampa"/>
+        <a:font script="Sinh" typeface="Iskoola Pota"/>
+        <a:font script="Mong" typeface="Mongolian Baiti"/>
+        <a:font script="Viet" typeface="Arial"/>
+        <a:font script="Uigh" typeface="Microsoft Uighur"/>
+        <a:font script="Geor" typeface="Sylfaen"/>
+        <a:font script="Armn" typeface="Arial"/>
+        <a:font script="Bugi" typeface="Leelawadee UI"/>
+        <a:font script="Bopo" typeface="Microsoft JhengHei"/>
+        <a:font script="Java" typeface="Javanese Text"/>
+        <a:font script="Lisu" typeface="Segoe UI"/>
+        <a:font script="Mymr" typeface="Myanmar Text"/>
+        <a:font script="Nkoo" typeface="Ebrima"/>
+        <a:font script="Olck" typeface="Nirmala UI"/>
+        <a:font script="Osma" typeface="Ebrima"/>
+        <a:font script="Phag" typeface="Phagspa"/>
+        <a:font script="Syrn" typeface="Estrangelo Edessa"/>
+        <a:font script="Syrj" typeface="Estrangelo Edessa"/>
+        <a:font script="Syre" typeface="Estrangelo Edessa"/>
+        <a:font script="Sora" typeface="Nirmala UI"/>
+        <a:font script="Tale" typeface="Microsoft Tai Le"/>
+        <a:font script="Talu" typeface="Microsoft New Tai Lue"/>
+        <a:font script="Tfng" typeface="Ebrima"/>
+      </a:minorFont>
+    </a:fontScheme>
+    <a:fmtScheme name="Office">
+      <a:fillStyleLst>
+        <a:solidFill>
+          <a:schemeClr val="phClr"/>
+        </a:solidFill>
+        <a:gradFill rotWithShape="1">
+          <a:gsLst>
+            <a:gs pos="0">
+              <a:schemeClr val="phClr">
+                <a:lumMod val="110000"/>
+                <a:satMod val="105000"/>
+                <a:tint val="67000"/>
+              </a:schemeClr>
+            </a:gs>
+            <a:gs pos="50000">
+              <a:schemeClr val="phClr">
+                <a:lumMod val="105000"/>
+                <a:satMod val="103000"/>
+                <a:tint val="73000"/>
+              </a:schemeClr>
+            </a:gs>
+            <a:gs pos="100000">
+              <a:schemeClr val="phClr">
+                <a:lumMod val="105000"/>
+                <a:satMod val="109000"/>
+                <a:tint val="81000"/>
+              </a:schemeClr>
+            </a:gs>
+          </a:gsLst>
+          <a:lin ang="5400000" scaled="0"/>
+        </a:gradFill>
+        <a:gradFill rotWithShape="1">
+          <a:gsLst>
+            <a:gs pos="0">
+              <a:schemeClr val="phClr">
+                <a:satMod val="103000"/>
+                <a:lumMod val="102000"/>
+                <a:tint val="94000"/>
+              </a:schemeClr>
+            </a:gs>
+            <a:gs pos="50000">
+              <a:schemeClr val="phClr">
+                <a:satMod val="110000"/>
+                <a:lumMod val="100000"/>
+                <a:shade val="100000"/>
+              </a:schemeClr>
+            </a:gs>
+            <a:gs pos="100000">
+              <a:schemeClr val="phClr">
+                <a:lumMod val="99000"/>
+                <a:satMod val="120000"/>
+                <a:shade val="78000"/>
+              </a:schemeClr>
+            </a:gs>
+          </a:gsLst>
+          <a:lin ang="5400000" scaled="0"/>
+        </a:gradFill>
+      </a:fillStyleLst>
+      <a:lnStyleLst>
+        <a:ln w="6350" cap="flat" cmpd="sng" algn="ctr">
+          <a:solidFill>
+            <a:schemeClr val="phClr"/>
+          </a:solidFill>
+          <a:prstDash val="solid"/>
+          <a:miter lim="800000"/>
+        </a:ln>
+        <a:ln w="12700" cap="flat" cmpd="sng" algn="ctr">
+          <a:solidFill>
+            <a:schemeClr val="phClr"/>
+          </a:solidFill>
+          <a:prstDash val="solid"/>
+          <a:miter lim="800000"/>
+        </a:ln>
+        <a:ln w="19050" cap="flat" cmpd="sng" algn="ctr">
+          <a:solidFill>
+            <a:schemeClr val="phClr"/>
+          </a:solidFill>
+          <a:prstDash val="solid"/>
+          <a:miter lim="800000"/>
+        </a:ln>
+      </a:lnStyleLst>
+      <a:effectStyleLst>
+        <a:effectStyle>
+          <a:effectLst/>
+        </a:effectStyle>
+        <a:effectStyle>
+          <a:effectLst/>
+        </a:effectStyle>
+        <a:effectStyle>
+          <a:effectLst>
+            <a:outerShdw blurRad="57150" dist="19050" dir="5400000" algn="ctr" rotWithShape="0">
+              <a:srgbClr val="000000">
+                <a:alpha val="63000"/>
+              </a:srgbClr>
+            </a:outerShdw>
+          </a:effectLst>
+        </a:effectStyle>
+      </a:effectStyleLst>
+      <a:bgFillStyleLst>
+        <a:solidFill>
+          <a:schemeClr val="phClr"/>
+        </a:solidFill>
+        <a:solidFill>
+          <a:schemeClr val="phClr">
+            <a:tint val="95000"/>
+            <a:satMod val="170000"/>
+          </a:schemeClr>
+        </a:solidFill>
+        <a:gradFill rotWithShape="1">
+          <a:gsLst>
+            <a:gs pos="0">
+              <a:schemeClr val="phClr">
+                <a:tint val="93000"/>
+                <a:satMod val="150000"/>
+                <a:shade val="98000"/>
+                <a:lumMod val="102000"/>
+              </a:schemeClr>
+            </a:gs>
+            <a:gs pos="50000">
+              <a:schemeClr val="phClr">
+                <a:tint val="98000"/>
+                <a:satMod val="130000"/>
+                <a:shade val="90000"/>
+                <a:lumMod val="103000"/>
+              </a:schemeClr>
+            </a:gs>
+            <a:gs pos="100000">
+              <a:schemeClr val="phClr">
+                <a:shade val="63000"/>
+                <a:satMod val="120000"/>
+              </a:schemeClr>
+            </a:gs>
+          </a:gsLst>
+          <a:lin ang="5400000" scaled="0"/>
+        </a:gradFill>
+      </a:bgFillStyleLst>
+    </a:fmtScheme>
+  </a:themeElements>
+  <a:objectDefaults/>
+  <a:extraClrSchemeLst/>
+  <a:extLst>
+    <a:ext uri="{05A4C25C-085E-4340-85A3-A5531E510DB2}">
+      <thm15:themeFamily xmlns:thm15="http://schemas.microsoft.com/office/thememl/2012/main" name="Office Theme" id="{62F939B6-93AF-4DB8-9C6B-D6C7DFDC589F}" vid="{4A3C46E8-61CC-4603-A589-7422A47A8E4A}"/>
+    </a:ext>
+  </a:extLst>
+</a:theme>
 </file>